--- a/Retail Store Stock Inventory Analytics.pptx
+++ b/Retail Store Stock Inventory Analytics.pptx
@@ -261,7 +261,7 @@
   </p:defaultTextStyle>
   <p:extLst>
     <p:ext uri="http://customooxmlschemas.google.com/">
-      <go:slidesCustomData xmlns:go="http://customooxmlschemas.google.com/" r:id="rId20" roundtripDataSignature="AMtx7mjiHdIJYCJu8VR6XBvGBxfDE/hLUA=="/>
+      <go:slidesCustomData xmlns:go="http://customooxmlschemas.google.com/" r:id="rId20" roundtripDataSignature="AMtx7miXKOqSVaaJFDNzsD7qEEHM1fByDg=="/>
     </p:ext>
   </p:extLst>
 </p:presentation>
@@ -1907,7 +1907,7 @@
       </p:grpSpPr>
       <p:sp>
         <p:nvSpPr>
-          <p:cNvPr id="130" name="Google Shape;130;p10:notes"/>
+          <p:cNvPr id="130" name="Google Shape;130;g15cb980098e_1_0:notes"/>
           <p:cNvSpPr txBox="1"/>
           <p:nvPr>
             <p:ph idx="1" type="body"/>
@@ -1954,7 +1954,7 @@
       </p:sp>
       <p:sp>
         <p:nvSpPr>
-          <p:cNvPr id="131" name="Google Shape;131;p10:notes"/>
+          <p:cNvPr id="131" name="Google Shape;131;g15cb980098e_1_0:notes"/>
           <p:cNvSpPr/>
           <p:nvPr>
             <p:ph idx="2" type="sldImg"/>
@@ -15708,7 +15708,7 @@
             <a:tbl>
               <a:tblPr bandRow="1" firstRow="1">
                 <a:noFill/>
-                <a:tableStyleId>{62BF7A08-94A4-4D0D-B81D-A38B6230D4CA}</a:tableStyleId>
+                <a:tableStyleId>{7BFAED78-9358-43A6-B5EC-C48E128BDD87}</a:tableStyleId>
               </a:tblPr>
               <a:tblGrid>
                 <a:gridCol w="946200"/>
@@ -15824,7 +15824,17 @@
                       <a:endParaRPr sz="1800" u="none" cap="none" strike="noStrike"/>
                     </a:p>
                   </a:txBody>
-                  <a:tcPr marT="45725" marB="45725" marR="91450" marL="91450"/>
+                  <a:tcPr marT="45725" marB="45725" marR="91450" marL="91450">
+                    <a:lnB cap="flat" cmpd="sng" w="12700">
+                      <a:solidFill>
+                        <a:schemeClr val="lt1"/>
+                      </a:solidFill>
+                      <a:prstDash val="solid"/>
+                      <a:round/>
+                      <a:headEnd len="sm" w="sm" type="none"/>
+                      <a:tailEnd len="sm" w="sm" type="none"/>
+                    </a:lnB>
+                  </a:tcPr>
                 </a:tc>
                 <a:tc>
                   <a:txBody>
@@ -15878,7 +15888,17 @@
                       <a:endParaRPr sz="1800" u="none" cap="none" strike="noStrike"/>
                     </a:p>
                   </a:txBody>
-                  <a:tcPr marT="45725" marB="45725" marR="91450" marL="91450"/>
+                  <a:tcPr marT="45725" marB="45725" marR="91450" marL="91450">
+                    <a:lnB cap="flat" cmpd="sng" w="12700">
+                      <a:solidFill>
+                        <a:schemeClr val="lt1"/>
+                      </a:solidFill>
+                      <a:prstDash val="solid"/>
+                      <a:round/>
+                      <a:headEnd len="sm" w="sm" type="none"/>
+                      <a:tailEnd len="sm" w="sm" type="none"/>
+                    </a:lnB>
+                  </a:tcPr>
                 </a:tc>
                 <a:tc>
                   <a:txBody>
@@ -15932,7 +15952,17 @@
                       <a:endParaRPr sz="1800" u="none" cap="none" strike="noStrike"/>
                     </a:p>
                   </a:txBody>
-                  <a:tcPr marT="45725" marB="45725" marR="91450" marL="91450"/>
+                  <a:tcPr marT="45725" marB="45725" marR="91450" marL="91450">
+                    <a:lnB cap="flat" cmpd="sng" w="12700">
+                      <a:solidFill>
+                        <a:schemeClr val="lt1"/>
+                      </a:solidFill>
+                      <a:prstDash val="solid"/>
+                      <a:round/>
+                      <a:headEnd len="sm" w="sm" type="none"/>
+                      <a:tailEnd len="sm" w="sm" type="none"/>
+                    </a:lnB>
+                  </a:tcPr>
                 </a:tc>
               </a:tr>
               <a:tr h="1021725">
@@ -15965,7 +15995,17 @@
                       <a:endParaRPr sz="1800" u="none" cap="none" strike="noStrike"/>
                     </a:p>
                   </a:txBody>
-                  <a:tcPr marT="45725" marB="45725" marR="91450" marL="91450"/>
+                  <a:tcPr marT="45725" marB="45725" marR="91450" marL="91450">
+                    <a:lnR cap="flat" cmpd="sng" w="12700">
+                      <a:solidFill>
+                        <a:schemeClr val="lt1"/>
+                      </a:solidFill>
+                      <a:prstDash val="solid"/>
+                      <a:round/>
+                      <a:headEnd len="sm" w="sm" type="none"/>
+                      <a:tailEnd len="sm" w="sm" type="none"/>
+                    </a:lnR>
+                  </a:tcPr>
                 </a:tc>
                 <a:tc>
                   <a:txBody>
@@ -15985,10 +16025,13 @@
                         <a:buNone/>
                       </a:pPr>
                       <a:r>
-                        <a:rPr b="0" i="0" lang="en-IN" sz="1400" u="sng" cap="none" strike="noStrike">
+                        <a:rPr b="0" i="0" lang="en-IN" sz="1600" cap="none" strike="noStrike">
                           <a:solidFill>
                             <a:schemeClr val="dk1"/>
                           </a:solidFill>
+                          <a:uFill>
+                            <a:noFill/>
+                          </a:uFill>
                           <a:latin typeface="Calibri"/>
                           <a:ea typeface="Calibri"/>
                           <a:cs typeface="Calibri"/>
@@ -16001,10 +16044,10 @@
                             </a:extLst>
                           </a:hlinkClick>
                         </a:rPr>
-                        <a:t>Zhang Zhenmin</a:t>
+                        <a:t>Cinthya Vanessa Muñoz Macas</a:t>
                       </a:r>
                       <a:r>
-                        <a:rPr b="0" i="0" lang="en-IN" sz="1400" u="none" cap="none" strike="noStrike">
+                        <a:rPr b="0" i="0" lang="en-IN" sz="1600" cap="none" strike="noStrike">
                           <a:solidFill>
                             <a:schemeClr val="dk1"/>
                           </a:solidFill>
@@ -16016,10 +16059,13 @@
                         <a:t>, </a:t>
                       </a:r>
                       <a:r>
-                        <a:rPr b="0" i="0" lang="en-IN" sz="1400" u="sng" cap="none" strike="noStrike">
+                        <a:rPr b="0" i="0" lang="en-IN" sz="1600" cap="none" strike="noStrike">
                           <a:solidFill>
                             <a:schemeClr val="dk1"/>
                           </a:solidFill>
+                          <a:uFill>
+                            <a:noFill/>
+                          </a:uFill>
                           <a:latin typeface="Calibri"/>
                           <a:ea typeface="Calibri"/>
                           <a:cs typeface="Calibri"/>
@@ -16032,9 +16078,77 @@
                             </a:extLst>
                           </a:hlinkClick>
                         </a:rPr>
-                        <a:t>Li Lin</a:t>
+                        <a:t>Jorge Andrés Espinoza Aguirre</a:t>
                       </a:r>
-                      <a:endParaRPr b="0" i="0" sz="1400" u="none" cap="none" strike="noStrike">
+                      <a:r>
+                        <a:rPr b="0" i="0" lang="en-IN" sz="1600" cap="none" strike="noStrike">
+                          <a:solidFill>
+                            <a:schemeClr val="dk1"/>
+                          </a:solidFill>
+                          <a:latin typeface="Calibri"/>
+                          <a:ea typeface="Calibri"/>
+                          <a:cs typeface="Calibri"/>
+                          <a:sym typeface="Calibri"/>
+                        </a:rPr>
+                        <a:t>, </a:t>
+                      </a:r>
+                      <a:r>
+                        <a:rPr b="0" i="0" lang="en-IN" sz="1600" cap="none" strike="noStrike">
+                          <a:solidFill>
+                            <a:schemeClr val="dk1"/>
+                          </a:solidFill>
+                          <a:uFill>
+                            <a:noFill/>
+                          </a:uFill>
+                          <a:latin typeface="Calibri"/>
+                          <a:ea typeface="Calibri"/>
+                          <a:cs typeface="Calibri"/>
+                          <a:sym typeface="Calibri"/>
+                          <a:hlinkClick r:id="rId5">
+                            <a:extLst>
+                              <a:ext uri="{A12FA001-AC4F-418D-AE19-62706E023703}">
+                                <ahyp:hlinkClr val="tx"/>
+                              </a:ext>
+                            </a:extLst>
+                          </a:hlinkClick>
+                        </a:rPr>
+                        <a:t>Rodrigo Arcentales-Carrión</a:t>
+                      </a:r>
+                      <a:r>
+                        <a:rPr b="0" i="0" lang="en-IN" sz="1600" cap="none" strike="noStrike">
+                          <a:solidFill>
+                            <a:schemeClr val="dk1"/>
+                          </a:solidFill>
+                          <a:latin typeface="Calibri"/>
+                          <a:ea typeface="Calibri"/>
+                          <a:cs typeface="Calibri"/>
+                          <a:sym typeface="Calibri"/>
+                        </a:rPr>
+                        <a:t>, </a:t>
+                      </a:r>
+                      <a:r>
+                        <a:rPr b="0" i="0" lang="en-IN" sz="1600" cap="none" strike="noStrike">
+                          <a:solidFill>
+                            <a:schemeClr val="dk1"/>
+                          </a:solidFill>
+                          <a:uFill>
+                            <a:noFill/>
+                          </a:uFill>
+                          <a:latin typeface="Calibri"/>
+                          <a:ea typeface="Calibri"/>
+                          <a:cs typeface="Calibri"/>
+                          <a:sym typeface="Calibri"/>
+                          <a:hlinkClick r:id="rId6">
+                            <a:extLst>
+                              <a:ext uri="{A12FA001-AC4F-418D-AE19-62706E023703}">
+                                <ahyp:hlinkClr val="tx"/>
+                              </a:ext>
+                            </a:extLst>
+                          </a:hlinkClick>
+                        </a:rPr>
+                        <a:t>Mario Peña</a:t>
+                      </a:r>
+                      <a:endParaRPr b="0" i="0" sz="1600" cap="none" strike="noStrike">
                         <a:solidFill>
                           <a:schemeClr val="dk1"/>
                         </a:solidFill>
@@ -16058,7 +16172,7 @@
                         <a:buNone/>
                       </a:pPr>
                       <a:r>
-                        <a:rPr b="0" i="0" lang="en-IN" sz="1400" u="none" cap="none" strike="noStrike">
+                        <a:rPr b="0" i="0" lang="en-IN" sz="1600" u="none" cap="none" strike="noStrike">
                           <a:solidFill>
                             <a:schemeClr val="dk1"/>
                           </a:solidFill>
@@ -16067,13 +16181,103 @@
                           <a:cs typeface="Calibri"/>
                           <a:sym typeface="Calibri"/>
                         </a:rPr>
-                        <a:t>Operations &amp; Supply Chain Management Research Center, School of Business, ECUST, Shanghai, China / 20</a:t>
+                        <a:t>Research Department (DIUC), University of Cuenca, Cuenca, Ecuador</a:t>
                       </a:r>
                       <a:r>
-                        <a:rPr lang="en-IN"/>
-                        <a:t>18</a:t>
+                        <a:rPr lang="en-IN" sz="1600"/>
+                        <a:t> / </a:t>
                       </a:r>
-                      <a:endParaRPr/>
+                      <a:r>
+                        <a:rPr b="1" lang="en-IN" sz="1600"/>
+                        <a:t>2021</a:t>
+                      </a:r>
+                      <a:br>
+                        <a:rPr b="0" i="0" lang="en-IN" sz="1600" u="none" cap="none" strike="noStrike">
+                          <a:solidFill>
+                            <a:schemeClr val="dk1"/>
+                          </a:solidFill>
+                          <a:latin typeface="Calibri"/>
+                          <a:ea typeface="Calibri"/>
+                          <a:cs typeface="Calibri"/>
+                          <a:sym typeface="Calibri"/>
+                        </a:rPr>
+                      </a:br>
+                      <a:endParaRPr sz="1600" u="none" cap="none" strike="noStrike">
+                        <a:solidFill>
+                          <a:schemeClr val="dk1"/>
+                        </a:solidFill>
+                      </a:endParaRPr>
+                    </a:p>
+                  </a:txBody>
+                  <a:tcPr marT="45725" marB="45725" marR="91450" marL="91450">
+                    <a:lnL cap="flat" cmpd="sng" w="12700">
+                      <a:solidFill>
+                        <a:schemeClr val="lt1"/>
+                      </a:solidFill>
+                      <a:prstDash val="solid"/>
+                      <a:round/>
+                      <a:headEnd len="sm" w="sm" type="none"/>
+                      <a:tailEnd len="sm" w="sm" type="none"/>
+                    </a:lnL>
+                    <a:lnR cap="flat" cmpd="sng" w="12700">
+                      <a:solidFill>
+                        <a:schemeClr val="lt1"/>
+                      </a:solidFill>
+                      <a:prstDash val="solid"/>
+                      <a:round/>
+                      <a:headEnd len="sm" w="sm" type="none"/>
+                      <a:tailEnd len="sm" w="sm" type="none"/>
+                    </a:lnR>
+                    <a:lnT cap="flat" cmpd="sng" w="12700">
+                      <a:solidFill>
+                        <a:schemeClr val="lt1"/>
+                      </a:solidFill>
+                      <a:prstDash val="solid"/>
+                      <a:round/>
+                      <a:headEnd len="sm" w="sm" type="none"/>
+                      <a:tailEnd len="sm" w="sm" type="none"/>
+                    </a:lnT>
+                    <a:lnB cap="flat" cmpd="sng" w="12700">
+                      <a:solidFill>
+                        <a:schemeClr val="lt1"/>
+                      </a:solidFill>
+                      <a:prstDash val="solid"/>
+                      <a:round/>
+                      <a:headEnd len="sm" w="sm" type="none"/>
+                      <a:tailEnd len="sm" w="sm" type="none"/>
+                    </a:lnB>
+                  </a:tcPr>
+                </a:tc>
+                <a:tc>
+                  <a:txBody>
+                    <a:bodyPr/>
+                    <a:lstStyle/>
+                    <a:p>
+                      <a:pPr indent="0" lvl="0" marL="0" marR="0" rtl="0" algn="l">
+                        <a:lnSpc>
+                          <a:spcPct val="100000"/>
+                        </a:lnSpc>
+                        <a:spcBef>
+                          <a:spcPts val="0"/>
+                        </a:spcBef>
+                        <a:spcAft>
+                          <a:spcPts val="0"/>
+                        </a:spcAft>
+                        <a:buNone/>
+                      </a:pPr>
+                      <a:r>
+                        <a:rPr b="0" i="0" lang="en-IN" sz="1600" u="none" cap="none" strike="noStrike">
+                          <a:solidFill>
+                            <a:schemeClr val="dk1"/>
+                          </a:solidFill>
+                          <a:latin typeface="Calibri"/>
+                          <a:ea typeface="Calibri"/>
+                          <a:cs typeface="Calibri"/>
+                          <a:sym typeface="Calibri"/>
+                        </a:rPr>
+                        <a:t>Inventory management for retail companies</a:t>
+                      </a:r>
+                      <a:endParaRPr sz="1600"/>
                     </a:p>
                     <a:p>
                       <a:pPr indent="0" lvl="0" marL="0" marR="0" rtl="0" algn="l">
@@ -16096,10 +16300,70 @@
                       <a:r>
                         <a:t/>
                       </a:r>
-                      <a:endParaRPr sz="1800" u="none" cap="none" strike="noStrike"/>
+                      <a:endParaRPr sz="1600" u="none" cap="none" strike="noStrike"/>
+                    </a:p>
+                    <a:p>
+                      <a:pPr indent="0" lvl="0" marL="0" marR="0" rtl="0" algn="l">
+                        <a:lnSpc>
+                          <a:spcPct val="100000"/>
+                        </a:lnSpc>
+                        <a:spcBef>
+                          <a:spcPts val="0"/>
+                        </a:spcBef>
+                        <a:spcAft>
+                          <a:spcPts val="0"/>
+                        </a:spcAft>
+                        <a:buClr>
+                          <a:srgbClr val="000000"/>
+                        </a:buClr>
+                        <a:buSzPts val="1400"/>
+                        <a:buFont typeface="Arial"/>
+                        <a:buNone/>
+                      </a:pPr>
+                      <a:r>
+                        <a:t/>
+                      </a:r>
+                      <a:endParaRPr sz="1600" u="none" cap="none" strike="noStrike"/>
                     </a:p>
                   </a:txBody>
-                  <a:tcPr marT="45725" marB="45725" marR="91450" marL="91450"/>
+                  <a:tcPr marT="45725" marB="45725" marR="91450" marL="91450">
+                    <a:lnL cap="flat" cmpd="sng" w="12700">
+                      <a:solidFill>
+                        <a:schemeClr val="lt1"/>
+                      </a:solidFill>
+                      <a:prstDash val="solid"/>
+                      <a:round/>
+                      <a:headEnd len="sm" w="sm" type="none"/>
+                      <a:tailEnd len="sm" w="sm" type="none"/>
+                    </a:lnL>
+                    <a:lnR cap="flat" cmpd="sng" w="12700">
+                      <a:solidFill>
+                        <a:schemeClr val="lt1"/>
+                      </a:solidFill>
+                      <a:prstDash val="solid"/>
+                      <a:round/>
+                      <a:headEnd len="sm" w="sm" type="none"/>
+                      <a:tailEnd len="sm" w="sm" type="none"/>
+                    </a:lnR>
+                    <a:lnT cap="flat" cmpd="sng" w="12700">
+                      <a:solidFill>
+                        <a:schemeClr val="lt1"/>
+                      </a:solidFill>
+                      <a:prstDash val="solid"/>
+                      <a:round/>
+                      <a:headEnd len="sm" w="sm" type="none"/>
+                      <a:tailEnd len="sm" w="sm" type="none"/>
+                    </a:lnT>
+                    <a:lnB cap="flat" cmpd="sng" w="12700">
+                      <a:solidFill>
+                        <a:schemeClr val="lt1"/>
+                      </a:solidFill>
+                      <a:prstDash val="solid"/>
+                      <a:round/>
+                      <a:headEnd len="sm" w="sm" type="none"/>
+                      <a:tailEnd len="sm" w="sm" type="none"/>
+                    </a:lnB>
+                  </a:tcPr>
                 </a:tc>
                 <a:tc>
                   <a:txBody>
@@ -16117,7 +16381,7 @@
                           <a:spcPts val="0"/>
                         </a:spcAft>
                         <a:buClr>
-                          <a:schemeClr val="dk1"/>
+                          <a:srgbClr val="000000"/>
                         </a:buClr>
                         <a:buSzPts val="1100"/>
                         <a:buFont typeface="Arial"/>
@@ -16133,60 +16397,14 @@
                           <a:cs typeface="Calibri"/>
                           <a:sym typeface="Calibri"/>
                         </a:rPr>
-                        <a:t>Perishables Inventory Management Model with Backroom Effect</a:t>
+                        <a:t> The primary outcomes of this study are the leading inventory management systems and models</a:t>
                       </a:r>
-                      <a:endParaRPr/>
-                    </a:p>
-                    <a:p>
-                      <a:pPr indent="0" lvl="0" marL="0" marR="0" rtl="0" algn="l">
-                        <a:lnSpc>
-                          <a:spcPct val="100000"/>
-                        </a:lnSpc>
-                        <a:spcBef>
-                          <a:spcPts val="0"/>
-                        </a:spcBef>
-                        <a:spcAft>
-                          <a:spcPts val="0"/>
-                        </a:spcAft>
-                        <a:buClr>
-                          <a:srgbClr val="000000"/>
-                        </a:buClr>
-                        <a:buSzPts val="1600"/>
-                        <a:buFont typeface="Arial"/>
-                        <a:buNone/>
-                      </a:pPr>
                       <a:r>
-                        <a:t/>
+                        <a:rPr lang="en-IN" sz="1600"/>
+                        <a:t> </a:t>
                       </a:r>
-                      <a:endParaRPr sz="1600" u="none" cap="none" strike="noStrike"/>
-                    </a:p>
-                  </a:txBody>
-                  <a:tcPr marT="45725" marB="45725" marR="91450" marL="91450"/>
-                </a:tc>
-                <a:tc>
-                  <a:txBody>
-                    <a:bodyPr/>
-                    <a:lstStyle/>
-                    <a:p>
-                      <a:pPr indent="0" lvl="0" marL="0" marR="0" rtl="0" algn="l">
-                        <a:lnSpc>
-                          <a:spcPct val="100000"/>
-                        </a:lnSpc>
-                        <a:spcBef>
-                          <a:spcPts val="0"/>
-                        </a:spcBef>
-                        <a:spcAft>
-                          <a:spcPts val="0"/>
-                        </a:spcAft>
-                        <a:buClr>
-                          <a:schemeClr val="dk1"/>
-                        </a:buClr>
-                        <a:buSzPts val="1100"/>
-                        <a:buFont typeface="Arial"/>
-                        <a:buNone/>
-                      </a:pPr>
                       <a:r>
-                        <a:rPr b="0" i="0" lang="en-IN" sz="1400" u="none" cap="none" strike="noStrike">
+                        <a:rPr b="0" i="0" lang="en-IN" sz="1600" u="none" cap="none" strike="noStrike">
                           <a:solidFill>
                             <a:schemeClr val="dk1"/>
                           </a:solidFill>
@@ -16195,12 +16413,54 @@
                           <a:cs typeface="Calibri"/>
                           <a:sym typeface="Calibri"/>
                         </a:rPr>
-                        <a:t>This paper considers two storage locations (shelf and backroom) in supermarket selling perishable products. Due to the backroom effect, the products with higher freshness are periodically replenished from backroom to shelf, where freshness-and-shelf level-sensitive consumers purchase the products according to their "perceived average freshness" of displayed fresh products.</a:t>
+                        <a:t>and the benefits and challenges for choosing or adopting an efficient inventory control and management system.</a:t>
                       </a:r>
-                      <a:endParaRPr sz="1600" u="none" cap="none" strike="noStrike"/>
+                      <a:endParaRPr sz="1600" u="none" cap="none" strike="noStrike">
+                        <a:latin typeface="Times New Roman"/>
+                        <a:ea typeface="Times New Roman"/>
+                        <a:cs typeface="Times New Roman"/>
+                        <a:sym typeface="Times New Roman"/>
+                      </a:endParaRPr>
                     </a:p>
                   </a:txBody>
-                  <a:tcPr marT="45725" marB="45725" marR="91450" marL="91450"/>
+                  <a:tcPr marT="45725" marB="45725" marR="91450" marL="91450">
+                    <a:lnL cap="flat" cmpd="sng" w="12700">
+                      <a:solidFill>
+                        <a:schemeClr val="lt1"/>
+                      </a:solidFill>
+                      <a:prstDash val="solid"/>
+                      <a:round/>
+                      <a:headEnd len="sm" w="sm" type="none"/>
+                      <a:tailEnd len="sm" w="sm" type="none"/>
+                    </a:lnL>
+                    <a:lnR cap="flat" cmpd="sng" w="12700">
+                      <a:solidFill>
+                        <a:schemeClr val="lt1"/>
+                      </a:solidFill>
+                      <a:prstDash val="solid"/>
+                      <a:round/>
+                      <a:headEnd len="sm" w="sm" type="none"/>
+                      <a:tailEnd len="sm" w="sm" type="none"/>
+                    </a:lnR>
+                    <a:lnT cap="flat" cmpd="sng" w="12700">
+                      <a:solidFill>
+                        <a:schemeClr val="lt1"/>
+                      </a:solidFill>
+                      <a:prstDash val="solid"/>
+                      <a:round/>
+                      <a:headEnd len="sm" w="sm" type="none"/>
+                      <a:tailEnd len="sm" w="sm" type="none"/>
+                    </a:lnT>
+                    <a:lnB cap="flat" cmpd="sng" w="12700">
+                      <a:solidFill>
+                        <a:schemeClr val="lt1"/>
+                      </a:solidFill>
+                      <a:prstDash val="solid"/>
+                      <a:round/>
+                      <a:headEnd len="sm" w="sm" type="none"/>
+                      <a:tailEnd len="sm" w="sm" type="none"/>
+                    </a:lnB>
+                  </a:tcPr>
                 </a:tc>
               </a:tr>
               <a:tr h="1021725">
@@ -16233,7 +16493,17 @@
                       <a:endParaRPr sz="1800" u="none" cap="none" strike="noStrike"/>
                     </a:p>
                   </a:txBody>
-                  <a:tcPr marT="45725" marB="45725" marR="91450" marL="91450"/>
+                  <a:tcPr marT="45725" marB="45725" marR="91450" marL="91450">
+                    <a:lnR cap="flat" cmpd="sng" w="12700">
+                      <a:solidFill>
+                        <a:schemeClr val="lt1"/>
+                      </a:solidFill>
+                      <a:prstDash val="solid"/>
+                      <a:round/>
+                      <a:headEnd len="sm" w="sm" type="none"/>
+                      <a:tailEnd len="sm" w="sm" type="none"/>
+                    </a:lnR>
+                  </a:tcPr>
                 </a:tc>
                 <a:tc>
                   <a:txBody>
@@ -16253,72 +16523,13 @@
                         <a:buNone/>
                       </a:pPr>
                       <a:r>
-                        <a:rPr b="0" i="0" lang="en-IN" sz="1400" u="sng" cap="none" strike="noStrike">
+                        <a:rPr b="0" i="0" lang="en-IN" sz="1600" cap="none" strike="noStrike">
                           <a:solidFill>
                             <a:schemeClr val="dk1"/>
                           </a:solidFill>
-                          <a:latin typeface="Calibri"/>
-                          <a:ea typeface="Calibri"/>
-                          <a:cs typeface="Calibri"/>
-                          <a:sym typeface="Calibri"/>
-                          <a:hlinkClick r:id="rId5">
-                            <a:extLst>
-                              <a:ext uri="{A12FA001-AC4F-418D-AE19-62706E023703}">
-                                <ahyp:hlinkClr val="tx"/>
-                              </a:ext>
-                            </a:extLst>
-                          </a:hlinkClick>
-                        </a:rPr>
-                        <a:t>Abhijit Barman</a:t>
-                      </a:r>
-                      <a:r>
-                        <a:rPr b="0" i="0" lang="en-IN" sz="1400" u="none" cap="none" strike="noStrike">
-                          <a:solidFill>
-                            <a:schemeClr val="dk1"/>
-                          </a:solidFill>
-                          <a:latin typeface="Calibri"/>
-                          <a:ea typeface="Calibri"/>
-                          <a:cs typeface="Calibri"/>
-                          <a:sym typeface="Calibri"/>
-                        </a:rPr>
-                        <a:t>, </a:t>
-                      </a:r>
-                      <a:r>
-                        <a:rPr b="0" i="0" lang="en-IN" sz="1400" u="sng" cap="none" strike="noStrike">
-                          <a:solidFill>
-                            <a:schemeClr val="dk1"/>
-                          </a:solidFill>
-                          <a:latin typeface="Calibri"/>
-                          <a:ea typeface="Calibri"/>
-                          <a:cs typeface="Calibri"/>
-                          <a:sym typeface="Calibri"/>
-                          <a:hlinkClick r:id="rId6">
-                            <a:extLst>
-                              <a:ext uri="{A12FA001-AC4F-418D-AE19-62706E023703}">
-                                <ahyp:hlinkClr val="tx"/>
-                              </a:ext>
-                            </a:extLst>
-                          </a:hlinkClick>
-                        </a:rPr>
-                        <a:t>Rubi Das</a:t>
-                      </a:r>
-                      <a:r>
-                        <a:rPr b="0" i="0" lang="en-IN" sz="1400" u="sng" cap="none" strike="noStrike">
-                          <a:solidFill>
-                            <a:schemeClr val="dk1"/>
-                          </a:solidFill>
-                          <a:latin typeface="Calibri"/>
-                          <a:ea typeface="Calibri"/>
-                          <a:cs typeface="Calibri"/>
-                          <a:sym typeface="Calibri"/>
-                        </a:rPr>
-                        <a:t>, </a:t>
-                      </a:r>
-                      <a:r>
-                        <a:rPr b="0" i="0" lang="en-IN" sz="1400" u="sng" cap="none" strike="noStrike">
-                          <a:solidFill>
-                            <a:schemeClr val="dk1"/>
-                          </a:solidFill>
+                          <a:uFill>
+                            <a:noFill/>
+                          </a:uFill>
                           <a:latin typeface="Calibri"/>
                           <a:ea typeface="Calibri"/>
                           <a:cs typeface="Calibri"/>
@@ -16331,70 +16542,102 @@
                             </a:extLst>
                           </a:hlinkClick>
                         </a:rPr>
-                        <a:t>Pijus Kanti De</a:t>
+                        <a:t>Cinthya Vanessa Munoz Macas</a:t>
                       </a:r>
-                      <a:endParaRPr b="0" i="0" sz="1400" u="none" cap="none" strike="noStrike">
-                        <a:solidFill>
-                          <a:schemeClr val="dk1"/>
-                        </a:solidFill>
-                        <a:latin typeface="Calibri"/>
-                        <a:ea typeface="Calibri"/>
-                        <a:cs typeface="Calibri"/>
-                        <a:sym typeface="Calibri"/>
-                      </a:endParaRPr>
-                    </a:p>
-                    <a:p>
-                      <a:pPr indent="0" lvl="0" marL="0" marR="0" rtl="0" algn="l">
-                        <a:lnSpc>
-                          <a:spcPct val="100000"/>
-                        </a:lnSpc>
-                        <a:spcBef>
-                          <a:spcPts val="0"/>
-                        </a:spcBef>
-                        <a:spcAft>
-                          <a:spcPts val="0"/>
-                        </a:spcAft>
-                        <a:buNone/>
-                      </a:pPr>
                       <a:r>
-                        <a:rPr b="0" i="0" lang="en-IN" sz="1400" u="none" cap="none" strike="noStrike">
+                        <a:rPr b="0" i="0" lang="en-IN" sz="1600" cap="none" strike="noStrike">
                           <a:solidFill>
                             <a:schemeClr val="dk1"/>
                           </a:solidFill>
+                          <a:latin typeface="Times New Roman"/>
+                          <a:ea typeface="Times New Roman"/>
+                          <a:cs typeface="Times New Roman"/>
+                          <a:sym typeface="Times New Roman"/>
+                        </a:rPr>
+                        <a:t>, </a:t>
+                      </a:r>
+                      <a:r>
+                        <a:rPr b="0" i="0" lang="en-IN" sz="1600" cap="none" strike="noStrike">
+                          <a:solidFill>
+                            <a:schemeClr val="dk1"/>
+                          </a:solidFill>
+                          <a:uFill>
+                            <a:noFill/>
+                          </a:uFill>
                           <a:latin typeface="Calibri"/>
                           <a:ea typeface="Calibri"/>
                           <a:cs typeface="Calibri"/>
                           <a:sym typeface="Calibri"/>
+                          <a:hlinkClick r:id="rId8">
+                            <a:extLst>
+                              <a:ext uri="{A12FA001-AC4F-418D-AE19-62706E023703}">
+                                <ahyp:hlinkClr val="tx"/>
+                              </a:ext>
+                            </a:extLst>
+                          </a:hlinkClick>
                         </a:rPr>
-                        <a:t>Department of Mathematics, National Institute of Technology Silchar, Silchar, Assam, India / 2020</a:t>
+                        <a:t>Jorge Andres Espinoza Aguirre</a:t>
                       </a:r>
-                      <a:endParaRPr/>
-                    </a:p>
-                    <a:p>
-                      <a:pPr indent="0" lvl="0" marL="0" marR="0" rtl="0" algn="l">
-                        <a:lnSpc>
-                          <a:spcPct val="100000"/>
-                        </a:lnSpc>
-                        <a:spcBef>
-                          <a:spcPts val="0"/>
-                        </a:spcBef>
-                        <a:spcAft>
-                          <a:spcPts val="0"/>
-                        </a:spcAft>
-                        <a:buClr>
+                      <a:r>
+                        <a:rPr lang="en-IN" sz="1600"/>
+                        <a:t> / </a:t>
+                      </a:r>
+                      <a:r>
+                        <a:rPr b="1" lang="en-IN" sz="1600"/>
+                        <a:t>2021</a:t>
+                      </a:r>
+                      <a:br>
+                        <a:rPr b="1" i="0" lang="en-IN" sz="1600" cap="none" strike="noStrike">
+                          <a:solidFill>
+                            <a:schemeClr val="dk1"/>
+                          </a:solidFill>
+                        </a:rPr>
+                      </a:br>
+                      <a:endParaRPr b="1" i="0" sz="1600" cap="none" strike="noStrike">
+                        <a:solidFill>
                           <a:schemeClr val="dk1"/>
-                        </a:buClr>
-                        <a:buSzPts val="1100"/>
-                        <a:buFont typeface="Arial"/>
-                        <a:buNone/>
-                      </a:pPr>
-                      <a:r>
-                        <a:t/>
-                      </a:r>
-                      <a:endParaRPr sz="1800" u="none" cap="none" strike="noStrike"/>
+                        </a:solidFill>
+                      </a:endParaRPr>
                     </a:p>
                   </a:txBody>
-                  <a:tcPr marT="45725" marB="45725" marR="91450" marL="91450"/>
+                  <a:tcPr marT="45725" marB="45725" marR="91450" marL="91450">
+                    <a:lnL cap="flat" cmpd="sng" w="12700">
+                      <a:solidFill>
+                        <a:schemeClr val="lt1"/>
+                      </a:solidFill>
+                      <a:prstDash val="solid"/>
+                      <a:round/>
+                      <a:headEnd len="sm" w="sm" type="none"/>
+                      <a:tailEnd len="sm" w="sm" type="none"/>
+                    </a:lnL>
+                    <a:lnR cap="flat" cmpd="sng" w="12700">
+                      <a:solidFill>
+                        <a:schemeClr val="lt1"/>
+                      </a:solidFill>
+                      <a:prstDash val="solid"/>
+                      <a:round/>
+                      <a:headEnd len="sm" w="sm" type="none"/>
+                      <a:tailEnd len="sm" w="sm" type="none"/>
+                    </a:lnR>
+                    <a:lnT cap="flat" cmpd="sng" w="12700">
+                      <a:solidFill>
+                        <a:schemeClr val="lt1"/>
+                      </a:solidFill>
+                      <a:prstDash val="solid"/>
+                      <a:round/>
+                      <a:headEnd len="sm" w="sm" type="none"/>
+                      <a:tailEnd len="sm" w="sm" type="none"/>
+                    </a:lnT>
+                    <a:lnB cap="flat" cmpd="sng" w="38100">
+                      <a:solidFill>
+                        <a:schemeClr val="lt1"/>
+                      </a:solidFill>
+                      <a:prstDash val="solid"/>
+                      <a:round/>
+                      <a:headEnd len="sm" w="sm" type="none"/>
+                      <a:tailEnd len="sm" w="sm" type="none"/>
+                    </a:lnB>
+                  </a:tcPr>
                 </a:tc>
                 <a:tc>
                   <a:txBody>
@@ -16414,7 +16657,7 @@
                         <a:buNone/>
                       </a:pPr>
                       <a:r>
-                        <a:rPr b="0" i="0" lang="en-IN" sz="1400" u="none" cap="none" strike="noStrike">
+                        <a:rPr b="0" i="0" lang="en-IN" sz="1600" u="none" cap="none" strike="noStrike">
                           <a:solidFill>
                             <a:schemeClr val="dk1"/>
                           </a:solidFill>
@@ -16423,9 +16666,37 @@
                           <a:cs typeface="Calibri"/>
                           <a:sym typeface="Calibri"/>
                         </a:rPr>
-                        <a:t>Pricing and Inventory Decisions of Multi-item Deteriorating Inventory System under Stock, Time and Price Sensitive Demand Policy</a:t>
+                        <a:t>Inventory management for retail companies: A literature review and current trends</a:t>
                       </a:r>
-                      <a:endParaRPr/>
+                      <a:endParaRPr sz="1600"/>
+                    </a:p>
+                    <a:p>
+                      <a:pPr indent="0" lvl="0" marL="0" marR="0" rtl="0" algn="l">
+                        <a:lnSpc>
+                          <a:spcPct val="100000"/>
+                        </a:lnSpc>
+                        <a:spcBef>
+                          <a:spcPts val="0"/>
+                        </a:spcBef>
+                        <a:spcAft>
+                          <a:spcPts val="0"/>
+                        </a:spcAft>
+                        <a:buClr>
+                          <a:schemeClr val="dk1"/>
+                        </a:buClr>
+                        <a:buSzPts val="1800"/>
+                        <a:buFont typeface="Arial"/>
+                        <a:buNone/>
+                      </a:pPr>
+                      <a:r>
+                        <a:t/>
+                      </a:r>
+                      <a:endParaRPr sz="1600" u="none" cap="none" strike="noStrike">
+                        <a:latin typeface="Times New Roman"/>
+                        <a:ea typeface="Times New Roman"/>
+                        <a:cs typeface="Times New Roman"/>
+                        <a:sym typeface="Times New Roman"/>
+                      </a:endParaRPr>
                     </a:p>
                     <a:p>
                       <a:pPr indent="0" lvl="0" marL="0" marR="0" rtl="0" algn="l">
@@ -16448,10 +16719,52 @@
                       <a:r>
                         <a:t/>
                       </a:r>
-                      <a:endParaRPr sz="1600" u="none" cap="none" strike="noStrike"/>
+                      <a:endParaRPr sz="1600" u="none" cap="none" strike="noStrike">
+                        <a:latin typeface="Times New Roman"/>
+                        <a:ea typeface="Times New Roman"/>
+                        <a:cs typeface="Times New Roman"/>
+                        <a:sym typeface="Times New Roman"/>
+                      </a:endParaRPr>
                     </a:p>
                   </a:txBody>
-                  <a:tcPr marT="45725" marB="45725" marR="91450" marL="91450"/>
+                  <a:tcPr marT="45725" marB="45725" marR="91450" marL="91450">
+                    <a:lnL cap="flat" cmpd="sng" w="12700">
+                      <a:solidFill>
+                        <a:schemeClr val="lt1"/>
+                      </a:solidFill>
+                      <a:prstDash val="solid"/>
+                      <a:round/>
+                      <a:headEnd len="sm" w="sm" type="none"/>
+                      <a:tailEnd len="sm" w="sm" type="none"/>
+                    </a:lnL>
+                    <a:lnR cap="flat" cmpd="sng" w="12700">
+                      <a:solidFill>
+                        <a:schemeClr val="lt1"/>
+                      </a:solidFill>
+                      <a:prstDash val="solid"/>
+                      <a:round/>
+                      <a:headEnd len="sm" w="sm" type="none"/>
+                      <a:tailEnd len="sm" w="sm" type="none"/>
+                    </a:lnR>
+                    <a:lnT cap="flat" cmpd="sng" w="12700">
+                      <a:solidFill>
+                        <a:schemeClr val="lt1"/>
+                      </a:solidFill>
+                      <a:prstDash val="solid"/>
+                      <a:round/>
+                      <a:headEnd len="sm" w="sm" type="none"/>
+                      <a:tailEnd len="sm" w="sm" type="none"/>
+                    </a:lnT>
+                    <a:lnB cap="flat" cmpd="sng" w="38100">
+                      <a:solidFill>
+                        <a:schemeClr val="lt1"/>
+                      </a:solidFill>
+                      <a:prstDash val="solid"/>
+                      <a:round/>
+                      <a:headEnd len="sm" w="sm" type="none"/>
+                      <a:tailEnd len="sm" w="sm" type="none"/>
+                    </a:lnB>
+                  </a:tcPr>
                 </a:tc>
                 <a:tc>
                   <a:txBody>
@@ -16468,15 +16781,10 @@
                         <a:spcAft>
                           <a:spcPts val="0"/>
                         </a:spcAft>
-                        <a:buClr>
-                          <a:schemeClr val="dk1"/>
-                        </a:buClr>
-                        <a:buSzPts val="1100"/>
-                        <a:buFont typeface="Arial"/>
                         <a:buNone/>
                       </a:pPr>
                       <a:r>
-                        <a:rPr b="0" i="0" lang="en-IN" sz="1400" u="none" cap="none" strike="noStrike">
+                        <a:rPr b="0" i="0" lang="en-IN" sz="1600" u="none" cap="none" strike="noStrike">
                           <a:solidFill>
                             <a:schemeClr val="dk1"/>
                           </a:solidFill>
@@ -16485,12 +16793,65 @@
                           <a:cs typeface="Calibri"/>
                           <a:sym typeface="Calibri"/>
                         </a:rPr>
-                        <a:t>The model is developed under a known initial inventory. An iterative algorithm has been incorporated to find the optimal procedure. The prime objective of this model is to determine the selling price, time length up to zero inventory, optimal lot size so that the profit of the retailer will be maximized. </a:t>
+                        <a:t>The primary outcomes of this study are the leading inventory management systems and models</a:t>
                       </a:r>
-                      <a:endParaRPr sz="1600" u="none" cap="none" strike="noStrike"/>
+                      <a:r>
+                        <a:rPr lang="en-IN" sz="1600"/>
+                        <a:t>.</a:t>
+                      </a:r>
+                      <a:r>
+                        <a:rPr b="0" i="0" lang="en-IN" sz="1600" u="none" cap="none" strike="noStrike">
+                          <a:solidFill>
+                            <a:schemeClr val="dk1"/>
+                          </a:solidFill>
+                          <a:latin typeface="Calibri"/>
+                          <a:ea typeface="Calibri"/>
+                          <a:cs typeface="Calibri"/>
+                          <a:sym typeface="Calibri"/>
+                        </a:rPr>
+                        <a:t> Findings indicate that SMEs do not invest resources in sophisticated systems; instead, a simple Enterprise Resource Planning (ERP) system or even programs such as Excel or manual inventories are mainly used. </a:t>
+                      </a:r>
+                      <a:endParaRPr sz="1600"/>
                     </a:p>
                   </a:txBody>
-                  <a:tcPr marT="45725" marB="45725" marR="91450" marL="91450"/>
+                  <a:tcPr marT="45725" marB="45725" marR="91450" marL="91450">
+                    <a:lnL cap="flat" cmpd="sng" w="12700">
+                      <a:solidFill>
+                        <a:schemeClr val="lt1"/>
+                      </a:solidFill>
+                      <a:prstDash val="solid"/>
+                      <a:round/>
+                      <a:headEnd len="sm" w="sm" type="none"/>
+                      <a:tailEnd len="sm" w="sm" type="none"/>
+                    </a:lnL>
+                    <a:lnR cap="flat" cmpd="sng" w="12700">
+                      <a:solidFill>
+                        <a:schemeClr val="lt1"/>
+                      </a:solidFill>
+                      <a:prstDash val="solid"/>
+                      <a:round/>
+                      <a:headEnd len="sm" w="sm" type="none"/>
+                      <a:tailEnd len="sm" w="sm" type="none"/>
+                    </a:lnR>
+                    <a:lnT cap="flat" cmpd="sng" w="12700">
+                      <a:solidFill>
+                        <a:schemeClr val="lt1"/>
+                      </a:solidFill>
+                      <a:prstDash val="solid"/>
+                      <a:round/>
+                      <a:headEnd len="sm" w="sm" type="none"/>
+                      <a:tailEnd len="sm" w="sm" type="none"/>
+                    </a:lnT>
+                    <a:lnB cap="flat" cmpd="sng" w="38100">
+                      <a:solidFill>
+                        <a:schemeClr val="lt1"/>
+                      </a:solidFill>
+                      <a:prstDash val="solid"/>
+                      <a:round/>
+                      <a:headEnd len="sm" w="sm" type="none"/>
+                      <a:tailEnd len="sm" w="sm" type="none"/>
+                    </a:lnB>
+                  </a:tcPr>
                 </a:tc>
               </a:tr>
             </a:tbl>
@@ -16594,7 +16955,7 @@
             <a:tbl>
               <a:tblPr bandRow="1" firstRow="1">
                 <a:noFill/>
-                <a:tableStyleId>{62BF7A08-94A4-4D0D-B81D-A38B6230D4CA}</a:tableStyleId>
+                <a:tableStyleId>{7BFAED78-9358-43A6-B5EC-C48E128BDD87}</a:tableStyleId>
               </a:tblPr>
               <a:tblGrid>
                 <a:gridCol w="1043875"/>
@@ -16733,7 +17094,17 @@
                       <a:endParaRPr sz="1800" u="none" cap="none" strike="noStrike"/>
                     </a:p>
                   </a:txBody>
-                  <a:tcPr marT="45725" marB="45725" marR="91450" marL="91450"/>
+                  <a:tcPr marT="45725" marB="45725" marR="91450" marL="91450">
+                    <a:lnB cap="flat" cmpd="sng" w="12700">
+                      <a:solidFill>
+                        <a:schemeClr val="lt1"/>
+                      </a:solidFill>
+                      <a:prstDash val="solid"/>
+                      <a:round/>
+                      <a:headEnd len="sm" w="sm" type="none"/>
+                      <a:tailEnd len="sm" w="sm" type="none"/>
+                    </a:lnB>
+                  </a:tcPr>
                 </a:tc>
                 <a:tc>
                   <a:txBody>
@@ -16787,7 +17158,17 @@
                       <a:endParaRPr sz="1800" u="none" cap="none" strike="noStrike"/>
                     </a:p>
                   </a:txBody>
-                  <a:tcPr marT="45725" marB="45725" marR="91450" marL="91450"/>
+                  <a:tcPr marT="45725" marB="45725" marR="91450" marL="91450">
+                    <a:lnB cap="flat" cmpd="sng" w="12700">
+                      <a:solidFill>
+                        <a:schemeClr val="lt1"/>
+                      </a:solidFill>
+                      <a:prstDash val="solid"/>
+                      <a:round/>
+                      <a:headEnd len="sm" w="sm" type="none"/>
+                      <a:tailEnd len="sm" w="sm" type="none"/>
+                    </a:lnB>
+                  </a:tcPr>
                 </a:tc>
                 <a:tc>
                   <a:txBody>
@@ -16841,7 +17222,17 @@
                       <a:endParaRPr sz="1800" u="none" cap="none" strike="noStrike"/>
                     </a:p>
                   </a:txBody>
-                  <a:tcPr marT="45725" marB="45725" marR="91450" marL="91450"/>
+                  <a:tcPr marT="45725" marB="45725" marR="91450" marL="91450">
+                    <a:lnB cap="flat" cmpd="sng" w="12700">
+                      <a:solidFill>
+                        <a:schemeClr val="lt1"/>
+                      </a:solidFill>
+                      <a:prstDash val="solid"/>
+                      <a:round/>
+                      <a:headEnd len="sm" w="sm" type="none"/>
+                      <a:tailEnd len="sm" w="sm" type="none"/>
+                    </a:lnB>
+                  </a:tcPr>
                 </a:tc>
               </a:tr>
               <a:tr h="2175350">
@@ -16874,7 +17265,17 @@
                       <a:endParaRPr sz="1800" u="none" cap="none" strike="noStrike"/>
                     </a:p>
                   </a:txBody>
-                  <a:tcPr marT="45725" marB="45725" marR="91450" marL="91450"/>
+                  <a:tcPr marT="45725" marB="45725" marR="91450" marL="91450">
+                    <a:lnR cap="flat" cmpd="sng" w="12700">
+                      <a:solidFill>
+                        <a:schemeClr val="lt1"/>
+                      </a:solidFill>
+                      <a:prstDash val="solid"/>
+                      <a:round/>
+                      <a:headEnd len="sm" w="sm" type="none"/>
+                      <a:tailEnd len="sm" w="sm" type="none"/>
+                    </a:lnR>
+                  </a:tcPr>
                 </a:tc>
                 <a:tc>
                   <a:txBody>
@@ -16891,85 +17292,62 @@
                         <a:spcAft>
                           <a:spcPts val="0"/>
                         </a:spcAft>
+                        <a:buClr>
+                          <a:srgbClr val="000000"/>
+                        </a:buClr>
+                        <a:buSzPts val="1800"/>
+                        <a:buFont typeface="Arial"/>
                         <a:buNone/>
                       </a:pPr>
                       <a:r>
-                        <a:rPr b="0" i="0" lang="en-IN" sz="1400" u="sng" cap="none" strike="noStrike">
-                          <a:solidFill>
-                            <a:schemeClr val="dk1"/>
-                          </a:solidFill>
-                          <a:latin typeface="Calibri"/>
-                          <a:ea typeface="Calibri"/>
-                          <a:cs typeface="Calibri"/>
-                          <a:sym typeface="Calibri"/>
-                          <a:hlinkClick r:id="rId3">
-                            <a:extLst>
-                              <a:ext uri="{A12FA001-AC4F-418D-AE19-62706E023703}">
-                                <ahyp:hlinkClr val="tx"/>
-                              </a:ext>
-                            </a:extLst>
-                          </a:hlinkClick>
-                        </a:rPr>
-                        <a:t>Cinthya Vanessa Munoz Macas</a:t>
+                        <a:rPr lang="en-IN" sz="1600" u="none" cap="none" strike="noStrike"/>
+                        <a:t>Varalakshmi G S1 , Asst Prof. Shivaleela S2 Student, Dept of MCA, Dr.Ambedkar Institute of Technology, Bengaluru-560056, Karnataka, India /</a:t>
                       </a:r>
                       <a:r>
-                        <a:rPr b="0" i="0" lang="en-IN" sz="1800" u="sng" cap="none" strike="noStrike">
-                          <a:solidFill>
-                            <a:schemeClr val="dk1"/>
-                          </a:solidFill>
-                          <a:latin typeface="Times New Roman"/>
-                          <a:ea typeface="Times New Roman"/>
-                          <a:cs typeface="Times New Roman"/>
-                          <a:sym typeface="Times New Roman"/>
-                        </a:rPr>
-                        <a:t>, </a:t>
+                        <a:rPr b="1" lang="en-IN" sz="1600" u="none" cap="none" strike="noStrike"/>
+                        <a:t>2021</a:t>
                       </a:r>
-                      <a:r>
-                        <a:rPr b="0" i="0" lang="en-IN" sz="1400" u="sng" cap="none" strike="noStrike">
-                          <a:solidFill>
-                            <a:schemeClr val="dk1"/>
-                          </a:solidFill>
-                          <a:latin typeface="Calibri"/>
-                          <a:ea typeface="Calibri"/>
-                          <a:cs typeface="Calibri"/>
-                          <a:sym typeface="Calibri"/>
-                          <a:hlinkClick r:id="rId4">
-                            <a:extLst>
-                              <a:ext uri="{A12FA001-AC4F-418D-AE19-62706E023703}">
-                                <ahyp:hlinkClr val="tx"/>
-                              </a:ext>
-                            </a:extLst>
-                          </a:hlinkClick>
-                        </a:rPr>
-                        <a:t>Jorge Andres Espinoza Aguirre</a:t>
-                      </a:r>
-                      <a:r>
-                        <a:rPr lang="en-IN" u="sng"/>
-                        <a:t> / 2021</a:t>
-                      </a:r>
-                      <a:br>
-                        <a:rPr b="0" i="0" lang="en-IN" sz="1400" u="sng" cap="none" strike="noStrike">
-                          <a:solidFill>
-                            <a:schemeClr val="dk1"/>
-                          </a:solidFill>
-                          <a:latin typeface="Calibri"/>
-                          <a:ea typeface="Calibri"/>
-                          <a:cs typeface="Calibri"/>
-                          <a:sym typeface="Calibri"/>
-                        </a:rPr>
-                      </a:br>
-                      <a:endParaRPr b="0" i="0" sz="1400" u="sng" cap="none" strike="noStrike">
-                        <a:solidFill>
-                          <a:schemeClr val="dk1"/>
-                        </a:solidFill>
-                        <a:latin typeface="Calibri"/>
-                        <a:ea typeface="Calibri"/>
-                        <a:cs typeface="Calibri"/>
-                        <a:sym typeface="Calibri"/>
-                      </a:endParaRPr>
+                      <a:endParaRPr b="1" sz="1600" u="none" cap="none" strike="noStrike"/>
                     </a:p>
                   </a:txBody>
-                  <a:tcPr marT="45725" marB="45725" marR="91450" marL="91450"/>
+                  <a:tcPr marT="45725" marB="45725" marR="91450" marL="91450">
+                    <a:lnL cap="flat" cmpd="sng" w="12700">
+                      <a:solidFill>
+                        <a:schemeClr val="lt1"/>
+                      </a:solidFill>
+                      <a:prstDash val="solid"/>
+                      <a:round/>
+                      <a:headEnd len="sm" w="sm" type="none"/>
+                      <a:tailEnd len="sm" w="sm" type="none"/>
+                    </a:lnL>
+                    <a:lnR cap="flat" cmpd="sng" w="12700">
+                      <a:solidFill>
+                        <a:schemeClr val="lt1"/>
+                      </a:solidFill>
+                      <a:prstDash val="solid"/>
+                      <a:round/>
+                      <a:headEnd len="sm" w="sm" type="none"/>
+                      <a:tailEnd len="sm" w="sm" type="none"/>
+                    </a:lnR>
+                    <a:lnT cap="flat" cmpd="sng" w="12700">
+                      <a:solidFill>
+                        <a:schemeClr val="lt1"/>
+                      </a:solidFill>
+                      <a:prstDash val="solid"/>
+                      <a:round/>
+                      <a:headEnd len="sm" w="sm" type="none"/>
+                      <a:tailEnd len="sm" w="sm" type="none"/>
+                    </a:lnT>
+                    <a:lnB cap="flat" cmpd="sng" w="38100">
+                      <a:solidFill>
+                        <a:schemeClr val="lt1"/>
+                      </a:solidFill>
+                      <a:prstDash val="solid"/>
+                      <a:round/>
+                      <a:headEnd len="sm" w="sm" type="none"/>
+                      <a:tailEnd len="sm" w="sm" type="none"/>
+                    </a:lnB>
+                  </a:tcPr>
                 </a:tc>
                 <a:tc>
                   <a:txBody>
@@ -16986,70 +17364,16 @@
                         <a:spcAft>
                           <a:spcPts val="0"/>
                         </a:spcAft>
-                        <a:buNone/>
-                      </a:pPr>
-                      <a:r>
-                        <a:rPr b="0" i="0" lang="en-IN" sz="1400" u="none" cap="none" strike="noStrike">
-                          <a:solidFill>
-                            <a:schemeClr val="dk1"/>
-                          </a:solidFill>
-                          <a:latin typeface="Calibri"/>
-                          <a:ea typeface="Calibri"/>
-                          <a:cs typeface="Calibri"/>
-                          <a:sym typeface="Calibri"/>
-                        </a:rPr>
-                        <a:t>Inventory management for retail companies: A literature review and current trends</a:t>
-                      </a:r>
-                      <a:endParaRPr/>
-                    </a:p>
-                    <a:p>
-                      <a:pPr indent="0" lvl="0" marL="0" marR="0" rtl="0" algn="l">
-                        <a:lnSpc>
-                          <a:spcPct val="100000"/>
-                        </a:lnSpc>
-                        <a:spcBef>
-                          <a:spcPts val="0"/>
-                        </a:spcBef>
-                        <a:spcAft>
-                          <a:spcPts val="0"/>
-                        </a:spcAft>
                         <a:buClr>
                           <a:schemeClr val="dk1"/>
                         </a:buClr>
-                        <a:buSzPts val="1800"/>
+                        <a:buSzPts val="1100"/>
                         <a:buFont typeface="Arial"/>
                         <a:buNone/>
                       </a:pPr>
                       <a:r>
-                        <a:t/>
-                      </a:r>
-                      <a:endParaRPr sz="1800" u="none" cap="none" strike="noStrike">
-                        <a:latin typeface="Times New Roman"/>
-                        <a:ea typeface="Times New Roman"/>
-                        <a:cs typeface="Times New Roman"/>
-                        <a:sym typeface="Times New Roman"/>
-                      </a:endParaRPr>
-                    </a:p>
-                    <a:p>
-                      <a:pPr indent="0" lvl="0" marL="0" marR="0" rtl="0" algn="l">
-                        <a:lnSpc>
-                          <a:spcPct val="100000"/>
-                        </a:lnSpc>
-                        <a:spcBef>
-                          <a:spcPts val="0"/>
-                        </a:spcBef>
-                        <a:spcAft>
-                          <a:spcPts val="0"/>
-                        </a:spcAft>
-                        <a:buClr>
-                          <a:srgbClr val="000000"/>
-                        </a:buClr>
-                        <a:buSzPts val="1600"/>
-                        <a:buFont typeface="Arial"/>
-                        <a:buNone/>
-                      </a:pPr>
-                      <a:r>
-                        <a:t/>
+                        <a:rPr lang="en-IN" sz="1600" u="none" cap="none" strike="noStrike"/>
+                        <a:t>Inventory Management System</a:t>
                       </a:r>
                       <a:endParaRPr sz="1600" u="none" cap="none" strike="noStrike">
                         <a:latin typeface="Times New Roman"/>
@@ -17059,7 +17383,44 @@
                       </a:endParaRPr>
                     </a:p>
                   </a:txBody>
-                  <a:tcPr marT="45725" marB="45725" marR="91450" marL="91450"/>
+                  <a:tcPr marT="45725" marB="45725" marR="91450" marL="91450">
+                    <a:lnL cap="flat" cmpd="sng" w="12700">
+                      <a:solidFill>
+                        <a:schemeClr val="lt1"/>
+                      </a:solidFill>
+                      <a:prstDash val="solid"/>
+                      <a:round/>
+                      <a:headEnd len="sm" w="sm" type="none"/>
+                      <a:tailEnd len="sm" w="sm" type="none"/>
+                    </a:lnL>
+                    <a:lnR cap="flat" cmpd="sng" w="12700">
+                      <a:solidFill>
+                        <a:schemeClr val="lt1"/>
+                      </a:solidFill>
+                      <a:prstDash val="solid"/>
+                      <a:round/>
+                      <a:headEnd len="sm" w="sm" type="none"/>
+                      <a:tailEnd len="sm" w="sm" type="none"/>
+                    </a:lnR>
+                    <a:lnT cap="flat" cmpd="sng" w="12700">
+                      <a:solidFill>
+                        <a:schemeClr val="lt1"/>
+                      </a:solidFill>
+                      <a:prstDash val="solid"/>
+                      <a:round/>
+                      <a:headEnd len="sm" w="sm" type="none"/>
+                      <a:tailEnd len="sm" w="sm" type="none"/>
+                    </a:lnT>
+                    <a:lnB cap="flat" cmpd="sng" w="38100">
+                      <a:solidFill>
+                        <a:schemeClr val="lt1"/>
+                      </a:solidFill>
+                      <a:prstDash val="solid"/>
+                      <a:round/>
+                      <a:headEnd len="sm" w="sm" type="none"/>
+                      <a:tailEnd len="sm" w="sm" type="none"/>
+                    </a:lnB>
+                  </a:tcPr>
                 </a:tc>
                 <a:tc>
                   <a:txBody>
@@ -17076,51 +17437,63 @@
                         <a:spcAft>
                           <a:spcPts val="0"/>
                         </a:spcAft>
+                        <a:buClr>
+                          <a:srgbClr val="000000"/>
+                        </a:buClr>
+                        <a:buSzPts val="1100"/>
+                        <a:buFont typeface="Arial"/>
                         <a:buNone/>
                       </a:pPr>
                       <a:r>
-                        <a:rPr b="0" i="0" lang="en-IN" sz="1400" u="none" cap="none" strike="noStrike">
-                          <a:solidFill>
-                            <a:schemeClr val="dk1"/>
-                          </a:solidFill>
-                          <a:latin typeface="Calibri"/>
-                          <a:ea typeface="Calibri"/>
-                          <a:cs typeface="Calibri"/>
-                          <a:sym typeface="Calibri"/>
-                        </a:rPr>
-                        <a:t>The primary outcomes of this study are the leading </a:t>
+                        <a:rPr lang="en-IN" sz="1600" u="none" cap="none" strike="noStrike"/>
+                        <a:t>This web application has logical tools for evaluating ideal inventory levels and selecting the appropriate replenishment strategies automatically. It also has capabilities like the ability to identify stock levels, compute reorder points automatically, and highlight potential stock-outs</a:t>
                       </a:r>
-                      <a:endParaRPr/>
-                    </a:p>
-                    <a:p>
-                      <a:pPr indent="0" lvl="0" marL="0" marR="0" rtl="0" algn="l">
-                        <a:lnSpc>
-                          <a:spcPct val="100000"/>
-                        </a:lnSpc>
-                        <a:spcBef>
-                          <a:spcPts val="0"/>
-                        </a:spcBef>
-                        <a:spcAft>
-                          <a:spcPts val="0"/>
-                        </a:spcAft>
-                        <a:buNone/>
-                      </a:pPr>
-                      <a:r>
-                        <a:rPr b="0" i="0" lang="en-IN" sz="1400" u="none" cap="none" strike="noStrike">
-                          <a:solidFill>
-                            <a:schemeClr val="dk1"/>
-                          </a:solidFill>
-                          <a:latin typeface="Calibri"/>
-                          <a:ea typeface="Calibri"/>
-                          <a:cs typeface="Calibri"/>
-                          <a:sym typeface="Calibri"/>
-                        </a:rPr>
-                        <a:t>inventory management systems and models, the Key Performance Indicators (KPIs) for their correct management, and the benefits and challenges for choosing or adopting an efficient inventory control and management system. Findings indicate that SMEs do not invest resources in sophisticated systems; instead, a simple Enterprise Resource Planning (ERP) system or even programs such as Excel or manual inventories are mainly used. </a:t>
-                      </a:r>
-                      <a:endParaRPr/>
+                      <a:endParaRPr sz="1600" u="none" cap="none" strike="noStrike">
+                        <a:latin typeface="Times New Roman"/>
+                        <a:ea typeface="Times New Roman"/>
+                        <a:cs typeface="Times New Roman"/>
+                        <a:sym typeface="Times New Roman"/>
+                      </a:endParaRPr>
                     </a:p>
                   </a:txBody>
-                  <a:tcPr marT="45725" marB="45725" marR="91450" marL="91450"/>
+                  <a:tcPr marT="45725" marB="45725" marR="91450" marL="91450">
+                    <a:lnL cap="flat" cmpd="sng" w="12700">
+                      <a:solidFill>
+                        <a:schemeClr val="lt1"/>
+                      </a:solidFill>
+                      <a:prstDash val="solid"/>
+                      <a:round/>
+                      <a:headEnd len="sm" w="sm" type="none"/>
+                      <a:tailEnd len="sm" w="sm" type="none"/>
+                    </a:lnL>
+                    <a:lnR cap="flat" cmpd="sng" w="12700">
+                      <a:solidFill>
+                        <a:schemeClr val="lt1"/>
+                      </a:solidFill>
+                      <a:prstDash val="solid"/>
+                      <a:round/>
+                      <a:headEnd len="sm" w="sm" type="none"/>
+                      <a:tailEnd len="sm" w="sm" type="none"/>
+                    </a:lnR>
+                    <a:lnT cap="flat" cmpd="sng" w="12700">
+                      <a:solidFill>
+                        <a:schemeClr val="lt1"/>
+                      </a:solidFill>
+                      <a:prstDash val="solid"/>
+                      <a:round/>
+                      <a:headEnd len="sm" w="sm" type="none"/>
+                      <a:tailEnd len="sm" w="sm" type="none"/>
+                    </a:lnT>
+                    <a:lnB cap="flat" cmpd="sng" w="38100">
+                      <a:solidFill>
+                        <a:schemeClr val="lt1"/>
+                      </a:solidFill>
+                      <a:prstDash val="solid"/>
+                      <a:round/>
+                      <a:headEnd len="sm" w="sm" type="none"/>
+                      <a:tailEnd len="sm" w="sm" type="none"/>
+                    </a:lnB>
+                  </a:tcPr>
                 </a:tc>
               </a:tr>
               <a:tr h="2618700">
@@ -17153,7 +17526,17 @@
                       <a:endParaRPr sz="1800" u="none" cap="none" strike="noStrike"/>
                     </a:p>
                   </a:txBody>
-                  <a:tcPr marT="45725" marB="45725" marR="91450" marL="91450"/>
+                  <a:tcPr marT="45725" marB="45725" marR="91450" marL="91450">
+                    <a:lnR cap="flat" cmpd="sng" w="12700">
+                      <a:solidFill>
+                        <a:schemeClr val="lt1"/>
+                      </a:solidFill>
+                      <a:prstDash val="solid"/>
+                      <a:round/>
+                      <a:headEnd len="sm" w="sm" type="none"/>
+                      <a:tailEnd len="sm" w="sm" type="none"/>
+                    </a:lnR>
+                  </a:tcPr>
                 </a:tc>
                 <a:tc>
                   <a:txBody>
@@ -17173,10 +17556,81 @@
                         <a:buNone/>
                       </a:pPr>
                       <a:r>
-                        <a:rPr b="0" i="0" lang="en-IN" sz="1400" u="sng" cap="none" strike="noStrike">
+                        <a:rPr b="0" i="0" lang="en-IN" sz="1600" cap="none" strike="noStrike">
                           <a:solidFill>
                             <a:schemeClr val="dk1"/>
                           </a:solidFill>
+                          <a:uFill>
+                            <a:noFill/>
+                          </a:uFill>
+                          <a:latin typeface="Calibri"/>
+                          <a:ea typeface="Calibri"/>
+                          <a:cs typeface="Calibri"/>
+                          <a:sym typeface="Calibri"/>
+                          <a:hlinkClick r:id="rId3">
+                            <a:extLst>
+                              <a:ext uri="{A12FA001-AC4F-418D-AE19-62706E023703}">
+                                <ahyp:hlinkClr val="tx"/>
+                              </a:ext>
+                            </a:extLst>
+                          </a:hlinkClick>
+                        </a:rPr>
+                        <a:t>Abhijit Barman</a:t>
+                      </a:r>
+                      <a:r>
+                        <a:rPr b="0" i="0" lang="en-IN" sz="1600" cap="none" strike="noStrike">
+                          <a:solidFill>
+                            <a:schemeClr val="dk1"/>
+                          </a:solidFill>
+                          <a:latin typeface="Calibri"/>
+                          <a:ea typeface="Calibri"/>
+                          <a:cs typeface="Calibri"/>
+                          <a:sym typeface="Calibri"/>
+                        </a:rPr>
+                        <a:t>, </a:t>
+                      </a:r>
+                      <a:r>
+                        <a:rPr b="0" i="0" lang="en-IN" sz="1600" cap="none" strike="noStrike">
+                          <a:solidFill>
+                            <a:schemeClr val="dk1"/>
+                          </a:solidFill>
+                          <a:uFill>
+                            <a:noFill/>
+                          </a:uFill>
+                          <a:latin typeface="Calibri"/>
+                          <a:ea typeface="Calibri"/>
+                          <a:cs typeface="Calibri"/>
+                          <a:sym typeface="Calibri"/>
+                          <a:hlinkClick r:id="rId4">
+                            <a:extLst>
+                              <a:ext uri="{A12FA001-AC4F-418D-AE19-62706E023703}">
+                                <ahyp:hlinkClr val="tx"/>
+                              </a:ext>
+                            </a:extLst>
+                          </a:hlinkClick>
+                        </a:rPr>
+                        <a:t>Rubi Das</a:t>
+                      </a:r>
+                      <a:r>
+                        <a:rPr b="0" i="0" lang="en-IN" sz="1600" cap="none" strike="noStrike">
+                          <a:solidFill>
+                            <a:schemeClr val="dk1"/>
+                          </a:solidFill>
+                          <a:latin typeface="Calibri"/>
+                          <a:ea typeface="Calibri"/>
+                          <a:cs typeface="Calibri"/>
+                          <a:sym typeface="Calibri"/>
+                        </a:rPr>
+                        <a:t>, </a:t>
+                      </a:r>
+                      <a:r>
+                        <a:rPr b="0" i="0" lang="en-IN" sz="1600" cap="none" strike="noStrike">
+                          <a:solidFill>
+                            <a:schemeClr val="dk1"/>
+                          </a:solidFill>
+                          <a:uFill>
+                            <a:noFill/>
+                          </a:uFill>
                           <a:latin typeface="Calibri"/>
                           <a:ea typeface="Calibri"/>
                           <a:cs typeface="Calibri"/>
@@ -17189,9 +17643,9 @@
                             </a:extLst>
                           </a:hlinkClick>
                         </a:rPr>
-                        <a:t>Hien Vu</a:t>
+                        <a:t>Pijus Kanti De</a:t>
                       </a:r>
-                      <a:endParaRPr b="0" i="0" sz="1400" u="none" cap="none" strike="noStrike">
+                      <a:endParaRPr b="0" i="0" sz="1600" cap="none" strike="noStrike">
                         <a:solidFill>
                           <a:schemeClr val="dk1"/>
                         </a:solidFill>
@@ -17215,53 +17669,7 @@
                         <a:buNone/>
                       </a:pPr>
                       <a:r>
-                        <a:rPr b="0" i="0" lang="en-IN" sz="1400" u="sng" cap="none" strike="noStrike">
-                          <a:solidFill>
-                            <a:schemeClr val="dk1"/>
-                          </a:solidFill>
-                          <a:latin typeface="Calibri"/>
-                          <a:ea typeface="Calibri"/>
-                          <a:cs typeface="Calibri"/>
-                          <a:sym typeface="Calibri"/>
-                          <a:hlinkClick r:id="rId6">
-                            <a:extLst>
-                              <a:ext uri="{A12FA001-AC4F-418D-AE19-62706E023703}">
-                                <ahyp:hlinkClr val="tx"/>
-                              </a:ext>
-                            </a:extLst>
-                          </a:hlinkClick>
-                        </a:rPr>
-                        <a:t>University of Auckland</a:t>
-                      </a:r>
-                      <a:r>
-                        <a:rPr lang="en-IN"/>
-                        <a:t> / 2018</a:t>
-                      </a:r>
-                      <a:endParaRPr b="0" i="0" sz="1400" u="none" cap="none" strike="noStrike">
-                        <a:solidFill>
-                          <a:schemeClr val="dk1"/>
-                        </a:solidFill>
-                        <a:latin typeface="Calibri"/>
-                        <a:ea typeface="Calibri"/>
-                        <a:cs typeface="Calibri"/>
-                        <a:sym typeface="Calibri"/>
-                      </a:endParaRPr>
-                    </a:p>
-                    <a:p>
-                      <a:pPr indent="0" lvl="0" marL="0" marR="0" rtl="0" algn="l">
-                        <a:lnSpc>
-                          <a:spcPct val="100000"/>
-                        </a:lnSpc>
-                        <a:spcBef>
-                          <a:spcPts val="0"/>
-                        </a:spcBef>
-                        <a:spcAft>
-                          <a:spcPts val="0"/>
-                        </a:spcAft>
-                        <a:buNone/>
-                      </a:pPr>
-                      <a:br>
-                        <a:rPr b="0" i="0" lang="en-IN" sz="1400" u="none" cap="none" strike="noStrike">
+                        <a:rPr b="0" i="0" lang="en-IN" sz="1600" cap="none" strike="noStrike">
                           <a:solidFill>
                             <a:schemeClr val="dk1"/>
                           </a:solidFill>
@@ -17270,15 +17678,92 @@
                           <a:cs typeface="Calibri"/>
                           <a:sym typeface="Calibri"/>
                         </a:rPr>
-                      </a:br>
-                      <a:endParaRPr sz="1800" u="none" cap="none" strike="noStrike">
-                        <a:solidFill>
+                        <a:t>Department of </a:t>
+                      </a:r>
+                      <a:r>
+                        <a:rPr b="0" i="0" lang="en-IN" sz="1600" u="none" cap="none" strike="noStrike">
+                          <a:solidFill>
+                            <a:schemeClr val="dk1"/>
+                          </a:solidFill>
+                          <a:latin typeface="Calibri"/>
+                          <a:ea typeface="Calibri"/>
+                          <a:cs typeface="Calibri"/>
+                          <a:sym typeface="Calibri"/>
+                        </a:rPr>
+                        <a:t>Mathematics, National Institute of Technology Silchar, Silchar, Assam, India / </a:t>
+                      </a:r>
+                      <a:r>
+                        <a:rPr b="1" i="0" lang="en-IN" sz="1600" u="none" cap="none" strike="noStrike">
+                          <a:solidFill>
+                            <a:schemeClr val="dk1"/>
+                          </a:solidFill>
+                        </a:rPr>
+                        <a:t>2020</a:t>
+                      </a:r>
+                      <a:endParaRPr b="1" sz="1600"/>
+                    </a:p>
+                    <a:p>
+                      <a:pPr indent="0" lvl="0" marL="0" marR="0" rtl="0" algn="l">
+                        <a:lnSpc>
+                          <a:spcPct val="100000"/>
+                        </a:lnSpc>
+                        <a:spcBef>
+                          <a:spcPts val="0"/>
+                        </a:spcBef>
+                        <a:spcAft>
+                          <a:spcPts val="0"/>
+                        </a:spcAft>
+                        <a:buClr>
                           <a:schemeClr val="dk1"/>
-                        </a:solidFill>
-                      </a:endParaRPr>
+                        </a:buClr>
+                        <a:buSzPts val="1100"/>
+                        <a:buFont typeface="Arial"/>
+                        <a:buNone/>
+                      </a:pPr>
+                      <a:r>
+                        <a:t/>
+                      </a:r>
+                      <a:endParaRPr sz="1600" u="none" cap="none" strike="noStrike"/>
                     </a:p>
                   </a:txBody>
-                  <a:tcPr marT="45725" marB="45725" marR="91450" marL="91450"/>
+                  <a:tcPr marT="45725" marB="45725" marR="91450" marL="91450">
+                    <a:lnL cap="flat" cmpd="sng" w="12700">
+                      <a:solidFill>
+                        <a:schemeClr val="lt1"/>
+                      </a:solidFill>
+                      <a:prstDash val="solid"/>
+                      <a:round/>
+                      <a:headEnd len="sm" w="sm" type="none"/>
+                      <a:tailEnd len="sm" w="sm" type="none"/>
+                    </a:lnL>
+                    <a:lnR cap="flat" cmpd="sng" w="12700">
+                      <a:solidFill>
+                        <a:schemeClr val="lt1"/>
+                      </a:solidFill>
+                      <a:prstDash val="solid"/>
+                      <a:round/>
+                      <a:headEnd len="sm" w="sm" type="none"/>
+                      <a:tailEnd len="sm" w="sm" type="none"/>
+                    </a:lnR>
+                    <a:lnT cap="flat" cmpd="sng" w="38100">
+                      <a:solidFill>
+                        <a:schemeClr val="lt1"/>
+                      </a:solidFill>
+                      <a:prstDash val="solid"/>
+                      <a:round/>
+                      <a:headEnd len="sm" w="sm" type="none"/>
+                      <a:tailEnd len="sm" w="sm" type="none"/>
+                    </a:lnT>
+                    <a:lnB cap="flat" cmpd="sng" w="38100">
+                      <a:solidFill>
+                        <a:schemeClr val="lt1"/>
+                      </a:solidFill>
+                      <a:prstDash val="solid"/>
+                      <a:round/>
+                      <a:headEnd len="sm" w="sm" type="none"/>
+                      <a:tailEnd len="sm" w="sm" type="none"/>
+                    </a:lnB>
+                  </a:tcPr>
                 </a:tc>
                 <a:tc>
                   <a:txBody>
@@ -17295,38 +17780,10 @@
                         <a:spcAft>
                           <a:spcPts val="0"/>
                         </a:spcAft>
-                        <a:buClr>
-                          <a:schemeClr val="dk1"/>
-                        </a:buClr>
-                        <a:buSzPts val="1100"/>
-                        <a:buFont typeface="Arial"/>
                         <a:buNone/>
                       </a:pPr>
                       <a:r>
-                        <a:t/>
-                      </a:r>
-                      <a:endParaRPr sz="1600" u="none" cap="none" strike="noStrike">
-                        <a:latin typeface="Times New Roman"/>
-                        <a:ea typeface="Times New Roman"/>
-                        <a:cs typeface="Times New Roman"/>
-                        <a:sym typeface="Times New Roman"/>
-                      </a:endParaRPr>
-                    </a:p>
-                    <a:p>
-                      <a:pPr indent="0" lvl="0" marL="0" marR="0" rtl="0" algn="l">
-                        <a:lnSpc>
-                          <a:spcPct val="100000"/>
-                        </a:lnSpc>
-                        <a:spcBef>
-                          <a:spcPts val="0"/>
-                        </a:spcBef>
-                        <a:spcAft>
-                          <a:spcPts val="0"/>
-                        </a:spcAft>
-                        <a:buNone/>
-                      </a:pPr>
-                      <a:r>
-                        <a:rPr b="0" i="0" lang="en-IN" sz="1400" u="none" cap="none" strike="noStrike">
+                        <a:rPr b="0" i="0" lang="en-IN" sz="1600" u="none" cap="none" strike="noStrike">
                           <a:solidFill>
                             <a:schemeClr val="dk1"/>
                           </a:solidFill>
@@ -17335,9 +17792,9 @@
                           <a:cs typeface="Calibri"/>
                           <a:sym typeface="Calibri"/>
                         </a:rPr>
-                        <a:t>Inventory management in retail industry - Application of big data analytics</a:t>
+                        <a:t>Pricing and Inventory Decisions of Multi-item Deteriorating Inventory System under Stock, Time and Price Sensitive Demand Policy</a:t>
                       </a:r>
-                      <a:endParaRPr/>
+                      <a:endParaRPr sz="1600"/>
                     </a:p>
                     <a:p>
                       <a:pPr indent="0" lvl="0" marL="0" marR="0" rtl="0" algn="l">
@@ -17360,15 +17817,47 @@
                       <a:r>
                         <a:t/>
                       </a:r>
-                      <a:endParaRPr sz="1600" u="none" cap="none" strike="noStrike">
-                        <a:latin typeface="Times New Roman"/>
-                        <a:ea typeface="Times New Roman"/>
-                        <a:cs typeface="Times New Roman"/>
-                        <a:sym typeface="Times New Roman"/>
-                      </a:endParaRPr>
+                      <a:endParaRPr sz="1600" u="none" cap="none" strike="noStrike"/>
                     </a:p>
                   </a:txBody>
-                  <a:tcPr marT="45725" marB="45725" marR="91450" marL="91450"/>
+                  <a:tcPr marT="45725" marB="45725" marR="91450" marL="91450">
+                    <a:lnL cap="flat" cmpd="sng" w="12700">
+                      <a:solidFill>
+                        <a:schemeClr val="lt1"/>
+                      </a:solidFill>
+                      <a:prstDash val="solid"/>
+                      <a:round/>
+                      <a:headEnd len="sm" w="sm" type="none"/>
+                      <a:tailEnd len="sm" w="sm" type="none"/>
+                    </a:lnL>
+                    <a:lnR cap="flat" cmpd="sng" w="12700">
+                      <a:solidFill>
+                        <a:schemeClr val="lt1"/>
+                      </a:solidFill>
+                      <a:prstDash val="solid"/>
+                      <a:round/>
+                      <a:headEnd len="sm" w="sm" type="none"/>
+                      <a:tailEnd len="sm" w="sm" type="none"/>
+                    </a:lnR>
+                    <a:lnT cap="flat" cmpd="sng" w="38100">
+                      <a:solidFill>
+                        <a:schemeClr val="lt1"/>
+                      </a:solidFill>
+                      <a:prstDash val="solid"/>
+                      <a:round/>
+                      <a:headEnd len="sm" w="sm" type="none"/>
+                      <a:tailEnd len="sm" w="sm" type="none"/>
+                    </a:lnT>
+                    <a:lnB cap="flat" cmpd="sng" w="38100">
+                      <a:solidFill>
+                        <a:schemeClr val="lt1"/>
+                      </a:solidFill>
+                      <a:prstDash val="solid"/>
+                      <a:round/>
+                      <a:headEnd len="sm" w="sm" type="none"/>
+                      <a:tailEnd len="sm" w="sm" type="none"/>
+                    </a:lnB>
+                  </a:tcPr>
                 </a:tc>
                 <a:tc>
                   <a:txBody>
@@ -17393,7 +17882,7 @@
                         <a:buNone/>
                       </a:pPr>
                       <a:r>
-                        <a:rPr b="0" i="0" lang="en-IN" sz="1400" u="none" cap="none" strike="noStrike">
+                        <a:rPr b="0" i="0" lang="en-IN" sz="1600" u="none" cap="none" strike="noStrike">
                           <a:solidFill>
                             <a:schemeClr val="dk1"/>
                           </a:solidFill>
@@ -17402,45 +17891,49 @@
                           <a:cs typeface="Calibri"/>
                           <a:sym typeface="Calibri"/>
                         </a:rPr>
-                        <a:t> The report finds the prospects of integrating BDA in the conventional inventory management techniques and promoting the viability and appropriateness of these models in the big-data era. However, the limitations of BDA underlie data challenges, processing challenges and management challenges. Finally, the connection between BDA and tradition operation concepts is presented with insightful lessons from the personal perspective.</a:t>
+                        <a:t>The model is developed under a known initial inventory. An iterative algorithm has been incorporated to find the optimal procedure. The prime objective of this model is to determine the selling price, time length up to zero inventory, optimal lot size so that the profit of the retailer will be maximized. </a:t>
                       </a:r>
-                      <a:endParaRPr sz="1600" u="none" cap="none" strike="noStrike">
-                        <a:latin typeface="Times New Roman"/>
-                        <a:ea typeface="Times New Roman"/>
-                        <a:cs typeface="Times New Roman"/>
-                        <a:sym typeface="Times New Roman"/>
-                      </a:endParaRPr>
-                    </a:p>
-                    <a:p>
-                      <a:pPr indent="0" lvl="0" marL="0" marR="0" rtl="0" algn="l">
-                        <a:lnSpc>
-                          <a:spcPct val="100000"/>
-                        </a:lnSpc>
-                        <a:spcBef>
-                          <a:spcPts val="0"/>
-                        </a:spcBef>
-                        <a:spcAft>
-                          <a:spcPts val="0"/>
-                        </a:spcAft>
-                        <a:buClr>
-                          <a:srgbClr val="000000"/>
-                        </a:buClr>
-                        <a:buSzPts val="1600"/>
-                        <a:buFont typeface="Arial"/>
-                        <a:buNone/>
-                      </a:pPr>
-                      <a:r>
-                        <a:t/>
-                      </a:r>
-                      <a:endParaRPr sz="1600" u="none" cap="none" strike="noStrike">
-                        <a:latin typeface="Times New Roman"/>
-                        <a:ea typeface="Times New Roman"/>
-                        <a:cs typeface="Times New Roman"/>
-                        <a:sym typeface="Times New Roman"/>
-                      </a:endParaRPr>
+                      <a:endParaRPr sz="1600" u="none" cap="none" strike="noStrike"/>
                     </a:p>
                   </a:txBody>
-                  <a:tcPr marT="45725" marB="45725" marR="91450" marL="91450"/>
+                  <a:tcPr marT="45725" marB="45725" marR="91450" marL="91450">
+                    <a:lnL cap="flat" cmpd="sng" w="12700">
+                      <a:solidFill>
+                        <a:schemeClr val="lt1"/>
+                      </a:solidFill>
+                      <a:prstDash val="solid"/>
+                      <a:round/>
+                      <a:headEnd len="sm" w="sm" type="none"/>
+                      <a:tailEnd len="sm" w="sm" type="none"/>
+                    </a:lnL>
+                    <a:lnR cap="flat" cmpd="sng" w="12700">
+                      <a:solidFill>
+                        <a:schemeClr val="lt1"/>
+                      </a:solidFill>
+                      <a:prstDash val="solid"/>
+                      <a:round/>
+                      <a:headEnd len="sm" w="sm" type="none"/>
+                      <a:tailEnd len="sm" w="sm" type="none"/>
+                    </a:lnR>
+                    <a:lnT cap="flat" cmpd="sng" w="38100">
+                      <a:solidFill>
+                        <a:schemeClr val="lt1"/>
+                      </a:solidFill>
+                      <a:prstDash val="solid"/>
+                      <a:round/>
+                      <a:headEnd len="sm" w="sm" type="none"/>
+                      <a:tailEnd len="sm" w="sm" type="none"/>
+                    </a:lnT>
+                    <a:lnB cap="flat" cmpd="sng" w="38100">
+                      <a:solidFill>
+                        <a:schemeClr val="lt1"/>
+                      </a:solidFill>
+                      <a:prstDash val="solid"/>
+                      <a:round/>
+                      <a:headEnd len="sm" w="sm" type="none"/>
+                      <a:tailEnd len="sm" w="sm" type="none"/>
+                    </a:lnB>
+                  </a:tcPr>
                 </a:tc>
               </a:tr>
             </a:tbl>
@@ -17544,7 +18037,7 @@
             <a:tbl>
               <a:tblPr bandRow="1" firstRow="1">
                 <a:noFill/>
-                <a:tableStyleId>{62BF7A08-94A4-4D0D-B81D-A38B6230D4CA}</a:tableStyleId>
+                <a:tableStyleId>{7BFAED78-9358-43A6-B5EC-C48E128BDD87}</a:tableStyleId>
               </a:tblPr>
               <a:tblGrid>
                 <a:gridCol w="1043875"/>
@@ -17826,7 +18319,7 @@
                         <a:buNone/>
                       </a:pPr>
                       <a:r>
-                        <a:rPr b="0" i="0" lang="en-IN" sz="1400" u="none" cap="none" strike="noStrike">
+                        <a:rPr b="0" i="0" lang="en-IN" sz="1600" u="none" cap="none" strike="noStrike">
                           <a:solidFill>
                             <a:schemeClr val="dk1"/>
                           </a:solidFill>
@@ -17835,9 +18328,17 @@
                           <a:cs typeface="Calibri"/>
                           <a:sym typeface="Calibri"/>
                         </a:rPr>
-                        <a:t>Dianne S. Acosta1, Maria Lavelle R. Alquizar2, Cj Alexes Junio3 ,Dyrien Cris Talara4, Mark Van Buladaco5 1234Student, Bachelor of Science in Information Technology, Davao del Norte State del Norte College 5Faculty, Davao del Norte State College / 2020</a:t>
+                        <a:t>Dianne S. Acosta, Maria Lavelle R. Alquizar, Cj Alexes Junio ,Dyrien Cris Talara, Mark Van Bulada co/ </a:t>
                       </a:r>
-                      <a:endParaRPr sz="1400" u="none" cap="none" strike="noStrike"/>
+                      <a:r>
+                        <a:rPr b="1" i="0" lang="en-IN" sz="1600" u="none" cap="none" strike="noStrike">
+                          <a:solidFill>
+                            <a:schemeClr val="dk1"/>
+                          </a:solidFill>
+                        </a:rPr>
+                        <a:t>2020</a:t>
+                      </a:r>
+                      <a:endParaRPr b="1" sz="1600" u="none" cap="none" strike="noStrike"/>
                     </a:p>
                   </a:txBody>
                   <a:tcPr marT="45725" marB="45725" marR="91450" marL="91450"/>
@@ -17865,7 +18366,7 @@
                         <a:buNone/>
                       </a:pPr>
                       <a:r>
-                        <a:rPr b="0" i="0" lang="en-IN" sz="1400" u="none" cap="none" strike="noStrike">
+                        <a:rPr b="0" i="0" lang="en-IN" sz="1600" u="none" cap="none" strike="noStrike">
                           <a:solidFill>
                             <a:schemeClr val="dk1"/>
                           </a:solidFill>
@@ -17876,7 +18377,7 @@
                         </a:rPr>
                         <a:t>ANALYSIS AND DESIGN OF SALES AND INVENTORY MANAGEMENT SYSTEM FOR YOCHANG GENERAL MERCHANDISE</a:t>
                       </a:r>
-                      <a:endParaRPr sz="1400" u="none" cap="none" strike="noStrike"/>
+                      <a:endParaRPr sz="1600" u="none" cap="none" strike="noStrike"/>
                     </a:p>
                   </a:txBody>
                   <a:tcPr marT="45725" marB="45725" marR="91450" marL="91450"/>
@@ -17904,7 +18405,7 @@
                         <a:buNone/>
                       </a:pPr>
                       <a:r>
-                        <a:rPr b="0" i="0" lang="en-IN" sz="1400" u="none" cap="none" strike="noStrike">
+                        <a:rPr b="0" i="0" lang="en-IN" sz="1600" u="none" cap="none" strike="noStrike">
                           <a:solidFill>
                             <a:schemeClr val="dk1"/>
                           </a:solidFill>
@@ -17913,7 +18414,7 @@
                           <a:cs typeface="Calibri"/>
                           <a:sym typeface="Calibri"/>
                         </a:rPr>
-                        <a:t>The design of the interfaces is also categorized as user-friendly due to lack of workplace IT experience. Individuals are not even with an IT background can manage the program. The software "Sales and Inventory System" developed for a company was designed to achieve maximum efficiency and reduce the time required to handle all the tra. It is designed to replace an existing manual recording system which reduces the time taken for calculations and data storage. </a:t>
+                        <a:t>The design of the interfaces is also categorized as user-friendly due to lack of workplace IT experience. The software "Sales and Inventory System" developed for a company was designed to achieve maximum efficiency and reduce the time required to handle all the tra. </a:t>
                       </a:r>
                       <a:endParaRPr sz="1600" u="none" cap="none" strike="noStrike">
                         <a:latin typeface="Times New Roman"/>
@@ -17976,7 +18477,7 @@
                         <a:buNone/>
                       </a:pPr>
                       <a:r>
-                        <a:rPr b="0" i="0" lang="en-IN" sz="1400" u="none" cap="none" strike="noStrike">
+                        <a:rPr b="0" i="0" lang="en-IN" sz="1600" u="none" cap="none" strike="noStrike">
                           <a:solidFill>
                             <a:schemeClr val="dk1"/>
                           </a:solidFill>
@@ -17985,62 +18486,17 @@
                           <a:cs typeface="Calibri"/>
                           <a:sym typeface="Calibri"/>
                         </a:rPr>
-                        <a:t>Souvik Paul, Atrayee Chatterjee; Digbijay Guha</a:t>
+                        <a:t>Souvik Paul, Atrayee Chatterjee; Digbijay Guha / </a:t>
                       </a:r>
-                      <a:endParaRPr/>
-                    </a:p>
-                    <a:p>
-                      <a:pPr indent="0" lvl="0" marL="0" marR="0" rtl="0" algn="l">
-                        <a:lnSpc>
-                          <a:spcPct val="100000"/>
-                        </a:lnSpc>
-                        <a:spcBef>
-                          <a:spcPts val="0"/>
-                        </a:spcBef>
-                        <a:spcAft>
-                          <a:spcPts val="0"/>
-                        </a:spcAft>
-                        <a:buNone/>
-                      </a:pPr>
                       <a:r>
-                        <a:t/>
-                      </a:r>
-                      <a:endParaRPr b="0" i="0" sz="1400" u="none" cap="none" strike="noStrike">
-                        <a:solidFill>
-                          <a:schemeClr val="dk1"/>
-                        </a:solidFill>
-                        <a:latin typeface="Calibri"/>
-                        <a:ea typeface="Calibri"/>
-                        <a:cs typeface="Calibri"/>
-                        <a:sym typeface="Calibri"/>
-                      </a:endParaRPr>
-                    </a:p>
-                    <a:p>
-                      <a:pPr indent="0" lvl="0" marL="0" marR="0" rtl="0" algn="l">
-                        <a:lnSpc>
-                          <a:spcPct val="100000"/>
-                        </a:lnSpc>
-                        <a:spcBef>
-                          <a:spcPts val="0"/>
-                        </a:spcBef>
-                        <a:spcAft>
-                          <a:spcPts val="0"/>
-                        </a:spcAft>
-                        <a:buNone/>
-                      </a:pPr>
-                      <a:r>
-                        <a:rPr b="0" i="0" lang="en-IN" sz="1400" u="none" cap="none" strike="noStrike">
+                        <a:rPr b="1" i="0" lang="en-IN" sz="1600" u="none" cap="none" strike="noStrike">
                           <a:solidFill>
                             <a:schemeClr val="dk1"/>
                           </a:solidFill>
-                          <a:latin typeface="Calibri"/>
-                          <a:ea typeface="Calibri"/>
-                          <a:cs typeface="Calibri"/>
-                          <a:sym typeface="Calibri"/>
                         </a:rPr>
-                        <a:t>BCA Department, The Heritage Academy, India. / 2019</a:t>
+                        <a:t>2019</a:t>
                       </a:r>
-                      <a:endParaRPr/>
+                      <a:endParaRPr b="1" sz="1600"/>
                     </a:p>
                     <a:p>
                       <a:pPr indent="0" lvl="0" marL="0" marR="0" rtl="0" algn="l">
@@ -18063,7 +18519,7 @@
                       <a:r>
                         <a:t/>
                       </a:r>
-                      <a:endParaRPr sz="1800" u="none" cap="none" strike="noStrike"/>
+                      <a:endParaRPr sz="1600" u="none" cap="none" strike="noStrike"/>
                     </a:p>
                     <a:p>
                       <a:pPr indent="0" lvl="0" marL="0" marR="0" rtl="0" algn="l">
@@ -18086,7 +18542,7 @@
                       <a:r>
                         <a:t/>
                       </a:r>
-                      <a:endParaRPr sz="1800" u="none" cap="none" strike="noStrike"/>
+                      <a:endParaRPr sz="1600" u="none" cap="none" strike="noStrike"/>
                     </a:p>
                   </a:txBody>
                   <a:tcPr marT="45725" marB="45725" marR="91450" marL="91450"/>
@@ -18114,7 +18570,7 @@
                         <a:buNone/>
                       </a:pPr>
                       <a:r>
-                        <a:rPr b="0" i="0" lang="en-IN" sz="1400" u="none" cap="none" strike="noStrike">
+                        <a:rPr b="0" i="0" lang="en-IN" sz="1600" u="none" cap="none" strike="noStrike">
                           <a:solidFill>
                             <a:schemeClr val="dk1"/>
                           </a:solidFill>
@@ -18125,7 +18581,7 @@
                         </a:rPr>
                         <a:t>STUDY OF SMART INVENTORY MANAGEMENT SYSTEM BASED ON THE INTERNET OF THINGS (IOT)</a:t>
                       </a:r>
-                      <a:endParaRPr/>
+                      <a:endParaRPr sz="1600"/>
                     </a:p>
                     <a:p>
                       <a:pPr indent="0" lvl="0" marL="0" marR="0" rtl="0" algn="l">
@@ -18237,7 +18693,7 @@
                         <a:buNone/>
                       </a:pPr>
                       <a:r>
-                        <a:rPr b="0" i="0" lang="en-IN" sz="1400" u="none" cap="none" strike="noStrike">
+                        <a:rPr b="0" i="0" lang="en-IN" sz="1600" u="none" cap="none" strike="noStrike">
                           <a:solidFill>
                             <a:schemeClr val="dk1"/>
                           </a:solidFill>
@@ -18246,7 +18702,7 @@
                           <a:cs typeface="Calibri"/>
                           <a:sym typeface="Calibri"/>
                         </a:rPr>
-                        <a:t>This system has great advantages compared to the traditional mode, and we expect good prospects for its development. Inventory Management is a key area for customer service and cost optimization in any manufacturing setup. As companies turn global and have thousands of components and hundreds of warehouses the inventory becomes a nightmare and a lot of time is spend in tracking inventory and ensuring right shipments.</a:t>
+                        <a:t>This system has great advantages compared to the traditional mode, and we expect good prospects for its development. As companies turn global and have thousands of components and hundreds of warehouses the inventory becomes a nightmare and a lot of time is spend in tracking inventory and ensuring right shipments.</a:t>
                       </a:r>
                       <a:endParaRPr sz="1600" u="none" cap="none" strike="noStrike">
                         <a:latin typeface="Times New Roman"/>
@@ -18298,7 +18754,7 @@
         </p:nvSpPr>
         <p:spPr>
           <a:xfrm>
-            <a:off x="838200" y="-254700"/>
+            <a:off x="838200" y="0"/>
             <a:ext cx="10515600" cy="1049700"/>
           </a:xfrm>
           <a:prstGeom prst="rect">
@@ -18352,7 +18808,7 @@
           <p:nvPr/>
         </p:nvGraphicFramePr>
         <p:xfrm>
-          <a:off x="838200" y="627575"/>
+          <a:off x="838200" y="1144800"/>
           <a:ext cx="3000000" cy="3000000"/>
         </p:xfrm>
         <a:graphic>
@@ -18360,7 +18816,7 @@
             <a:tbl>
               <a:tblPr bandRow="1" firstRow="1">
                 <a:noFill/>
-                <a:tableStyleId>{62BF7A08-94A4-4D0D-B81D-A38B6230D4CA}</a:tableStyleId>
+                <a:tableStyleId>{7BFAED78-9358-43A6-B5EC-C48E128BDD87}</a:tableStyleId>
               </a:tblPr>
               <a:tblGrid>
                 <a:gridCol w="1043875"/>
@@ -18499,7 +18955,17 @@
                       <a:endParaRPr sz="1800" u="none" cap="none" strike="noStrike"/>
                     </a:p>
                   </a:txBody>
-                  <a:tcPr marT="45725" marB="45725" marR="91450" marL="91450"/>
+                  <a:tcPr marT="45725" marB="45725" marR="91450" marL="91450">
+                    <a:lnB cap="flat" cmpd="sng" w="38100">
+                      <a:solidFill>
+                        <a:schemeClr val="lt1"/>
+                      </a:solidFill>
+                      <a:prstDash val="solid"/>
+                      <a:round/>
+                      <a:headEnd len="sm" w="sm" type="none"/>
+                      <a:tailEnd len="sm" w="sm" type="none"/>
+                    </a:lnB>
+                  </a:tcPr>
                 </a:tc>
                 <a:tc>
                   <a:txBody>
@@ -18553,7 +19019,17 @@
                       <a:endParaRPr sz="1800" u="none" cap="none" strike="noStrike"/>
                     </a:p>
                   </a:txBody>
-                  <a:tcPr marT="45725" marB="45725" marR="91450" marL="91450"/>
+                  <a:tcPr marT="45725" marB="45725" marR="91450" marL="91450">
+                    <a:lnB cap="flat" cmpd="sng" w="38100">
+                      <a:solidFill>
+                        <a:schemeClr val="lt1"/>
+                      </a:solidFill>
+                      <a:prstDash val="solid"/>
+                      <a:round/>
+                      <a:headEnd len="sm" w="sm" type="none"/>
+                      <a:tailEnd len="sm" w="sm" type="none"/>
+                    </a:lnB>
+                  </a:tcPr>
                 </a:tc>
                 <a:tc>
                   <a:txBody>
@@ -18607,7 +19083,17 @@
                       <a:endParaRPr sz="1800" u="none" cap="none" strike="noStrike"/>
                     </a:p>
                   </a:txBody>
-                  <a:tcPr marT="45725" marB="45725" marR="91450" marL="91450"/>
+                  <a:tcPr marT="45725" marB="45725" marR="91450" marL="91450">
+                    <a:lnB cap="flat" cmpd="sng" w="38100">
+                      <a:solidFill>
+                        <a:schemeClr val="lt1"/>
+                      </a:solidFill>
+                      <a:prstDash val="solid"/>
+                      <a:round/>
+                      <a:headEnd len="sm" w="sm" type="none"/>
+                      <a:tailEnd len="sm" w="sm" type="none"/>
+                    </a:lnB>
+                  </a:tcPr>
                 </a:tc>
               </a:tr>
               <a:tr h="2022550">
@@ -18640,7 +19126,17 @@
                       <a:endParaRPr sz="1800" u="none" cap="none" strike="noStrike"/>
                     </a:p>
                   </a:txBody>
-                  <a:tcPr marT="45725" marB="45725" marR="91450" marL="91450"/>
+                  <a:tcPr marT="45725" marB="45725" marR="91450" marL="91450">
+                    <a:lnR cap="flat" cmpd="sng" w="12700">
+                      <a:solidFill>
+                        <a:schemeClr val="lt1"/>
+                      </a:solidFill>
+                      <a:prstDash val="solid"/>
+                      <a:round/>
+                      <a:headEnd len="sm" w="sm" type="none"/>
+                      <a:tailEnd len="sm" w="sm" type="none"/>
+                    </a:lnR>
+                  </a:tcPr>
                 </a:tc>
                 <a:tc>
                   <a:txBody>
@@ -18660,7 +19156,101 @@
                         <a:buNone/>
                       </a:pPr>
                       <a:r>
-                        <a:rPr b="0" i="0" lang="en-IN" sz="1400" u="none" cap="none" strike="noStrike">
+                        <a:rPr b="0" i="0" lang="en-IN" sz="1600" cap="none" strike="noStrike">
+                          <a:solidFill>
+                            <a:schemeClr val="dk1"/>
+                          </a:solidFill>
+                          <a:uFill>
+                            <a:noFill/>
+                          </a:uFill>
+                          <a:latin typeface="Calibri"/>
+                          <a:ea typeface="Calibri"/>
+                          <a:cs typeface="Calibri"/>
+                          <a:sym typeface="Calibri"/>
+                          <a:hlinkClick r:id="rId3">
+                            <a:extLst>
+                              <a:ext uri="{A12FA001-AC4F-418D-AE19-62706E023703}">
+                                <ahyp:hlinkClr val="tx"/>
+                              </a:ext>
+                            </a:extLst>
+                          </a:hlinkClick>
+                        </a:rPr>
+                        <a:t>Hien Vu</a:t>
+                      </a:r>
+                      <a:endParaRPr b="0" i="0" sz="1600" cap="none" strike="noStrike">
+                        <a:solidFill>
+                          <a:schemeClr val="dk1"/>
+                        </a:solidFill>
+                        <a:latin typeface="Calibri"/>
+                        <a:ea typeface="Calibri"/>
+                        <a:cs typeface="Calibri"/>
+                        <a:sym typeface="Calibri"/>
+                      </a:endParaRPr>
+                    </a:p>
+                    <a:p>
+                      <a:pPr indent="0" lvl="0" marL="0" marR="0" rtl="0" algn="l">
+                        <a:lnSpc>
+                          <a:spcPct val="100000"/>
+                        </a:lnSpc>
+                        <a:spcBef>
+                          <a:spcPts val="0"/>
+                        </a:spcBef>
+                        <a:spcAft>
+                          <a:spcPts val="0"/>
+                        </a:spcAft>
+                        <a:buNone/>
+                      </a:pPr>
+                      <a:r>
+                        <a:rPr b="0" i="0" lang="en-IN" sz="1600" cap="none" strike="noStrike">
+                          <a:solidFill>
+                            <a:schemeClr val="dk1"/>
+                          </a:solidFill>
+                          <a:uFill>
+                            <a:noFill/>
+                          </a:uFill>
+                          <a:latin typeface="Calibri"/>
+                          <a:ea typeface="Calibri"/>
+                          <a:cs typeface="Calibri"/>
+                          <a:sym typeface="Calibri"/>
+                          <a:hlinkClick r:id="rId4">
+                            <a:extLst>
+                              <a:ext uri="{A12FA001-AC4F-418D-AE19-62706E023703}">
+                                <ahyp:hlinkClr val="tx"/>
+                              </a:ext>
+                            </a:extLst>
+                          </a:hlinkClick>
+                        </a:rPr>
+                        <a:t>University of Auckland</a:t>
+                      </a:r>
+                      <a:r>
+                        <a:rPr lang="en-IN" sz="1600"/>
+                        <a:t> / </a:t>
+                      </a:r>
+                      <a:r>
+                        <a:rPr b="1" lang="en-IN" sz="1600"/>
+                        <a:t>2018</a:t>
+                      </a:r>
+                      <a:endParaRPr b="1" i="0" sz="1600" u="none" cap="none" strike="noStrike">
+                        <a:solidFill>
+                          <a:schemeClr val="dk1"/>
+                        </a:solidFill>
+                      </a:endParaRPr>
+                    </a:p>
+                    <a:p>
+                      <a:pPr indent="0" lvl="0" marL="0" marR="0" rtl="0" algn="l">
+                        <a:lnSpc>
+                          <a:spcPct val="100000"/>
+                        </a:lnSpc>
+                        <a:spcBef>
+                          <a:spcPts val="0"/>
+                        </a:spcBef>
+                        <a:spcAft>
+                          <a:spcPts val="0"/>
+                        </a:spcAft>
+                        <a:buNone/>
+                      </a:pPr>
+                      <a:br>
+                        <a:rPr b="0" i="0" lang="en-IN" sz="1600" u="none" cap="none" strike="noStrike">
                           <a:solidFill>
                             <a:schemeClr val="dk1"/>
                           </a:solidFill>
@@ -18669,39 +19259,52 @@
                           <a:cs typeface="Calibri"/>
                           <a:sym typeface="Calibri"/>
                         </a:rPr>
-                        <a:t>Hamza BELARBI</a:t>
-                      </a:r>
-                      <a:endParaRPr/>
-                    </a:p>
-                    <a:p>
-                      <a:pPr indent="0" lvl="0" marL="0" marR="0" rtl="0" algn="l">
-                        <a:lnSpc>
-                          <a:spcPct val="100000"/>
-                        </a:lnSpc>
-                        <a:spcBef>
-                          <a:spcPts val="0"/>
-                        </a:spcBef>
-                        <a:spcAft>
-                          <a:spcPts val="0"/>
-                        </a:spcAft>
-                        <a:buNone/>
-                      </a:pPr>
-                      <a:r>
-                        <a:rPr b="0" i="0" lang="en-IN" sz="1400" u="none" cap="none" strike="noStrike">
-                          <a:solidFill>
-                            <a:schemeClr val="dk1"/>
-                          </a:solidFill>
-                          <a:latin typeface="Calibri"/>
-                          <a:ea typeface="Calibri"/>
-                          <a:cs typeface="Calibri"/>
-                          <a:sym typeface="Calibri"/>
-                        </a:rPr>
-                        <a:t>1,, Abdelali TAJMOUATI LMEET, FST of Settat, Hassan 1st UniversitySettat, Morocco / 2016</a:t>
-                      </a:r>
-                      <a:endParaRPr/>
+                      </a:br>
+                      <a:endParaRPr sz="1600" u="none" cap="none" strike="noStrike">
+                        <a:solidFill>
+                          <a:schemeClr val="dk1"/>
+                        </a:solidFill>
+                      </a:endParaRPr>
                     </a:p>
                   </a:txBody>
-                  <a:tcPr marT="45725" marB="45725" marR="91450" marL="91450"/>
+                  <a:tcPr marT="45725" marB="45725" marR="91450" marL="91450">
+                    <a:lnL cap="flat" cmpd="sng" w="12700">
+                      <a:solidFill>
+                        <a:schemeClr val="lt1"/>
+                      </a:solidFill>
+                      <a:prstDash val="solid"/>
+                      <a:round/>
+                      <a:headEnd len="sm" w="sm" type="none"/>
+                      <a:tailEnd len="sm" w="sm" type="none"/>
+                    </a:lnL>
+                    <a:lnR cap="flat" cmpd="sng" w="12700">
+                      <a:solidFill>
+                        <a:schemeClr val="lt1"/>
+                      </a:solidFill>
+                      <a:prstDash val="solid"/>
+                      <a:round/>
+                      <a:headEnd len="sm" w="sm" type="none"/>
+                      <a:tailEnd len="sm" w="sm" type="none"/>
+                    </a:lnR>
+                    <a:lnT cap="flat" cmpd="sng" w="38100">
+                      <a:solidFill>
+                        <a:schemeClr val="lt1"/>
+                      </a:solidFill>
+                      <a:prstDash val="solid"/>
+                      <a:round/>
+                      <a:headEnd len="sm" w="sm" type="none"/>
+                      <a:tailEnd len="sm" w="sm" type="none"/>
+                    </a:lnT>
+                    <a:lnB cap="flat" cmpd="sng" w="12700">
+                      <a:solidFill>
+                        <a:schemeClr val="lt1"/>
+                      </a:solidFill>
+                      <a:prstDash val="solid"/>
+                      <a:round/>
+                      <a:headEnd len="sm" w="sm" type="none"/>
+                      <a:tailEnd len="sm" w="sm" type="none"/>
+                    </a:lnB>
+                  </a:tcPr>
                 </a:tc>
                 <a:tc>
                   <a:txBody>
@@ -18721,7 +19324,7 @@
                         <a:buNone/>
                       </a:pPr>
                       <a:r>
-                        <a:rPr b="0" i="0" lang="en-IN" sz="1400" u="none" cap="none" strike="noStrike">
+                        <a:rPr b="0" i="0" lang="en-IN" sz="1600" u="none" cap="none" strike="noStrike">
                           <a:solidFill>
                             <a:schemeClr val="dk1"/>
                           </a:solidFill>
@@ -18730,183 +19333,9 @@
                           <a:cs typeface="Calibri"/>
                           <a:sym typeface="Calibri"/>
                         </a:rPr>
-                        <a:t>Predictive Analysis of Big Data in Retail Industry</a:t>
+                        <a:t>Inventory management in retail industry - Application of big data analytics</a:t>
                       </a:r>
-                      <a:endParaRPr/>
-                    </a:p>
-                  </a:txBody>
-                  <a:tcPr marT="45725" marB="45725" marR="91450" marL="91450"/>
-                </a:tc>
-                <a:tc>
-                  <a:txBody>
-                    <a:bodyPr/>
-                    <a:lstStyle/>
-                    <a:p>
-                      <a:pPr indent="0" lvl="0" marL="0" marR="0" rtl="0" algn="l">
-                        <a:lnSpc>
-                          <a:spcPct val="100000"/>
-                        </a:lnSpc>
-                        <a:spcBef>
-                          <a:spcPts val="0"/>
-                        </a:spcBef>
-                        <a:spcAft>
-                          <a:spcPts val="0"/>
-                        </a:spcAft>
-                        <a:buNone/>
-                      </a:pPr>
-                      <a:r>
-                        <a:rPr b="0" i="0" lang="en-IN" sz="1400" u="none" cap="none" strike="noStrike">
-                          <a:solidFill>
-                            <a:schemeClr val="dk1"/>
-                          </a:solidFill>
-                          <a:latin typeface="Calibri"/>
-                          <a:ea typeface="Calibri"/>
-                          <a:cs typeface="Calibri"/>
-                          <a:sym typeface="Calibri"/>
-                        </a:rPr>
-                        <a:t>The uses of big data analytics are notexclusive to one industry. In retail we can use big data to makedecision about pricing and merchandising. In this paper weprovide a summary the state-of-the-art research on big dataanalytics.</a:t>
-                      </a:r>
-                      <a:endParaRPr/>
-                    </a:p>
-                    <a:p>
-                      <a:pPr indent="0" lvl="0" marL="0" marR="0" rtl="0" algn="l">
-                        <a:lnSpc>
-                          <a:spcPct val="100000"/>
-                        </a:lnSpc>
-                        <a:spcBef>
-                          <a:spcPts val="0"/>
-                        </a:spcBef>
-                        <a:spcAft>
-                          <a:spcPts val="0"/>
-                        </a:spcAft>
-                        <a:buNone/>
-                      </a:pPr>
-                      <a:r>
-                        <a:rPr b="0" i="1" lang="en-IN" sz="1400" u="none" cap="none" strike="noStrike">
-                          <a:solidFill>
-                            <a:schemeClr val="dk1"/>
-                          </a:solidFill>
-                          <a:latin typeface="Calibri"/>
-                          <a:ea typeface="Calibri"/>
-                          <a:cs typeface="Calibri"/>
-                          <a:sym typeface="Calibri"/>
-                        </a:rPr>
-                        <a:t> </a:t>
-                      </a:r>
-                      <a:endParaRPr b="0" i="0" sz="1400" u="none" cap="none" strike="noStrike">
-                        <a:solidFill>
-                          <a:schemeClr val="dk1"/>
-                        </a:solidFill>
-                        <a:latin typeface="Calibri"/>
-                        <a:ea typeface="Calibri"/>
-                        <a:cs typeface="Calibri"/>
-                        <a:sym typeface="Calibri"/>
-                      </a:endParaRPr>
-                    </a:p>
-                  </a:txBody>
-                  <a:tcPr marT="45725" marB="45725" marR="91450" marL="91450"/>
-                </a:tc>
-              </a:tr>
-              <a:tr h="2303250">
-                <a:tc>
-                  <a:txBody>
-                    <a:bodyPr/>
-                    <a:lstStyle/>
-                    <a:p>
-                      <a:pPr indent="0" lvl="0" marL="0" marR="0" rtl="0" algn="ctr">
-                        <a:lnSpc>
-                          <a:spcPct val="250000"/>
-                        </a:lnSpc>
-                        <a:spcBef>
-                          <a:spcPts val="0"/>
-                        </a:spcBef>
-                        <a:spcAft>
-                          <a:spcPts val="0"/>
-                        </a:spcAft>
-                        <a:buClr>
-                          <a:srgbClr val="000000"/>
-                        </a:buClr>
-                        <a:buSzPts val="1800"/>
-                        <a:buFont typeface="Arial"/>
-                        <a:buNone/>
-                      </a:pPr>
-                      <a:r>
-                        <a:rPr lang="en-IN" sz="1800" u="none" cap="none" strike="noStrike"/>
-                        <a:t>8</a:t>
-                      </a:r>
-                      <a:endParaRPr sz="1800" u="none" cap="none" strike="noStrike"/>
-                    </a:p>
-                  </a:txBody>
-                  <a:tcPr marT="45725" marB="45725" marR="91450" marL="91450"/>
-                </a:tc>
-                <a:tc>
-                  <a:txBody>
-                    <a:bodyPr/>
-                    <a:lstStyle/>
-                    <a:p>
-                      <a:pPr indent="0" lvl="0" marL="0" marR="0" rtl="0" algn="l">
-                        <a:lnSpc>
-                          <a:spcPct val="100000"/>
-                        </a:lnSpc>
-                        <a:spcBef>
-                          <a:spcPts val="0"/>
-                        </a:spcBef>
-                        <a:spcAft>
-                          <a:spcPts val="0"/>
-                        </a:spcAft>
-                        <a:buClr>
-                          <a:schemeClr val="dk1"/>
-                        </a:buClr>
-                        <a:buSzPts val="1100"/>
-                        <a:buFont typeface="Arial"/>
-                        <a:buNone/>
-                      </a:pPr>
-                      <a:r>
-                        <a:rPr lang="en-IN" sz="1800" u="none" cap="none" strike="noStrike"/>
-                        <a:t>V.Vijaya Lakshmi Asst. Professor, GNITS, Hyderabad, INDIA K. Ranganath / 2016</a:t>
-                      </a:r>
-                      <a:endParaRPr sz="1800" u="none" cap="none" strike="noStrike"/>
-                    </a:p>
-                  </a:txBody>
-                  <a:tcPr marT="45725" marB="45725" marR="91450" marL="91450"/>
-                </a:tc>
-                <a:tc>
-                  <a:txBody>
-                    <a:bodyPr/>
-                    <a:lstStyle/>
-                    <a:p>
-                      <a:pPr indent="0" lvl="0" marL="0" marR="0" rtl="0" algn="l">
-                        <a:lnSpc>
-                          <a:spcPct val="100000"/>
-                        </a:lnSpc>
-                        <a:spcBef>
-                          <a:spcPts val="0"/>
-                        </a:spcBef>
-                        <a:spcAft>
-                          <a:spcPts val="0"/>
-                        </a:spcAft>
-                        <a:buClr>
-                          <a:schemeClr val="dk1"/>
-                        </a:buClr>
-                        <a:buSzPts val="1100"/>
-                        <a:buFont typeface="Arial"/>
-                        <a:buNone/>
-                      </a:pPr>
-                      <a:r>
-                        <a:rPr lang="en-IN" sz="1600" u="none" cap="none" strike="noStrike">
-                          <a:latin typeface="Times New Roman"/>
-                          <a:ea typeface="Times New Roman"/>
-                          <a:cs typeface="Times New Roman"/>
-                          <a:sym typeface="Times New Roman"/>
-                        </a:rPr>
-                        <a:t>Inventory Management</a:t>
-                      </a:r>
-                      <a:endParaRPr sz="1600" u="none" cap="none" strike="noStrike">
-                        <a:latin typeface="Times New Roman"/>
-                        <a:ea typeface="Times New Roman"/>
-                        <a:cs typeface="Times New Roman"/>
-                        <a:sym typeface="Times New Roman"/>
-                      </a:endParaRPr>
+                      <a:endParaRPr sz="1600"/>
                     </a:p>
                     <a:p>
                       <a:pPr indent="0" lvl="0" marL="0" marR="0" rtl="0" algn="l">
@@ -18937,7 +19366,44 @@
                       </a:endParaRPr>
                     </a:p>
                   </a:txBody>
-                  <a:tcPr marT="45725" marB="45725" marR="91450" marL="91450"/>
+                  <a:tcPr marT="45725" marB="45725" marR="91450" marL="91450">
+                    <a:lnL cap="flat" cmpd="sng" w="12700">
+                      <a:solidFill>
+                        <a:schemeClr val="lt1"/>
+                      </a:solidFill>
+                      <a:prstDash val="solid"/>
+                      <a:round/>
+                      <a:headEnd len="sm" w="sm" type="none"/>
+                      <a:tailEnd len="sm" w="sm" type="none"/>
+                    </a:lnL>
+                    <a:lnR cap="flat" cmpd="sng" w="12700">
+                      <a:solidFill>
+                        <a:schemeClr val="lt1"/>
+                      </a:solidFill>
+                      <a:prstDash val="solid"/>
+                      <a:round/>
+                      <a:headEnd len="sm" w="sm" type="none"/>
+                      <a:tailEnd len="sm" w="sm" type="none"/>
+                    </a:lnR>
+                    <a:lnT cap="flat" cmpd="sng" w="38100">
+                      <a:solidFill>
+                        <a:schemeClr val="lt1"/>
+                      </a:solidFill>
+                      <a:prstDash val="solid"/>
+                      <a:round/>
+                      <a:headEnd len="sm" w="sm" type="none"/>
+                      <a:tailEnd len="sm" w="sm" type="none"/>
+                    </a:lnT>
+                    <a:lnB cap="flat" cmpd="sng" w="12700">
+                      <a:solidFill>
+                        <a:schemeClr val="lt1"/>
+                      </a:solidFill>
+                      <a:prstDash val="solid"/>
+                      <a:round/>
+                      <a:headEnd len="sm" w="sm" type="none"/>
+                      <a:tailEnd len="sm" w="sm" type="none"/>
+                    </a:lnB>
+                  </a:tcPr>
                 </a:tc>
                 <a:tc>
                   <a:txBody>
@@ -18955,15 +19421,23 @@
                           <a:spcPts val="0"/>
                         </a:spcAft>
                         <a:buClr>
-                          <a:srgbClr val="000000"/>
+                          <a:schemeClr val="dk1"/>
                         </a:buClr>
                         <a:buSzPts val="1100"/>
                         <a:buFont typeface="Arial"/>
                         <a:buNone/>
                       </a:pPr>
                       <a:r>
-                        <a:rPr lang="en-IN" sz="1600" u="none" cap="none" strike="noStrike"/>
-                        <a:t>. An efficient inventory management ensures continuous production by maintaining inventory at a satisfactory level. It also minimizes capital investment and cost of inventory by avoiding stock-pile of product. Efficient and Effective Inventory Management goes a long way in successful running and survival of business firm. </a:t>
+                        <a:rPr b="0" i="0" lang="en-IN" sz="1600" u="none" cap="none" strike="noStrike">
+                          <a:solidFill>
+                            <a:schemeClr val="dk1"/>
+                          </a:solidFill>
+                          <a:latin typeface="Calibri"/>
+                          <a:ea typeface="Calibri"/>
+                          <a:cs typeface="Calibri"/>
+                          <a:sym typeface="Calibri"/>
+                        </a:rPr>
+                        <a:t> The report finds the prospects of integrating BDA in the conventional inventory management techniques and promoting the viability and appropriateness of these models in the big-data era. However, the limitations of BDA underlie data challenges, processing challenges and management challenges.</a:t>
                       </a:r>
                       <a:endParaRPr sz="1600" u="none" cap="none" strike="noStrike">
                         <a:latin typeface="Times New Roman"/>
@@ -18973,7 +19447,327 @@
                       </a:endParaRPr>
                     </a:p>
                   </a:txBody>
-                  <a:tcPr marT="45725" marB="45725" marR="91450" marL="91450"/>
+                  <a:tcPr marT="45725" marB="45725" marR="91450" marL="91450">
+                    <a:lnL cap="flat" cmpd="sng" w="12700">
+                      <a:solidFill>
+                        <a:schemeClr val="lt1"/>
+                      </a:solidFill>
+                      <a:prstDash val="solid"/>
+                      <a:round/>
+                      <a:headEnd len="sm" w="sm" type="none"/>
+                      <a:tailEnd len="sm" w="sm" type="none"/>
+                    </a:lnL>
+                    <a:lnR cap="flat" cmpd="sng" w="12700">
+                      <a:solidFill>
+                        <a:schemeClr val="lt1"/>
+                      </a:solidFill>
+                      <a:prstDash val="solid"/>
+                      <a:round/>
+                      <a:headEnd len="sm" w="sm" type="none"/>
+                      <a:tailEnd len="sm" w="sm" type="none"/>
+                    </a:lnR>
+                    <a:lnT cap="flat" cmpd="sng" w="38100">
+                      <a:solidFill>
+                        <a:schemeClr val="lt1"/>
+                      </a:solidFill>
+                      <a:prstDash val="solid"/>
+                      <a:round/>
+                      <a:headEnd len="sm" w="sm" type="none"/>
+                      <a:tailEnd len="sm" w="sm" type="none"/>
+                    </a:lnT>
+                    <a:lnB cap="flat" cmpd="sng" w="12700">
+                      <a:solidFill>
+                        <a:schemeClr val="lt1"/>
+                      </a:solidFill>
+                      <a:prstDash val="solid"/>
+                      <a:round/>
+                      <a:headEnd len="sm" w="sm" type="none"/>
+                      <a:tailEnd len="sm" w="sm" type="none"/>
+                    </a:lnB>
+                  </a:tcPr>
+                </a:tc>
+              </a:tr>
+              <a:tr h="2303250">
+                <a:tc>
+                  <a:txBody>
+                    <a:bodyPr/>
+                    <a:lstStyle/>
+                    <a:p>
+                      <a:pPr indent="0" lvl="0" marL="0" marR="0" rtl="0" algn="ctr">
+                        <a:lnSpc>
+                          <a:spcPct val="250000"/>
+                        </a:lnSpc>
+                        <a:spcBef>
+                          <a:spcPts val="0"/>
+                        </a:spcBef>
+                        <a:spcAft>
+                          <a:spcPts val="0"/>
+                        </a:spcAft>
+                        <a:buClr>
+                          <a:srgbClr val="000000"/>
+                        </a:buClr>
+                        <a:buSzPts val="1800"/>
+                        <a:buFont typeface="Arial"/>
+                        <a:buNone/>
+                      </a:pPr>
+                      <a:r>
+                        <a:rPr lang="en-IN" sz="1800" u="none" cap="none" strike="noStrike"/>
+                        <a:t>8</a:t>
+                      </a:r>
+                      <a:endParaRPr sz="1800" u="none" cap="none" strike="noStrike"/>
+                    </a:p>
+                  </a:txBody>
+                  <a:tcPr marT="45725" marB="45725" marR="91450" marL="91450">
+                    <a:lnR cap="flat" cmpd="sng" w="12700">
+                      <a:solidFill>
+                        <a:schemeClr val="lt1"/>
+                      </a:solidFill>
+                      <a:prstDash val="solid"/>
+                      <a:round/>
+                      <a:headEnd len="sm" w="sm" type="none"/>
+                      <a:tailEnd len="sm" w="sm" type="none"/>
+                    </a:lnR>
+                  </a:tcPr>
+                </a:tc>
+                <a:tc>
+                  <a:txBody>
+                    <a:bodyPr/>
+                    <a:lstStyle/>
+                    <a:p>
+                      <a:pPr indent="0" lvl="0" marL="0" marR="0" rtl="0" algn="l">
+                        <a:lnSpc>
+                          <a:spcPct val="100000"/>
+                        </a:lnSpc>
+                        <a:spcBef>
+                          <a:spcPts val="0"/>
+                        </a:spcBef>
+                        <a:spcAft>
+                          <a:spcPts val="0"/>
+                        </a:spcAft>
+                        <a:buClr>
+                          <a:srgbClr val="000000"/>
+                        </a:buClr>
+                        <a:buSzPts val="1400"/>
+                        <a:buFont typeface="Arial"/>
+                        <a:buNone/>
+                      </a:pPr>
+                      <a:r>
+                        <a:rPr lang="en-IN" sz="1600" u="none" cap="none" strike="noStrike"/>
+                        <a:t>Rashmi Mishra, Puneet Shukla</a:t>
+                      </a:r>
+                      <a:r>
+                        <a:rPr lang="en-IN" sz="1600"/>
+                        <a:t>/ </a:t>
+                      </a:r>
+                      <a:r>
+                        <a:rPr b="1" lang="en-IN" sz="1600"/>
+                        <a:t>2018</a:t>
+                      </a:r>
+                      <a:endParaRPr b="1" sz="1600" u="none" cap="none" strike="noStrike"/>
+                    </a:p>
+                    <a:p>
+                      <a:pPr indent="0" lvl="0" marL="0" marR="0" rtl="0" algn="l">
+                        <a:lnSpc>
+                          <a:spcPct val="100000"/>
+                        </a:lnSpc>
+                        <a:spcBef>
+                          <a:spcPts val="0"/>
+                        </a:spcBef>
+                        <a:spcAft>
+                          <a:spcPts val="0"/>
+                        </a:spcAft>
+                        <a:buClr>
+                          <a:srgbClr val="000000"/>
+                        </a:buClr>
+                        <a:buSzPts val="1400"/>
+                        <a:buFont typeface="Arial"/>
+                        <a:buNone/>
+                      </a:pPr>
+                      <a:r>
+                        <a:t/>
+                      </a:r>
+                      <a:endParaRPr sz="1600" u="none" cap="none" strike="noStrike"/>
+                    </a:p>
+                  </a:txBody>
+                  <a:tcPr marT="45725" marB="45725" marR="91450" marL="91450">
+                    <a:lnL cap="flat" cmpd="sng" w="12700">
+                      <a:solidFill>
+                        <a:schemeClr val="lt1"/>
+                      </a:solidFill>
+                      <a:prstDash val="solid"/>
+                      <a:round/>
+                      <a:headEnd len="sm" w="sm" type="none"/>
+                      <a:tailEnd len="sm" w="sm" type="none"/>
+                    </a:lnL>
+                    <a:lnR cap="flat" cmpd="sng" w="12700">
+                      <a:solidFill>
+                        <a:schemeClr val="lt1"/>
+                      </a:solidFill>
+                      <a:prstDash val="solid"/>
+                      <a:round/>
+                      <a:headEnd len="sm" w="sm" type="none"/>
+                      <a:tailEnd len="sm" w="sm" type="none"/>
+                    </a:lnR>
+                    <a:lnT cap="flat" cmpd="sng" w="12700">
+                      <a:solidFill>
+                        <a:schemeClr val="lt1"/>
+                      </a:solidFill>
+                      <a:prstDash val="solid"/>
+                      <a:round/>
+                      <a:headEnd len="sm" w="sm" type="none"/>
+                      <a:tailEnd len="sm" w="sm" type="none"/>
+                    </a:lnT>
+                    <a:lnB cap="flat" cmpd="sng" w="38100">
+                      <a:solidFill>
+                        <a:schemeClr val="lt1"/>
+                      </a:solidFill>
+                      <a:prstDash val="solid"/>
+                      <a:round/>
+                      <a:headEnd len="sm" w="sm" type="none"/>
+                      <a:tailEnd len="sm" w="sm" type="none"/>
+                    </a:lnB>
+                  </a:tcPr>
+                </a:tc>
+                <a:tc>
+                  <a:txBody>
+                    <a:bodyPr/>
+                    <a:lstStyle/>
+                    <a:p>
+                      <a:pPr indent="0" lvl="0" marL="0" marR="0" rtl="0" algn="l">
+                        <a:lnSpc>
+                          <a:spcPct val="100000"/>
+                        </a:lnSpc>
+                        <a:spcBef>
+                          <a:spcPts val="0"/>
+                        </a:spcBef>
+                        <a:spcAft>
+                          <a:spcPts val="0"/>
+                        </a:spcAft>
+                        <a:buClr>
+                          <a:schemeClr val="dk1"/>
+                        </a:buClr>
+                        <a:buSzPts val="1100"/>
+                        <a:buFont typeface="Arial"/>
+                        <a:buNone/>
+                      </a:pPr>
+                      <a:r>
+                        <a:rPr lang="en-IN" sz="1600" u="none" cap="none" strike="noStrike"/>
+                        <a:t>INVENTORY CONTROL SYSTEM</a:t>
+                      </a:r>
+                      <a:endParaRPr sz="1600" u="none" cap="none" strike="noStrike"/>
+                    </a:p>
+                  </a:txBody>
+                  <a:tcPr marT="45725" marB="45725" marR="91450" marL="91450">
+                    <a:lnL cap="flat" cmpd="sng" w="12700">
+                      <a:solidFill>
+                        <a:schemeClr val="lt1"/>
+                      </a:solidFill>
+                      <a:prstDash val="solid"/>
+                      <a:round/>
+                      <a:headEnd len="sm" w="sm" type="none"/>
+                      <a:tailEnd len="sm" w="sm" type="none"/>
+                    </a:lnL>
+                    <a:lnR cap="flat" cmpd="sng" w="12700">
+                      <a:solidFill>
+                        <a:schemeClr val="lt1"/>
+                      </a:solidFill>
+                      <a:prstDash val="solid"/>
+                      <a:round/>
+                      <a:headEnd len="sm" w="sm" type="none"/>
+                      <a:tailEnd len="sm" w="sm" type="none"/>
+                    </a:lnR>
+                    <a:lnT cap="flat" cmpd="sng" w="12700">
+                      <a:solidFill>
+                        <a:schemeClr val="lt1"/>
+                      </a:solidFill>
+                      <a:prstDash val="solid"/>
+                      <a:round/>
+                      <a:headEnd len="sm" w="sm" type="none"/>
+                      <a:tailEnd len="sm" w="sm" type="none"/>
+                    </a:lnT>
+                    <a:lnB cap="flat" cmpd="sng" w="38100">
+                      <a:solidFill>
+                        <a:schemeClr val="lt1"/>
+                      </a:solidFill>
+                      <a:prstDash val="solid"/>
+                      <a:round/>
+                      <a:headEnd len="sm" w="sm" type="none"/>
+                      <a:tailEnd len="sm" w="sm" type="none"/>
+                    </a:lnB>
+                  </a:tcPr>
+                </a:tc>
+                <a:tc>
+                  <a:txBody>
+                    <a:bodyPr/>
+                    <a:lstStyle/>
+                    <a:p>
+                      <a:pPr indent="0" lvl="0" marL="0" marR="0" rtl="0" algn="l">
+                        <a:lnSpc>
+                          <a:spcPct val="100000"/>
+                        </a:lnSpc>
+                        <a:spcBef>
+                          <a:spcPts val="0"/>
+                        </a:spcBef>
+                        <a:spcAft>
+                          <a:spcPts val="0"/>
+                        </a:spcAft>
+                        <a:buClr>
+                          <a:srgbClr val="000000"/>
+                        </a:buClr>
+                        <a:buSzPts val="1100"/>
+                        <a:buFont typeface="Arial"/>
+                        <a:buNone/>
+                      </a:pPr>
+                      <a:r>
+                        <a:rPr lang="en-IN" sz="1600" u="none" cap="none" strike="noStrike"/>
+                        <a:t>In the present paper , an attempt is made to provide an up-to-date and complete review of existing literature, concentrating on descriptions of the characteristics and types of inventory control models that have been developed by Indian as well as Foreign authors</a:t>
+                      </a:r>
+                      <a:endParaRPr sz="1600" u="none" cap="none" strike="noStrike">
+                        <a:latin typeface="Times New Roman"/>
+                        <a:ea typeface="Times New Roman"/>
+                        <a:cs typeface="Times New Roman"/>
+                        <a:sym typeface="Times New Roman"/>
+                      </a:endParaRPr>
+                    </a:p>
+                  </a:txBody>
+                  <a:tcPr marT="45725" marB="45725" marR="91450" marL="91450">
+                    <a:lnL cap="flat" cmpd="sng" w="12700">
+                      <a:solidFill>
+                        <a:schemeClr val="lt1"/>
+                      </a:solidFill>
+                      <a:prstDash val="solid"/>
+                      <a:round/>
+                      <a:headEnd len="sm" w="sm" type="none"/>
+                      <a:tailEnd len="sm" w="sm" type="none"/>
+                    </a:lnL>
+                    <a:lnR cap="flat" cmpd="sng" w="12700">
+                      <a:solidFill>
+                        <a:schemeClr val="lt1"/>
+                      </a:solidFill>
+                      <a:prstDash val="solid"/>
+                      <a:round/>
+                      <a:headEnd len="sm" w="sm" type="none"/>
+                      <a:tailEnd len="sm" w="sm" type="none"/>
+                    </a:lnR>
+                    <a:lnT cap="flat" cmpd="sng" w="12700">
+                      <a:solidFill>
+                        <a:schemeClr val="lt1"/>
+                      </a:solidFill>
+                      <a:prstDash val="solid"/>
+                      <a:round/>
+                      <a:headEnd len="sm" w="sm" type="none"/>
+                      <a:tailEnd len="sm" w="sm" type="none"/>
+                    </a:lnT>
+                    <a:lnB cap="flat" cmpd="sng" w="38100">
+                      <a:solidFill>
+                        <a:schemeClr val="lt1"/>
+                      </a:solidFill>
+                      <a:prstDash val="solid"/>
+                      <a:round/>
+                      <a:headEnd len="sm" w="sm" type="none"/>
+                      <a:tailEnd len="sm" w="sm" type="none"/>
+                    </a:lnB>
+                  </a:tcPr>
                 </a:tc>
               </a:tr>
             </a:tbl>
@@ -19015,7 +19809,7 @@
         </p:nvSpPr>
         <p:spPr>
           <a:xfrm>
-            <a:off x="838200" y="-254700"/>
+            <a:off x="838200" y="0"/>
             <a:ext cx="10515600" cy="1049700"/>
           </a:xfrm>
           <a:prstGeom prst="rect">
@@ -19069,7 +19863,7 @@
           <p:nvPr/>
         </p:nvGraphicFramePr>
         <p:xfrm>
-          <a:off x="838200" y="627575"/>
+          <a:off x="838200" y="1106475"/>
           <a:ext cx="3000000" cy="3000000"/>
         </p:xfrm>
         <a:graphic>
@@ -19077,7 +19871,7 @@
             <a:tbl>
               <a:tblPr bandRow="1" firstRow="1">
                 <a:noFill/>
-                <a:tableStyleId>{62BF7A08-94A4-4D0D-B81D-A38B6230D4CA}</a:tableStyleId>
+                <a:tableStyleId>{7BFAED78-9358-43A6-B5EC-C48E128BDD87}</a:tableStyleId>
               </a:tblPr>
               <a:tblGrid>
                 <a:gridCol w="1043875"/>
@@ -19216,7 +20010,17 @@
                       <a:endParaRPr sz="1800" u="none" cap="none" strike="noStrike"/>
                     </a:p>
                   </a:txBody>
-                  <a:tcPr marT="45725" marB="45725" marR="91450" marL="91450"/>
+                  <a:tcPr marT="45725" marB="45725" marR="91450" marL="91450">
+                    <a:lnB cap="flat" cmpd="sng" w="12700">
+                      <a:solidFill>
+                        <a:schemeClr val="lt1"/>
+                      </a:solidFill>
+                      <a:prstDash val="solid"/>
+                      <a:round/>
+                      <a:headEnd len="sm" w="sm" type="none"/>
+                      <a:tailEnd len="sm" w="sm" type="none"/>
+                    </a:lnB>
+                  </a:tcPr>
                 </a:tc>
                 <a:tc>
                   <a:txBody>
@@ -19270,7 +20074,17 @@
                       <a:endParaRPr sz="1800" u="none" cap="none" strike="noStrike"/>
                     </a:p>
                   </a:txBody>
-                  <a:tcPr marT="45725" marB="45725" marR="91450" marL="91450"/>
+                  <a:tcPr marT="45725" marB="45725" marR="91450" marL="91450">
+                    <a:lnB cap="flat" cmpd="sng" w="12700">
+                      <a:solidFill>
+                        <a:schemeClr val="lt1"/>
+                      </a:solidFill>
+                      <a:prstDash val="solid"/>
+                      <a:round/>
+                      <a:headEnd len="sm" w="sm" type="none"/>
+                      <a:tailEnd len="sm" w="sm" type="none"/>
+                    </a:lnB>
+                  </a:tcPr>
                 </a:tc>
                 <a:tc>
                   <a:txBody>
@@ -19324,7 +20138,17 @@
                       <a:endParaRPr sz="1800" u="none" cap="none" strike="noStrike"/>
                     </a:p>
                   </a:txBody>
-                  <a:tcPr marT="45725" marB="45725" marR="91450" marL="91450"/>
+                  <a:tcPr marT="45725" marB="45725" marR="91450" marL="91450">
+                    <a:lnB cap="flat" cmpd="sng" w="12700">
+                      <a:solidFill>
+                        <a:schemeClr val="lt1"/>
+                      </a:solidFill>
+                      <a:prstDash val="solid"/>
+                      <a:round/>
+                      <a:headEnd len="sm" w="sm" type="none"/>
+                      <a:tailEnd len="sm" w="sm" type="none"/>
+                    </a:lnB>
+                  </a:tcPr>
                 </a:tc>
               </a:tr>
               <a:tr h="1541450">
@@ -19357,7 +20181,17 @@
                       <a:endParaRPr sz="1800" u="none" cap="none" strike="noStrike"/>
                     </a:p>
                   </a:txBody>
-                  <a:tcPr marT="45725" marB="45725" marR="91450" marL="91450"/>
+                  <a:tcPr marT="45725" marB="45725" marR="91450" marL="91450">
+                    <a:lnR cap="flat" cmpd="sng" w="12700">
+                      <a:solidFill>
+                        <a:schemeClr val="lt1"/>
+                      </a:solidFill>
+                      <a:prstDash val="solid"/>
+                      <a:round/>
+                      <a:headEnd len="sm" w="sm" type="none"/>
+                      <a:tailEnd len="sm" w="sm" type="none"/>
+                    </a:lnR>
+                  </a:tcPr>
                 </a:tc>
                 <a:tc>
                   <a:txBody>
@@ -19374,18 +20208,55 @@
                         <a:spcAft>
                           <a:spcPts val="0"/>
                         </a:spcAft>
-                        <a:buClr>
-                          <a:srgbClr val="000000"/>
-                        </a:buClr>
-                        <a:buSzPts val="1400"/>
-                        <a:buFont typeface="Arial"/>
                         <a:buNone/>
                       </a:pPr>
                       <a:r>
-                        <a:rPr lang="en-IN" sz="1400" u="none" cap="none" strike="noStrike"/>
-                        <a:t>Rashmi Mishra, Puneet Shukla Department.of Applied Science&amp; Humanities (Mathematics) G.L. Bajaj Institute of Technology &amp; Management, Greater Noida</a:t>
+                        <a:rPr b="0" i="0" lang="en-IN" sz="1600" cap="none" strike="noStrike">
+                          <a:solidFill>
+                            <a:schemeClr val="dk1"/>
+                          </a:solidFill>
+                          <a:uFill>
+                            <a:noFill/>
+                          </a:uFill>
+                          <a:latin typeface="Calibri"/>
+                          <a:ea typeface="Calibri"/>
+                          <a:cs typeface="Calibri"/>
+                          <a:sym typeface="Calibri"/>
+                          <a:hlinkClick r:id="rId3">
+                            <a:extLst>
+                              <a:ext uri="{A12FA001-AC4F-418D-AE19-62706E023703}">
+                                <ahyp:hlinkClr val="tx"/>
+                              </a:ext>
+                            </a:extLst>
+                          </a:hlinkClick>
+                        </a:rPr>
+                        <a:t>Zhang Zhenmin</a:t>
                       </a:r>
-                      <a:endParaRPr/>
+                      <a:r>
+                        <a:rPr b="0" i="0" lang="en-IN" sz="1600" u="none" cap="none" strike="noStrike">
+                          <a:solidFill>
+                            <a:schemeClr val="dk1"/>
+                          </a:solidFill>
+                          <a:latin typeface="Calibri"/>
+                          <a:ea typeface="Calibri"/>
+                          <a:cs typeface="Calibri"/>
+                          <a:sym typeface="Calibri"/>
+                        </a:rPr>
+                        <a:t>/</a:t>
+                      </a:r>
+                      <a:r>
+                        <a:rPr b="1" i="0" lang="en-IN" sz="1600" u="none" cap="none" strike="noStrike">
+                          <a:solidFill>
+                            <a:schemeClr val="dk1"/>
+                          </a:solidFill>
+                        </a:rPr>
+                        <a:t> 20</a:t>
+                      </a:r>
+                      <a:r>
+                        <a:rPr b="1" lang="en-IN" sz="1600"/>
+                        <a:t>18</a:t>
+                      </a:r>
+                      <a:endParaRPr b="1" sz="1600"/>
                     </a:p>
                     <a:p>
                       <a:pPr indent="0" lvl="0" marL="0" marR="0" rtl="0" algn="l">
@@ -19399,43 +20270,56 @@
                           <a:spcPts val="0"/>
                         </a:spcAft>
                         <a:buClr>
-                          <a:srgbClr val="000000"/>
+                          <a:schemeClr val="dk1"/>
                         </a:buClr>
-                        <a:buSzPts val="1400"/>
-                        <a:buFont typeface="Arial"/>
-                        <a:buNone/>
-                      </a:pPr>
-                      <a:r>
-                        <a:rPr lang="en-IN"/>
-                        <a:t>/ 2018</a:t>
-                      </a:r>
-                      <a:endParaRPr sz="1400" u="none" cap="none" strike="noStrike"/>
-                    </a:p>
-                    <a:p>
-                      <a:pPr indent="0" lvl="0" marL="0" marR="0" rtl="0" algn="l">
-                        <a:lnSpc>
-                          <a:spcPct val="100000"/>
-                        </a:lnSpc>
-                        <a:spcBef>
-                          <a:spcPts val="0"/>
-                        </a:spcBef>
-                        <a:spcAft>
-                          <a:spcPts val="0"/>
-                        </a:spcAft>
-                        <a:buClr>
-                          <a:srgbClr val="000000"/>
-                        </a:buClr>
-                        <a:buSzPts val="1400"/>
+                        <a:buSzPts val="1100"/>
                         <a:buFont typeface="Arial"/>
                         <a:buNone/>
                       </a:pPr>
                       <a:r>
                         <a:t/>
                       </a:r>
-                      <a:endParaRPr sz="1400" u="none" cap="none" strike="noStrike"/>
+                      <a:endParaRPr sz="1600" u="none" cap="none" strike="noStrike"/>
                     </a:p>
                   </a:txBody>
-                  <a:tcPr marT="45725" marB="45725" marR="91450" marL="91450"/>
+                  <a:tcPr marT="45725" marB="45725" marR="91450" marL="91450">
+                    <a:lnL cap="flat" cmpd="sng" w="12700">
+                      <a:solidFill>
+                        <a:schemeClr val="lt1"/>
+                      </a:solidFill>
+                      <a:prstDash val="solid"/>
+                      <a:round/>
+                      <a:headEnd len="sm" w="sm" type="none"/>
+                      <a:tailEnd len="sm" w="sm" type="none"/>
+                    </a:lnL>
+                    <a:lnR cap="flat" cmpd="sng" w="12700">
+                      <a:solidFill>
+                        <a:schemeClr val="lt1"/>
+                      </a:solidFill>
+                      <a:prstDash val="solid"/>
+                      <a:round/>
+                      <a:headEnd len="sm" w="sm" type="none"/>
+                      <a:tailEnd len="sm" w="sm" type="none"/>
+                    </a:lnR>
+                    <a:lnT cap="flat" cmpd="sng" w="12700">
+                      <a:solidFill>
+                        <a:schemeClr val="lt1"/>
+                      </a:solidFill>
+                      <a:prstDash val="solid"/>
+                      <a:round/>
+                      <a:headEnd len="sm" w="sm" type="none"/>
+                      <a:tailEnd len="sm" w="sm" type="none"/>
+                    </a:lnT>
+                    <a:lnB cap="flat" cmpd="sng" w="38100">
+                      <a:solidFill>
+                        <a:schemeClr val="lt1"/>
+                      </a:solidFill>
+                      <a:prstDash val="solid"/>
+                      <a:round/>
+                      <a:headEnd len="sm" w="sm" type="none"/>
+                      <a:tailEnd len="sm" w="sm" type="none"/>
+                    </a:lnB>
+                  </a:tcPr>
                 </a:tc>
                 <a:tc>
                   <a:txBody>
@@ -19460,13 +20344,81 @@
                         <a:buNone/>
                       </a:pPr>
                       <a:r>
-                        <a:rPr lang="en-IN" sz="1400" u="none" cap="none" strike="noStrike"/>
-                        <a:t>INVENTORY CONTROL SYSTEM</a:t>
+                        <a:rPr b="0" i="0" lang="en-IN" sz="1600" u="none" cap="none" strike="noStrike">
+                          <a:solidFill>
+                            <a:schemeClr val="dk1"/>
+                          </a:solidFill>
+                          <a:latin typeface="Calibri"/>
+                          <a:ea typeface="Calibri"/>
+                          <a:cs typeface="Calibri"/>
+                          <a:sym typeface="Calibri"/>
+                        </a:rPr>
+                        <a:t>Perishables Inventory Management Model with Backroom Effect</a:t>
                       </a:r>
-                      <a:endParaRPr sz="1400" u="none" cap="none" strike="noStrike"/>
+                      <a:endParaRPr sz="1600"/>
+                    </a:p>
+                    <a:p>
+                      <a:pPr indent="0" lvl="0" marL="0" marR="0" rtl="0" algn="l">
+                        <a:lnSpc>
+                          <a:spcPct val="100000"/>
+                        </a:lnSpc>
+                        <a:spcBef>
+                          <a:spcPts val="0"/>
+                        </a:spcBef>
+                        <a:spcAft>
+                          <a:spcPts val="0"/>
+                        </a:spcAft>
+                        <a:buClr>
+                          <a:srgbClr val="000000"/>
+                        </a:buClr>
+                        <a:buSzPts val="1600"/>
+                        <a:buFont typeface="Arial"/>
+                        <a:buNone/>
+                      </a:pPr>
+                      <a:r>
+                        <a:t/>
+                      </a:r>
+                      <a:endParaRPr sz="1600" u="none" cap="none" strike="noStrike"/>
                     </a:p>
                   </a:txBody>
-                  <a:tcPr marT="45725" marB="45725" marR="91450" marL="91450"/>
+                  <a:tcPr marT="45725" marB="45725" marR="91450" marL="91450">
+                    <a:lnL cap="flat" cmpd="sng" w="12700">
+                      <a:solidFill>
+                        <a:schemeClr val="lt1"/>
+                      </a:solidFill>
+                      <a:prstDash val="solid"/>
+                      <a:round/>
+                      <a:headEnd len="sm" w="sm" type="none"/>
+                      <a:tailEnd len="sm" w="sm" type="none"/>
+                    </a:lnL>
+                    <a:lnR cap="flat" cmpd="sng" w="12700">
+                      <a:solidFill>
+                        <a:schemeClr val="lt1"/>
+                      </a:solidFill>
+                      <a:prstDash val="solid"/>
+                      <a:round/>
+                      <a:headEnd len="sm" w="sm" type="none"/>
+                      <a:tailEnd len="sm" w="sm" type="none"/>
+                    </a:lnR>
+                    <a:lnT cap="flat" cmpd="sng" w="12700">
+                      <a:solidFill>
+                        <a:schemeClr val="lt1"/>
+                      </a:solidFill>
+                      <a:prstDash val="solid"/>
+                      <a:round/>
+                      <a:headEnd len="sm" w="sm" type="none"/>
+                      <a:tailEnd len="sm" w="sm" type="none"/>
+                    </a:lnT>
+                    <a:lnB cap="flat" cmpd="sng" w="38100">
+                      <a:solidFill>
+                        <a:schemeClr val="lt1"/>
+                      </a:solidFill>
+                      <a:prstDash val="solid"/>
+                      <a:round/>
+                      <a:headEnd len="sm" w="sm" type="none"/>
+                      <a:tailEnd len="sm" w="sm" type="none"/>
+                    </a:lnB>
+                  </a:tcPr>
                 </a:tc>
                 <a:tc>
                   <a:txBody>
@@ -19484,25 +20436,65 @@
                           <a:spcPts val="0"/>
                         </a:spcAft>
                         <a:buClr>
-                          <a:srgbClr val="000000"/>
+                          <a:schemeClr val="dk1"/>
                         </a:buClr>
                         <a:buSzPts val="1100"/>
                         <a:buFont typeface="Arial"/>
                         <a:buNone/>
                       </a:pPr>
                       <a:r>
-                        <a:rPr lang="en-IN" sz="1600" u="none" cap="none" strike="noStrike"/>
-                        <a:t>In the present paper , an attempt is made to provide an up-to-date and complete review of existing literature, concentrating on descriptions of the characteristics and types of inventory control models that have been developed by Indian as well as Foreign authors</a:t>
+                        <a:rPr b="0" i="0" lang="en-IN" sz="1600" u="none" cap="none" strike="noStrike">
+                          <a:solidFill>
+                            <a:schemeClr val="dk1"/>
+                          </a:solidFill>
+                          <a:latin typeface="Calibri"/>
+                          <a:ea typeface="Calibri"/>
+                          <a:cs typeface="Calibri"/>
+                          <a:sym typeface="Calibri"/>
+                        </a:rPr>
+                        <a:t>This paper considers two storage locations in supermarket selling perishable products. Due to the backroom effect, freshness-and-shelf level-sensitive consumers purchase the products according to their "perceived average freshness" of displayed fresh products.</a:t>
                       </a:r>
-                      <a:endParaRPr sz="1600" u="none" cap="none" strike="noStrike">
-                        <a:latin typeface="Times New Roman"/>
-                        <a:ea typeface="Times New Roman"/>
-                        <a:cs typeface="Times New Roman"/>
-                        <a:sym typeface="Times New Roman"/>
-                      </a:endParaRPr>
+                      <a:endParaRPr sz="1600" u="none" cap="none" strike="noStrike"/>
                     </a:p>
                   </a:txBody>
-                  <a:tcPr marT="45725" marB="45725" marR="91450" marL="91450"/>
+                  <a:tcPr marT="45725" marB="45725" marR="91450" marL="91450">
+                    <a:lnL cap="flat" cmpd="sng" w="12700">
+                      <a:solidFill>
+                        <a:schemeClr val="lt1"/>
+                      </a:solidFill>
+                      <a:prstDash val="solid"/>
+                      <a:round/>
+                      <a:headEnd len="sm" w="sm" type="none"/>
+                      <a:tailEnd len="sm" w="sm" type="none"/>
+                    </a:lnL>
+                    <a:lnR cap="flat" cmpd="sng" w="12700">
+                      <a:solidFill>
+                        <a:schemeClr val="lt1"/>
+                      </a:solidFill>
+                      <a:prstDash val="solid"/>
+                      <a:round/>
+                      <a:headEnd len="sm" w="sm" type="none"/>
+                      <a:tailEnd len="sm" w="sm" type="none"/>
+                    </a:lnR>
+                    <a:lnT cap="flat" cmpd="sng" w="12700">
+                      <a:solidFill>
+                        <a:schemeClr val="lt1"/>
+                      </a:solidFill>
+                      <a:prstDash val="solid"/>
+                      <a:round/>
+                      <a:headEnd len="sm" w="sm" type="none"/>
+                      <a:tailEnd len="sm" w="sm" type="none"/>
+                    </a:lnT>
+                    <a:lnB cap="flat" cmpd="sng" w="38100">
+                      <a:solidFill>
+                        <a:schemeClr val="lt1"/>
+                      </a:solidFill>
+                      <a:prstDash val="solid"/>
+                      <a:round/>
+                      <a:headEnd len="sm" w="sm" type="none"/>
+                      <a:tailEnd len="sm" w="sm" type="none"/>
+                    </a:lnB>
+                  </a:tcPr>
                 </a:tc>
               </a:tr>
               <a:tr h="2303250">
@@ -19535,7 +20527,17 @@
                       <a:endParaRPr sz="1800" u="none" cap="none" strike="noStrike"/>
                     </a:p>
                   </a:txBody>
-                  <a:tcPr marT="45725" marB="45725" marR="91450" marL="91450"/>
+                  <a:tcPr marT="45725" marB="45725" marR="91450" marL="91450">
+                    <a:lnR cap="flat" cmpd="sng" w="12700">
+                      <a:solidFill>
+                        <a:schemeClr val="lt1"/>
+                      </a:solidFill>
+                      <a:prstDash val="solid"/>
+                      <a:round/>
+                      <a:headEnd len="sm" w="sm" type="none"/>
+                      <a:tailEnd len="sm" w="sm" type="none"/>
+                    </a:lnR>
+                  </a:tcPr>
                 </a:tc>
                 <a:tc>
                   <a:txBody>
@@ -19553,20 +20555,61 @@
                           <a:spcPts val="0"/>
                         </a:spcAft>
                         <a:buClr>
-                          <a:srgbClr val="000000"/>
+                          <a:schemeClr val="dk1"/>
                         </a:buClr>
-                        <a:buSzPts val="1800"/>
+                        <a:buSzPts val="1100"/>
                         <a:buFont typeface="Arial"/>
                         <a:buNone/>
                       </a:pPr>
                       <a:r>
-                        <a:rPr lang="en-IN" sz="1800" u="none" cap="none" strike="noStrike"/>
-                        <a:t>Varalakshmi G S1 , Asst Prof. Shivaleela S2 Student, Dept of MCA, Dr.Ambedkar Institute of Technology, Bengaluru-560056, Karnataka, India /2021</a:t>
+                        <a:rPr lang="en-IN" sz="1600" u="none" cap="none" strike="noStrike"/>
+                        <a:t>V.Vijaya Lakshmi Asst. Professor, GNITS, Hyderabad, INDIA K. Ranganath / </a:t>
                       </a:r>
-                      <a:endParaRPr sz="1800" u="none" cap="none" strike="noStrike"/>
+                      <a:r>
+                        <a:rPr b="1" lang="en-IN" sz="1600" u="none" cap="none" strike="noStrike"/>
+                        <a:t>2016</a:t>
+                      </a:r>
+                      <a:endParaRPr b="1" sz="1600" u="none" cap="none" strike="noStrike"/>
                     </a:p>
                   </a:txBody>
-                  <a:tcPr marT="45725" marB="45725" marR="91450" marL="91450"/>
+                  <a:tcPr marT="45725" marB="45725" marR="91450" marL="91450">
+                    <a:lnL cap="flat" cmpd="sng" w="12700">
+                      <a:solidFill>
+                        <a:schemeClr val="lt1"/>
+                      </a:solidFill>
+                      <a:prstDash val="solid"/>
+                      <a:round/>
+                      <a:headEnd len="sm" w="sm" type="none"/>
+                      <a:tailEnd len="sm" w="sm" type="none"/>
+                    </a:lnL>
+                    <a:lnR cap="flat" cmpd="sng" w="12700">
+                      <a:solidFill>
+                        <a:schemeClr val="lt1"/>
+                      </a:solidFill>
+                      <a:prstDash val="solid"/>
+                      <a:round/>
+                      <a:headEnd len="sm" w="sm" type="none"/>
+                      <a:tailEnd len="sm" w="sm" type="none"/>
+                    </a:lnR>
+                    <a:lnT cap="flat" cmpd="sng" w="38100">
+                      <a:solidFill>
+                        <a:schemeClr val="lt1"/>
+                      </a:solidFill>
+                      <a:prstDash val="solid"/>
+                      <a:round/>
+                      <a:headEnd len="sm" w="sm" type="none"/>
+                      <a:tailEnd len="sm" w="sm" type="none"/>
+                    </a:lnT>
+                    <a:lnB cap="flat" cmpd="sng" w="38100">
+                      <a:solidFill>
+                        <a:schemeClr val="lt1"/>
+                      </a:solidFill>
+                      <a:prstDash val="solid"/>
+                      <a:round/>
+                      <a:headEnd len="sm" w="sm" type="none"/>
+                      <a:tailEnd len="sm" w="sm" type="none"/>
+                    </a:lnB>
+                  </a:tcPr>
                 </a:tc>
                 <a:tc>
                   <a:txBody>
@@ -19591,8 +20634,41 @@
                         <a:buNone/>
                       </a:pPr>
                       <a:r>
-                        <a:rPr lang="en-IN" sz="1600" u="none" cap="none" strike="noStrike"/>
-                        <a:t>Inventory Management System</a:t>
+                        <a:rPr lang="en-IN" sz="1600" u="none" cap="none" strike="noStrike">
+                          <a:latin typeface="Times New Roman"/>
+                          <a:ea typeface="Times New Roman"/>
+                          <a:cs typeface="Times New Roman"/>
+                          <a:sym typeface="Times New Roman"/>
+                        </a:rPr>
+                        <a:t>Inventory Management</a:t>
+                      </a:r>
+                      <a:endParaRPr sz="1600" u="none" cap="none" strike="noStrike">
+                        <a:latin typeface="Times New Roman"/>
+                        <a:ea typeface="Times New Roman"/>
+                        <a:cs typeface="Times New Roman"/>
+                        <a:sym typeface="Times New Roman"/>
+                      </a:endParaRPr>
+                    </a:p>
+                    <a:p>
+                      <a:pPr indent="0" lvl="0" marL="0" marR="0" rtl="0" algn="l">
+                        <a:lnSpc>
+                          <a:spcPct val="100000"/>
+                        </a:lnSpc>
+                        <a:spcBef>
+                          <a:spcPts val="0"/>
+                        </a:spcBef>
+                        <a:spcAft>
+                          <a:spcPts val="0"/>
+                        </a:spcAft>
+                        <a:buClr>
+                          <a:srgbClr val="000000"/>
+                        </a:buClr>
+                        <a:buSzPts val="1600"/>
+                        <a:buFont typeface="Arial"/>
+                        <a:buNone/>
+                      </a:pPr>
+                      <a:r>
+                        <a:t/>
                       </a:r>
                       <a:endParaRPr sz="1600" u="none" cap="none" strike="noStrike">
                         <a:latin typeface="Times New Roman"/>
@@ -19602,7 +20678,44 @@
                       </a:endParaRPr>
                     </a:p>
                   </a:txBody>
-                  <a:tcPr marT="45725" marB="45725" marR="91450" marL="91450"/>
+                  <a:tcPr marT="45725" marB="45725" marR="91450" marL="91450">
+                    <a:lnL cap="flat" cmpd="sng" w="12700">
+                      <a:solidFill>
+                        <a:schemeClr val="lt1"/>
+                      </a:solidFill>
+                      <a:prstDash val="solid"/>
+                      <a:round/>
+                      <a:headEnd len="sm" w="sm" type="none"/>
+                      <a:tailEnd len="sm" w="sm" type="none"/>
+                    </a:lnL>
+                    <a:lnR cap="flat" cmpd="sng" w="12700">
+                      <a:solidFill>
+                        <a:schemeClr val="lt1"/>
+                      </a:solidFill>
+                      <a:prstDash val="solid"/>
+                      <a:round/>
+                      <a:headEnd len="sm" w="sm" type="none"/>
+                      <a:tailEnd len="sm" w="sm" type="none"/>
+                    </a:lnR>
+                    <a:lnT cap="flat" cmpd="sng" w="38100">
+                      <a:solidFill>
+                        <a:schemeClr val="lt1"/>
+                      </a:solidFill>
+                      <a:prstDash val="solid"/>
+                      <a:round/>
+                      <a:headEnd len="sm" w="sm" type="none"/>
+                      <a:tailEnd len="sm" w="sm" type="none"/>
+                    </a:lnT>
+                    <a:lnB cap="flat" cmpd="sng" w="38100">
+                      <a:solidFill>
+                        <a:schemeClr val="lt1"/>
+                      </a:solidFill>
+                      <a:prstDash val="solid"/>
+                      <a:round/>
+                      <a:headEnd len="sm" w="sm" type="none"/>
+                      <a:tailEnd len="sm" w="sm" type="none"/>
+                    </a:lnB>
+                  </a:tcPr>
                 </a:tc>
                 <a:tc>
                   <a:txBody>
@@ -19628,7 +20741,7 @@
                       </a:pPr>
                       <a:r>
                         <a:rPr lang="en-IN" sz="1600" u="none" cap="none" strike="noStrike"/>
-                        <a:t>The inventory management system has a number of features. This web application has logical tools for evaluating ideal inventory levels and selecting the appropriate replenishment strategies automatically. It also has capabilities like the ability to identify stock levels, compute reorder points automatically, and highlight potential stock-outs</a:t>
+                        <a:t>An efficient inventory management ensures continuous production by maintaining inventory at a satisfactory level. It also minimizes capital investment and cost of inventory by avoiding stock-pile of product. Efficient and Effective Inventory Management goes a long way in successful running and survival of business firm. </a:t>
                       </a:r>
                       <a:endParaRPr sz="1600" u="none" cap="none" strike="noStrike">
                         <a:latin typeface="Times New Roman"/>
@@ -19638,7 +20751,44 @@
                       </a:endParaRPr>
                     </a:p>
                   </a:txBody>
-                  <a:tcPr marT="45725" marB="45725" marR="91450" marL="91450"/>
+                  <a:tcPr marT="45725" marB="45725" marR="91450" marL="91450">
+                    <a:lnL cap="flat" cmpd="sng" w="12700">
+                      <a:solidFill>
+                        <a:schemeClr val="lt1"/>
+                      </a:solidFill>
+                      <a:prstDash val="solid"/>
+                      <a:round/>
+                      <a:headEnd len="sm" w="sm" type="none"/>
+                      <a:tailEnd len="sm" w="sm" type="none"/>
+                    </a:lnL>
+                    <a:lnR cap="flat" cmpd="sng" w="12700">
+                      <a:solidFill>
+                        <a:schemeClr val="lt1"/>
+                      </a:solidFill>
+                      <a:prstDash val="solid"/>
+                      <a:round/>
+                      <a:headEnd len="sm" w="sm" type="none"/>
+                      <a:tailEnd len="sm" w="sm" type="none"/>
+                    </a:lnR>
+                    <a:lnT cap="flat" cmpd="sng" w="38100">
+                      <a:solidFill>
+                        <a:schemeClr val="lt1"/>
+                      </a:solidFill>
+                      <a:prstDash val="solid"/>
+                      <a:round/>
+                      <a:headEnd len="sm" w="sm" type="none"/>
+                      <a:tailEnd len="sm" w="sm" type="none"/>
+                    </a:lnT>
+                    <a:lnB cap="flat" cmpd="sng" w="38100">
+                      <a:solidFill>
+                        <a:schemeClr val="lt1"/>
+                      </a:solidFill>
+                      <a:prstDash val="solid"/>
+                      <a:round/>
+                      <a:headEnd len="sm" w="sm" type="none"/>
+                      <a:tailEnd len="sm" w="sm" type="none"/>
+                    </a:lnB>
+                  </a:tcPr>
                 </a:tc>
               </a:tr>
             </a:tbl>
@@ -19680,7 +20830,7 @@
         </p:nvSpPr>
         <p:spPr>
           <a:xfrm>
-            <a:off x="838200" y="-254700"/>
+            <a:off x="838200" y="0"/>
             <a:ext cx="10515600" cy="1049700"/>
           </a:xfrm>
           <a:prstGeom prst="rect">
@@ -19734,7 +20884,7 @@
           <p:nvPr/>
         </p:nvGraphicFramePr>
         <p:xfrm>
-          <a:off x="838200" y="467225"/>
+          <a:off x="838200" y="888675"/>
           <a:ext cx="3000000" cy="3000000"/>
         </p:xfrm>
         <a:graphic>
@@ -19742,7 +20892,7 @@
             <a:tbl>
               <a:tblPr bandRow="1" firstRow="1">
                 <a:noFill/>
-                <a:tableStyleId>{62BF7A08-94A4-4D0D-B81D-A38B6230D4CA}</a:tableStyleId>
+                <a:tableStyleId>{7BFAED78-9358-43A6-B5EC-C48E128BDD87}</a:tableStyleId>
               </a:tblPr>
               <a:tblGrid>
                 <a:gridCol w="1043875"/>
@@ -19881,7 +21031,17 @@
                       <a:endParaRPr sz="1800" u="none" cap="none" strike="noStrike"/>
                     </a:p>
                   </a:txBody>
-                  <a:tcPr marT="45725" marB="45725" marR="91450" marL="91450"/>
+                  <a:tcPr marT="45725" marB="45725" marR="91450" marL="91450">
+                    <a:lnB cap="flat" cmpd="sng" w="12700">
+                      <a:solidFill>
+                        <a:schemeClr val="lt1"/>
+                      </a:solidFill>
+                      <a:prstDash val="solid"/>
+                      <a:round/>
+                      <a:headEnd len="sm" w="sm" type="none"/>
+                      <a:tailEnd len="sm" w="sm" type="none"/>
+                    </a:lnB>
+                  </a:tcPr>
                 </a:tc>
                 <a:tc>
                   <a:txBody>
@@ -19935,7 +21095,17 @@
                       <a:endParaRPr sz="1800" u="none" cap="none" strike="noStrike"/>
                     </a:p>
                   </a:txBody>
-                  <a:tcPr marT="45725" marB="45725" marR="91450" marL="91450"/>
+                  <a:tcPr marT="45725" marB="45725" marR="91450" marL="91450">
+                    <a:lnB cap="flat" cmpd="sng" w="12700">
+                      <a:solidFill>
+                        <a:schemeClr val="lt1"/>
+                      </a:solidFill>
+                      <a:prstDash val="solid"/>
+                      <a:round/>
+                      <a:headEnd len="sm" w="sm" type="none"/>
+                      <a:tailEnd len="sm" w="sm" type="none"/>
+                    </a:lnB>
+                  </a:tcPr>
                 </a:tc>
                 <a:tc>
                   <a:txBody>
@@ -19989,7 +21159,17 @@
                       <a:endParaRPr sz="1800" u="none" cap="none" strike="noStrike"/>
                     </a:p>
                   </a:txBody>
-                  <a:tcPr marT="45725" marB="45725" marR="91450" marL="91450"/>
+                  <a:tcPr marT="45725" marB="45725" marR="91450" marL="91450">
+                    <a:lnB cap="flat" cmpd="sng" w="12700">
+                      <a:solidFill>
+                        <a:schemeClr val="lt1"/>
+                      </a:solidFill>
+                      <a:prstDash val="solid"/>
+                      <a:round/>
+                      <a:headEnd len="sm" w="sm" type="none"/>
+                      <a:tailEnd len="sm" w="sm" type="none"/>
+                    </a:lnB>
+                  </a:tcPr>
                 </a:tc>
               </a:tr>
               <a:tr h="2404275">
@@ -20022,7 +21202,17 @@
                       <a:endParaRPr sz="1800" u="none" cap="none" strike="noStrike"/>
                     </a:p>
                   </a:txBody>
-                  <a:tcPr marT="45725" marB="45725" marR="91450" marL="91450"/>
+                  <a:tcPr marT="45725" marB="45725" marR="91450" marL="91450">
+                    <a:lnR cap="flat" cmpd="sng" w="12700">
+                      <a:solidFill>
+                        <a:schemeClr val="lt1"/>
+                      </a:solidFill>
+                      <a:prstDash val="solid"/>
+                      <a:round/>
+                      <a:headEnd len="sm" w="sm" type="none"/>
+                      <a:tailEnd len="sm" w="sm" type="none"/>
+                    </a:lnR>
+                  </a:tcPr>
                 </a:tc>
                 <a:tc>
                   <a:txBody>
@@ -20042,26 +21232,7 @@
                         <a:buNone/>
                       </a:pPr>
                       <a:r>
-                        <a:rPr b="0" i="0" lang="en-IN" sz="1400" u="sng" cap="none" strike="noStrike">
-                          <a:solidFill>
-                            <a:schemeClr val="dk1"/>
-                          </a:solidFill>
-                          <a:latin typeface="Calibri"/>
-                          <a:ea typeface="Calibri"/>
-                          <a:cs typeface="Calibri"/>
-                          <a:sym typeface="Calibri"/>
-                          <a:hlinkClick r:id="rId3">
-                            <a:extLst>
-                              <a:ext uri="{A12FA001-AC4F-418D-AE19-62706E023703}">
-                                <ahyp:hlinkClr val="tx"/>
-                              </a:ext>
-                            </a:extLst>
-                          </a:hlinkClick>
-                        </a:rPr>
-                        <a:t>Cinthya Vanessa Muñoz Macas</a:t>
-                      </a:r>
-                      <a:r>
-                        <a:rPr b="0" i="0" lang="en-IN" sz="1400" u="none" cap="none" strike="noStrike">
+                        <a:rPr b="0" i="0" lang="en-IN" sz="1600" u="none" cap="none" strike="noStrike">
                           <a:solidFill>
                             <a:schemeClr val="dk1"/>
                           </a:solidFill>
@@ -20070,29 +21241,14 @@
                           <a:cs typeface="Calibri"/>
                           <a:sym typeface="Calibri"/>
                         </a:rPr>
+                        <a:t>Hamza BELARBI</a:t>
+                      </a:r>
+                      <a:r>
+                        <a:rPr lang="en-IN" sz="1600"/>
                         <a:t>, </a:t>
                       </a:r>
                       <a:r>
-                        <a:rPr b="0" i="0" lang="en-IN" sz="1400" u="sng" cap="none" strike="noStrike">
-                          <a:solidFill>
-                            <a:schemeClr val="dk1"/>
-                          </a:solidFill>
-                          <a:latin typeface="Calibri"/>
-                          <a:ea typeface="Calibri"/>
-                          <a:cs typeface="Calibri"/>
-                          <a:sym typeface="Calibri"/>
-                          <a:hlinkClick r:id="rId4">
-                            <a:extLst>
-                              <a:ext uri="{A12FA001-AC4F-418D-AE19-62706E023703}">
-                                <ahyp:hlinkClr val="tx"/>
-                              </a:ext>
-                            </a:extLst>
-                          </a:hlinkClick>
-                        </a:rPr>
-                        <a:t>Jorge Andrés Espinoza Aguirre</a:t>
-                      </a:r>
-                      <a:r>
-                        <a:rPr b="0" i="0" lang="en-IN" sz="1400" u="none" cap="none" strike="noStrike">
+                        <a:rPr b="0" i="0" lang="en-IN" sz="1600" u="none" cap="none" strike="noStrike">
                           <a:solidFill>
                             <a:schemeClr val="dk1"/>
                           </a:solidFill>
@@ -20101,116 +21257,57 @@
                           <a:cs typeface="Calibri"/>
                           <a:sym typeface="Calibri"/>
                         </a:rPr>
-                        <a:t>, </a:t>
+                        <a:t>Abdelali TAJMOUATI LMEET, FST of Settat, Hassan 1st University Settat, Morocco / </a:t>
                       </a:r>
                       <a:r>
-                        <a:rPr b="0" i="0" lang="en-IN" sz="1400" u="sng" cap="none" strike="noStrike">
+                        <a:rPr b="1" i="0" lang="en-IN" sz="1600" u="none" cap="none" strike="noStrike">
                           <a:solidFill>
                             <a:schemeClr val="dk1"/>
                           </a:solidFill>
-                          <a:latin typeface="Calibri"/>
-                          <a:ea typeface="Calibri"/>
-                          <a:cs typeface="Calibri"/>
-                          <a:sym typeface="Calibri"/>
-                          <a:hlinkClick r:id="rId5">
-                            <a:extLst>
-                              <a:ext uri="{A12FA001-AC4F-418D-AE19-62706E023703}">
-                                <ahyp:hlinkClr val="tx"/>
-                              </a:ext>
-                            </a:extLst>
-                          </a:hlinkClick>
                         </a:rPr>
-                        <a:t>Rodrigo Arcentales-Carrión</a:t>
+                        <a:t>2016</a:t>
                       </a:r>
-                      <a:r>
-                        <a:rPr b="0" i="0" lang="en-IN" sz="1400" u="none" cap="none" strike="noStrike">
-                          <a:solidFill>
-                            <a:schemeClr val="dk1"/>
-                          </a:solidFill>
-                          <a:latin typeface="Calibri"/>
-                          <a:ea typeface="Calibri"/>
-                          <a:cs typeface="Calibri"/>
-                          <a:sym typeface="Calibri"/>
-                        </a:rPr>
-                        <a:t>, </a:t>
-                      </a:r>
-                      <a:r>
-                        <a:rPr b="0" i="0" lang="en-IN" sz="1400" u="sng" cap="none" strike="noStrike">
-                          <a:solidFill>
-                            <a:schemeClr val="dk1"/>
-                          </a:solidFill>
-                          <a:latin typeface="Calibri"/>
-                          <a:ea typeface="Calibri"/>
-                          <a:cs typeface="Calibri"/>
-                          <a:sym typeface="Calibri"/>
-                          <a:hlinkClick r:id="rId6">
-                            <a:extLst>
-                              <a:ext uri="{A12FA001-AC4F-418D-AE19-62706E023703}">
-                                <ahyp:hlinkClr val="tx"/>
-                              </a:ext>
-                            </a:extLst>
-                          </a:hlinkClick>
-                        </a:rPr>
-                        <a:t>Mario Peña</a:t>
-                      </a:r>
-                      <a:endParaRPr b="0" i="0" sz="1400" u="none" cap="none" strike="noStrike">
-                        <a:solidFill>
-                          <a:schemeClr val="dk1"/>
-                        </a:solidFill>
-                        <a:latin typeface="Calibri"/>
-                        <a:ea typeface="Calibri"/>
-                        <a:cs typeface="Calibri"/>
-                        <a:sym typeface="Calibri"/>
-                      </a:endParaRPr>
-                    </a:p>
-                    <a:p>
-                      <a:pPr indent="0" lvl="0" marL="0" marR="0" rtl="0" algn="l">
-                        <a:lnSpc>
-                          <a:spcPct val="100000"/>
-                        </a:lnSpc>
-                        <a:spcBef>
-                          <a:spcPts val="0"/>
-                        </a:spcBef>
-                        <a:spcAft>
-                          <a:spcPts val="0"/>
-                        </a:spcAft>
-                        <a:buNone/>
-                      </a:pPr>
-                      <a:r>
-                        <a:rPr b="0" i="0" lang="en-IN" sz="1400" u="none" cap="none" strike="noStrike">
-                          <a:solidFill>
-                            <a:schemeClr val="dk1"/>
-                          </a:solidFill>
-                          <a:latin typeface="Calibri"/>
-                          <a:ea typeface="Calibri"/>
-                          <a:cs typeface="Calibri"/>
-                          <a:sym typeface="Calibri"/>
-                        </a:rPr>
-                        <a:t>Research Department (DIUC), University of Cuenca, Cuenca, Ecuador</a:t>
-                      </a:r>
-                      <a:r>
-                        <a:rPr lang="en-IN"/>
-                        <a:t> / 2021</a:t>
-                      </a:r>
-                      <a:br>
-                        <a:rPr b="0" i="0" lang="en-IN" sz="1400" u="none" cap="none" strike="noStrike">
-                          <a:solidFill>
-                            <a:schemeClr val="dk1"/>
-                          </a:solidFill>
-                          <a:latin typeface="Calibri"/>
-                          <a:ea typeface="Calibri"/>
-                          <a:cs typeface="Calibri"/>
-                          <a:sym typeface="Calibri"/>
-                        </a:rPr>
-                      </a:br>
-                      <a:endParaRPr sz="1400" u="none" cap="none" strike="noStrike">
-                        <a:solidFill>
-                          <a:schemeClr val="dk1"/>
-                        </a:solidFill>
-                      </a:endParaRPr>
+                      <a:endParaRPr b="1" sz="1600"/>
                     </a:p>
                   </a:txBody>
-                  <a:tcPr marT="45725" marB="45725" marR="91450" marL="91450"/>
+                  <a:tcPr marT="45725" marB="45725" marR="91450" marL="91450">
+                    <a:lnL cap="flat" cmpd="sng" w="12700">
+                      <a:solidFill>
+                        <a:schemeClr val="lt1"/>
+                      </a:solidFill>
+                      <a:prstDash val="solid"/>
+                      <a:round/>
+                      <a:headEnd len="sm" w="sm" type="none"/>
+                      <a:tailEnd len="sm" w="sm" type="none"/>
+                    </a:lnL>
+                    <a:lnR cap="flat" cmpd="sng" w="12700">
+                      <a:solidFill>
+                        <a:schemeClr val="lt1"/>
+                      </a:solidFill>
+                      <a:prstDash val="solid"/>
+                      <a:round/>
+                      <a:headEnd len="sm" w="sm" type="none"/>
+                      <a:tailEnd len="sm" w="sm" type="none"/>
+                    </a:lnR>
+                    <a:lnT cap="flat" cmpd="sng" w="12700">
+                      <a:solidFill>
+                        <a:schemeClr val="lt1"/>
+                      </a:solidFill>
+                      <a:prstDash val="solid"/>
+                      <a:round/>
+                      <a:headEnd len="sm" w="sm" type="none"/>
+                      <a:tailEnd len="sm" w="sm" type="none"/>
+                    </a:lnT>
+                    <a:lnB cap="flat" cmpd="sng" w="38100">
+                      <a:solidFill>
+                        <a:schemeClr val="lt1"/>
+                      </a:solidFill>
+                      <a:prstDash val="solid"/>
+                      <a:round/>
+                      <a:headEnd len="sm" w="sm" type="none"/>
+                      <a:tailEnd len="sm" w="sm" type="none"/>
+                    </a:lnB>
+                  </a:tcPr>
                 </a:tc>
                 <a:tc>
                   <a:txBody>
@@ -20230,7 +21327,7 @@
                         <a:buNone/>
                       </a:pPr>
                       <a:r>
-                        <a:rPr b="0" i="0" lang="en-IN" sz="1400" u="none" cap="none" strike="noStrike">
+                        <a:rPr b="0" i="0" lang="en-IN" sz="1600" u="none" cap="none" strike="noStrike">
                           <a:solidFill>
                             <a:schemeClr val="dk1"/>
                           </a:solidFill>
@@ -20239,58 +21336,49 @@
                           <a:cs typeface="Calibri"/>
                           <a:sym typeface="Calibri"/>
                         </a:rPr>
-                        <a:t>Inventory management for retail companies</a:t>
+                        <a:t>Predictive Analysis of Big Data in Retail Industry</a:t>
                       </a:r>
-                      <a:endParaRPr/>
-                    </a:p>
-                    <a:p>
-                      <a:pPr indent="0" lvl="0" marL="0" marR="0" rtl="0" algn="l">
-                        <a:lnSpc>
-                          <a:spcPct val="100000"/>
-                        </a:lnSpc>
-                        <a:spcBef>
-                          <a:spcPts val="0"/>
-                        </a:spcBef>
-                        <a:spcAft>
-                          <a:spcPts val="0"/>
-                        </a:spcAft>
-                        <a:buClr>
-                          <a:schemeClr val="dk1"/>
-                        </a:buClr>
-                        <a:buSzPts val="1100"/>
-                        <a:buFont typeface="Arial"/>
-                        <a:buNone/>
-                      </a:pPr>
-                      <a:r>
-                        <a:t/>
-                      </a:r>
-                      <a:endParaRPr sz="1400" u="none" cap="none" strike="noStrike"/>
-                    </a:p>
-                    <a:p>
-                      <a:pPr indent="0" lvl="0" marL="0" marR="0" rtl="0" algn="l">
-                        <a:lnSpc>
-                          <a:spcPct val="100000"/>
-                        </a:lnSpc>
-                        <a:spcBef>
-                          <a:spcPts val="0"/>
-                        </a:spcBef>
-                        <a:spcAft>
-                          <a:spcPts val="0"/>
-                        </a:spcAft>
-                        <a:buClr>
-                          <a:srgbClr val="000000"/>
-                        </a:buClr>
-                        <a:buSzPts val="1400"/>
-                        <a:buFont typeface="Arial"/>
-                        <a:buNone/>
-                      </a:pPr>
-                      <a:r>
-                        <a:t/>
-                      </a:r>
-                      <a:endParaRPr sz="1400" u="none" cap="none" strike="noStrike"/>
+                      <a:endParaRPr sz="1600"/>
                     </a:p>
                   </a:txBody>
-                  <a:tcPr marT="45725" marB="45725" marR="91450" marL="91450"/>
+                  <a:tcPr marT="45725" marB="45725" marR="91450" marL="91450">
+                    <a:lnL cap="flat" cmpd="sng" w="12700">
+                      <a:solidFill>
+                        <a:schemeClr val="lt1"/>
+                      </a:solidFill>
+                      <a:prstDash val="solid"/>
+                      <a:round/>
+                      <a:headEnd len="sm" w="sm" type="none"/>
+                      <a:tailEnd len="sm" w="sm" type="none"/>
+                    </a:lnL>
+                    <a:lnR cap="flat" cmpd="sng" w="12700">
+                      <a:solidFill>
+                        <a:schemeClr val="lt1"/>
+                      </a:solidFill>
+                      <a:prstDash val="solid"/>
+                      <a:round/>
+                      <a:headEnd len="sm" w="sm" type="none"/>
+                      <a:tailEnd len="sm" w="sm" type="none"/>
+                    </a:lnR>
+                    <a:lnT cap="flat" cmpd="sng" w="12700">
+                      <a:solidFill>
+                        <a:schemeClr val="lt1"/>
+                      </a:solidFill>
+                      <a:prstDash val="solid"/>
+                      <a:round/>
+                      <a:headEnd len="sm" w="sm" type="none"/>
+                      <a:tailEnd len="sm" w="sm" type="none"/>
+                    </a:lnT>
+                    <a:lnB cap="flat" cmpd="sng" w="38100">
+                      <a:solidFill>
+                        <a:schemeClr val="lt1"/>
+                      </a:solidFill>
+                      <a:prstDash val="solid"/>
+                      <a:round/>
+                      <a:headEnd len="sm" w="sm" type="none"/>
+                      <a:tailEnd len="sm" w="sm" type="none"/>
+                    </a:lnB>
+                  </a:tcPr>
                 </a:tc>
                 <a:tc>
                   <a:txBody>
@@ -20307,15 +21395,10 @@
                         <a:spcAft>
                           <a:spcPts val="0"/>
                         </a:spcAft>
-                        <a:buClr>
-                          <a:srgbClr val="000000"/>
-                        </a:buClr>
-                        <a:buSzPts val="1100"/>
-                        <a:buFont typeface="Arial"/>
                         <a:buNone/>
                       </a:pPr>
                       <a:r>
-                        <a:rPr b="0" i="0" lang="en-IN" sz="1400" u="none" cap="none" strike="noStrike">
+                        <a:rPr b="0" i="0" lang="en-IN" sz="1600" u="none" cap="none" strike="noStrike">
                           <a:solidFill>
                             <a:schemeClr val="dk1"/>
                           </a:solidFill>
@@ -20324,17 +21407,84 @@
                           <a:cs typeface="Calibri"/>
                           <a:sym typeface="Calibri"/>
                         </a:rPr>
-                        <a:t> The primary outcomes of this study are the leading inventory management systems and models, the Key Performance Indicators (KPIs) for their correct management, and the benefits and challenges for choosing or adopting an efficient inventory control and management system.</a:t>
+                        <a:t>The uses of big data analytics are not exclusive to one industry. In retail we can use big data to make decision about pricing and merchandising. In this paper we provide a summary the state-of-the-art research on big data analytics.</a:t>
                       </a:r>
-                      <a:endParaRPr sz="1600" u="none" cap="none" strike="noStrike">
-                        <a:latin typeface="Times New Roman"/>
-                        <a:ea typeface="Times New Roman"/>
-                        <a:cs typeface="Times New Roman"/>
-                        <a:sym typeface="Times New Roman"/>
+                      <a:endParaRPr sz="1600"/>
+                    </a:p>
+                    <a:p>
+                      <a:pPr indent="0" lvl="0" marL="0" marR="0" rtl="0" algn="l">
+                        <a:lnSpc>
+                          <a:spcPct val="100000"/>
+                        </a:lnSpc>
+                        <a:spcBef>
+                          <a:spcPts val="0"/>
+                        </a:spcBef>
+                        <a:spcAft>
+                          <a:spcPts val="0"/>
+                        </a:spcAft>
+                        <a:buNone/>
+                      </a:pPr>
+                      <a:r>
+                        <a:rPr b="0" i="1" lang="en-IN" sz="1600" u="none" cap="none" strike="noStrike">
+                          <a:solidFill>
+                            <a:schemeClr val="dk1"/>
+                          </a:solidFill>
+                          <a:latin typeface="Calibri"/>
+                          <a:ea typeface="Calibri"/>
+                          <a:cs typeface="Calibri"/>
+                          <a:sym typeface="Calibri"/>
+                        </a:rPr>
+                        <a:t> </a:t>
+                      </a:r>
+                      <a:endParaRPr b="0" i="0" sz="1600" u="none" cap="none" strike="noStrike">
+                        <a:solidFill>
+                          <a:schemeClr val="dk1"/>
+                        </a:solidFill>
+                        <a:latin typeface="Calibri"/>
+                        <a:ea typeface="Calibri"/>
+                        <a:cs typeface="Calibri"/>
+                        <a:sym typeface="Calibri"/>
                       </a:endParaRPr>
                     </a:p>
                   </a:txBody>
-                  <a:tcPr marT="45725" marB="45725" marR="91450" marL="91450"/>
+                  <a:tcPr marT="45725" marB="45725" marR="91450" marL="91450">
+                    <a:lnL cap="flat" cmpd="sng" w="12700">
+                      <a:solidFill>
+                        <a:schemeClr val="lt1"/>
+                      </a:solidFill>
+                      <a:prstDash val="solid"/>
+                      <a:round/>
+                      <a:headEnd len="sm" w="sm" type="none"/>
+                      <a:tailEnd len="sm" w="sm" type="none"/>
+                    </a:lnL>
+                    <a:lnR cap="flat" cmpd="sng" w="12700">
+                      <a:solidFill>
+                        <a:schemeClr val="lt1"/>
+                      </a:solidFill>
+                      <a:prstDash val="solid"/>
+                      <a:round/>
+                      <a:headEnd len="sm" w="sm" type="none"/>
+                      <a:tailEnd len="sm" w="sm" type="none"/>
+                    </a:lnR>
+                    <a:lnT cap="flat" cmpd="sng" w="12700">
+                      <a:solidFill>
+                        <a:schemeClr val="lt1"/>
+                      </a:solidFill>
+                      <a:prstDash val="solid"/>
+                      <a:round/>
+                      <a:headEnd len="sm" w="sm" type="none"/>
+                      <a:tailEnd len="sm" w="sm" type="none"/>
+                    </a:lnT>
+                    <a:lnB cap="flat" cmpd="sng" w="38100">
+                      <a:solidFill>
+                        <a:schemeClr val="lt1"/>
+                      </a:solidFill>
+                      <a:prstDash val="solid"/>
+                      <a:round/>
+                      <a:headEnd len="sm" w="sm" type="none"/>
+                      <a:tailEnd len="sm" w="sm" type="none"/>
+                    </a:lnB>
+                  </a:tcPr>
                 </a:tc>
               </a:tr>
               <a:tr h="2134800">
@@ -20392,10 +21542,10 @@
                         <a:buNone/>
                       </a:pPr>
                       <a:r>
-                        <a:rPr lang="en-IN" sz="1800" u="none" cap="none" strike="noStrike"/>
+                        <a:rPr lang="en-IN" sz="1500" u="none" cap="none" strike="noStrike"/>
                         <a:t>Anish Singh Maharjan, Mandip Humagain</a:t>
                       </a:r>
-                      <a:endParaRPr sz="1800" u="none" cap="none" strike="noStrike"/>
+                      <a:endParaRPr sz="1500" u="none" cap="none" strike="noStrike"/>
                     </a:p>
                     <a:p>
                       <a:pPr indent="0" lvl="0" marL="0" marR="0" rtl="0" algn="l">
@@ -20416,13 +21566,27 @@
                         <a:buNone/>
                       </a:pPr>
                       <a:r>
-                        <a:rPr lang="en-IN" sz="1800" u="none" cap="none" strike="noStrike"/>
-                        <a:t>POKHARA UNIVERSITY / 2016</a:t>
+                        <a:rPr lang="en-IN" sz="1500" u="none" cap="none" strike="noStrike"/>
+                        <a:t>POKHARA UNIVERSITY / </a:t>
                       </a:r>
-                      <a:endParaRPr sz="1800" u="none" cap="none" strike="noStrike"/>
+                      <a:r>
+                        <a:rPr b="1" lang="en-IN" sz="1500" u="none" cap="none" strike="noStrike"/>
+                        <a:t>2016</a:t>
+                      </a:r>
+                      <a:endParaRPr b="1" sz="1500" u="none" cap="none" strike="noStrike"/>
                     </a:p>
                   </a:txBody>
-                  <a:tcPr marT="45725" marB="45725" marR="91450" marL="91450"/>
+                  <a:tcPr marT="45725" marB="45725" marR="91450" marL="91450">
+                    <a:lnT cap="flat" cmpd="sng" w="38100">
+                      <a:solidFill>
+                        <a:schemeClr val="lt1"/>
+                      </a:solidFill>
+                      <a:prstDash val="solid"/>
+                      <a:round/>
+                      <a:headEnd len="sm" w="sm" type="none"/>
+                      <a:tailEnd len="sm" w="sm" type="none"/>
+                    </a:lnT>
+                  </a:tcPr>
                 </a:tc>
                 <a:tc>
                   <a:txBody>
@@ -20442,7 +21606,7 @@
                         <a:buNone/>
                       </a:pPr>
                       <a:r>
-                        <a:rPr b="0" i="0" lang="en-IN" sz="1400" u="none" cap="none" strike="noStrike">
+                        <a:rPr b="0" i="0" lang="en-IN" sz="1500" u="none" cap="none" strike="noStrike">
                           <a:solidFill>
                             <a:schemeClr val="dk1"/>
                           </a:solidFill>
@@ -20453,7 +21617,7 @@
                         </a:rPr>
                         <a:t>Inventory Management System</a:t>
                       </a:r>
-                      <a:endParaRPr sz="1600" u="none" cap="none" strike="noStrike">
+                      <a:endParaRPr sz="1500" u="none" cap="none" strike="noStrike">
                         <a:latin typeface="Times New Roman"/>
                         <a:ea typeface="Times New Roman"/>
                         <a:cs typeface="Times New Roman"/>
@@ -20461,7 +21625,17 @@
                       </a:endParaRPr>
                     </a:p>
                   </a:txBody>
-                  <a:tcPr marT="45725" marB="45725" marR="91450" marL="91450"/>
+                  <a:tcPr marT="45725" marB="45725" marR="91450" marL="91450">
+                    <a:lnT cap="flat" cmpd="sng" w="38100">
+                      <a:solidFill>
+                        <a:schemeClr val="lt1"/>
+                      </a:solidFill>
+                      <a:prstDash val="solid"/>
+                      <a:round/>
+                      <a:headEnd len="sm" w="sm" type="none"/>
+                      <a:tailEnd len="sm" w="sm" type="none"/>
+                    </a:lnT>
+                  </a:tcPr>
                 </a:tc>
                 <a:tc>
                   <a:txBody>
@@ -20486,7 +21660,7 @@
                         <a:buNone/>
                       </a:pPr>
                       <a:r>
-                        <a:rPr lang="en-IN" sz="1600" u="none" cap="none" strike="noStrike">
+                        <a:rPr lang="en-IN" sz="1500" u="none" cap="none" strike="noStrike">
                           <a:latin typeface="Times New Roman"/>
                           <a:ea typeface="Times New Roman"/>
                           <a:cs typeface="Times New Roman"/>
@@ -20494,7 +21668,7 @@
                         </a:rPr>
                         <a:t>In this system we are solving different problem affecting to</a:t>
                       </a:r>
-                      <a:endParaRPr/>
+                      <a:endParaRPr sz="1500"/>
                     </a:p>
                     <a:p>
                       <a:pPr indent="0" lvl="0" marL="0" marR="0" rtl="0" algn="l">
@@ -20515,7 +21689,7 @@
                         <a:buNone/>
                       </a:pPr>
                       <a:r>
-                        <a:rPr lang="en-IN" sz="1600" u="none" cap="none" strike="noStrike">
+                        <a:rPr lang="en-IN" sz="1500" u="none" cap="none" strike="noStrike">
                           <a:latin typeface="Times New Roman"/>
                           <a:ea typeface="Times New Roman"/>
                           <a:cs typeface="Times New Roman"/>
@@ -20523,7 +21697,7 @@
                         </a:rPr>
                         <a:t>direct sales management and purchase management. Inventory Management System</a:t>
                       </a:r>
-                      <a:endParaRPr/>
+                      <a:endParaRPr sz="1500"/>
                     </a:p>
                     <a:p>
                       <a:pPr indent="0" lvl="0" marL="0" marR="0" rtl="0" algn="l">
@@ -20544,7 +21718,7 @@
                         <a:buNone/>
                       </a:pPr>
                       <a:r>
-                        <a:rPr lang="en-IN" sz="1600" u="none" cap="none" strike="noStrike">
+                        <a:rPr lang="en-IN" sz="1500" u="none" cap="none" strike="noStrike">
                           <a:latin typeface="Times New Roman"/>
                           <a:ea typeface="Times New Roman"/>
                           <a:cs typeface="Times New Roman"/>
@@ -20552,7 +21726,7 @@
                         </a:rPr>
                         <a:t>is important to ensure quality control in businesses that handle transactions resolving</a:t>
                       </a:r>
-                      <a:endParaRPr/>
+                      <a:endParaRPr sz="1500"/>
                     </a:p>
                     <a:p>
                       <a:pPr indent="0" lvl="0" marL="0" marR="0" rtl="0" algn="l">
@@ -20573,7 +21747,7 @@
                         <a:buNone/>
                       </a:pPr>
                       <a:r>
-                        <a:rPr lang="en-IN" sz="1600" u="none" cap="none" strike="noStrike">
+                        <a:rPr lang="en-IN" sz="1500" u="none" cap="none" strike="noStrike">
                           <a:latin typeface="Times New Roman"/>
                           <a:ea typeface="Times New Roman"/>
                           <a:cs typeface="Times New Roman"/>
@@ -20581,7 +21755,7 @@
                         </a:rPr>
                         <a:t>around consumer goods. Without proper inventory control, a large retail store may run</a:t>
                       </a:r>
-                      <a:endParaRPr/>
+                      <a:endParaRPr sz="1500"/>
                     </a:p>
                     <a:p>
                       <a:pPr indent="0" lvl="0" marL="0" marR="0" rtl="0" algn="l">
@@ -20602,7 +21776,7 @@
                         <a:buNone/>
                       </a:pPr>
                       <a:r>
-                        <a:rPr lang="en-IN" sz="1600" u="none" cap="none" strike="noStrike">
+                        <a:rPr lang="en-IN" sz="1500" u="none" cap="none" strike="noStrike">
                           <a:latin typeface="Times New Roman"/>
                           <a:ea typeface="Times New Roman"/>
                           <a:cs typeface="Times New Roman"/>
@@ -20610,7 +21784,7 @@
                         </a:rPr>
                         <a:t>out of stock on an important item.</a:t>
                       </a:r>
-                      <a:endParaRPr sz="1600" u="none" cap="none" strike="noStrike">
+                      <a:endParaRPr sz="1500" u="none" cap="none" strike="noStrike">
                         <a:latin typeface="Times New Roman"/>
                         <a:ea typeface="Times New Roman"/>
                         <a:cs typeface="Times New Roman"/>
@@ -20638,7 +21812,7 @@
                       <a:r>
                         <a:t/>
                       </a:r>
-                      <a:endParaRPr sz="1600" u="none" cap="none" strike="noStrike">
+                      <a:endParaRPr sz="1500" u="none" cap="none" strike="noStrike">
                         <a:latin typeface="Times New Roman"/>
                         <a:ea typeface="Times New Roman"/>
                         <a:cs typeface="Times New Roman"/>
@@ -20646,7 +21820,17 @@
                       </a:endParaRPr>
                     </a:p>
                   </a:txBody>
-                  <a:tcPr marT="45725" marB="45725" marR="91450" marL="91450"/>
+                  <a:tcPr marT="45725" marB="45725" marR="91450" marL="91450">
+                    <a:lnT cap="flat" cmpd="sng" w="38100">
+                      <a:solidFill>
+                        <a:schemeClr val="lt1"/>
+                      </a:solidFill>
+                      <a:prstDash val="solid"/>
+                      <a:round/>
+                      <a:headEnd len="sm" w="sm" type="none"/>
+                      <a:tailEnd len="sm" w="sm" type="none"/>
+                    </a:lnT>
+                  </a:tcPr>
                 </a:tc>
               </a:tr>
             </a:tbl>
@@ -20742,7 +21926,7 @@
           <p:nvPr/>
         </p:nvGraphicFramePr>
         <p:xfrm>
-          <a:off x="838200" y="467225"/>
+          <a:off x="838200" y="677925"/>
           <a:ext cx="3000000" cy="3000000"/>
         </p:xfrm>
         <a:graphic>
@@ -20750,7 +21934,7 @@
             <a:tbl>
               <a:tblPr bandRow="1" firstRow="1">
                 <a:noFill/>
-                <a:tableStyleId>{62BF7A08-94A4-4D0D-B81D-A38B6230D4CA}</a:tableStyleId>
+                <a:tableStyleId>{7BFAED78-9358-43A6-B5EC-C48E128BDD87}</a:tableStyleId>
               </a:tblPr>
               <a:tblGrid>
                 <a:gridCol w="1043875"/>
@@ -20889,7 +22073,17 @@
                       <a:endParaRPr sz="1800" u="none" cap="none" strike="noStrike"/>
                     </a:p>
                   </a:txBody>
-                  <a:tcPr marT="45725" marB="45725" marR="91450" marL="91450"/>
+                  <a:tcPr marT="45725" marB="45725" marR="91450" marL="91450">
+                    <a:lnB cap="flat" cmpd="sng" w="12700">
+                      <a:solidFill>
+                        <a:schemeClr val="lt1"/>
+                      </a:solidFill>
+                      <a:prstDash val="solid"/>
+                      <a:round/>
+                      <a:headEnd len="sm" w="sm" type="none"/>
+                      <a:tailEnd len="sm" w="sm" type="none"/>
+                    </a:lnB>
+                  </a:tcPr>
                 </a:tc>
                 <a:tc>
                   <a:txBody>
@@ -20943,7 +22137,17 @@
                       <a:endParaRPr sz="1800" u="none" cap="none" strike="noStrike"/>
                     </a:p>
                   </a:txBody>
-                  <a:tcPr marT="45725" marB="45725" marR="91450" marL="91450"/>
+                  <a:tcPr marT="45725" marB="45725" marR="91450" marL="91450">
+                    <a:lnB cap="flat" cmpd="sng" w="12700">
+                      <a:solidFill>
+                        <a:schemeClr val="lt1"/>
+                      </a:solidFill>
+                      <a:prstDash val="solid"/>
+                      <a:round/>
+                      <a:headEnd len="sm" w="sm" type="none"/>
+                      <a:tailEnd len="sm" w="sm" type="none"/>
+                    </a:lnB>
+                  </a:tcPr>
                 </a:tc>
                 <a:tc>
                   <a:txBody>
@@ -20997,7 +22201,17 @@
                       <a:endParaRPr sz="1800" u="none" cap="none" strike="noStrike"/>
                     </a:p>
                   </a:txBody>
-                  <a:tcPr marT="45725" marB="45725" marR="91450" marL="91450"/>
+                  <a:tcPr marT="45725" marB="45725" marR="91450" marL="91450">
+                    <a:lnB cap="flat" cmpd="sng" w="12700">
+                      <a:solidFill>
+                        <a:schemeClr val="lt1"/>
+                      </a:solidFill>
+                      <a:prstDash val="solid"/>
+                      <a:round/>
+                      <a:headEnd len="sm" w="sm" type="none"/>
+                      <a:tailEnd len="sm" w="sm" type="none"/>
+                    </a:lnB>
+                  </a:tcPr>
                 </a:tc>
               </a:tr>
               <a:tr h="2838775">
@@ -21030,7 +22244,17 @@
                       <a:endParaRPr sz="1800" u="none" cap="none" strike="noStrike"/>
                     </a:p>
                   </a:txBody>
-                  <a:tcPr marT="45725" marB="45725" marR="91450" marL="91450"/>
+                  <a:tcPr marT="45725" marB="45725" marR="91450" marL="91450">
+                    <a:lnR cap="flat" cmpd="sng" w="12700">
+                      <a:solidFill>
+                        <a:schemeClr val="lt1"/>
+                      </a:solidFill>
+                      <a:prstDash val="solid"/>
+                      <a:round/>
+                      <a:headEnd len="sm" w="sm" type="none"/>
+                      <a:tailEnd len="sm" w="sm" type="none"/>
+                    </a:lnR>
+                  </a:tcPr>
                 </a:tc>
                 <a:tc>
                   <a:txBody>
@@ -21047,144 +22271,16 @@
                         <a:spcAft>
                           <a:spcPts val="0"/>
                         </a:spcAft>
-                        <a:buClr>
-                          <a:srgbClr val="000000"/>
-                        </a:buClr>
-                        <a:buSzPts val="1400"/>
-                        <a:buFont typeface="Arial"/>
                         <a:buNone/>
                       </a:pPr>
                       <a:r>
-                        <a:rPr lang="en-IN" sz="1400" u="none" cap="none" strike="noStrike"/>
-                        <a:t>RAHMAT BEE ABDUL ALEEM / 2013 </a:t>
-                      </a:r>
-                      <a:endParaRPr sz="1400" u="none" cap="none" strike="noStrike"/>
-                    </a:p>
-                  </a:txBody>
-                  <a:tcPr marT="45725" marB="45725" marR="91450" marL="91450"/>
-                </a:tc>
-                <a:tc>
-                  <a:txBody>
-                    <a:bodyPr/>
-                    <a:lstStyle/>
-                    <a:p>
-                      <a:pPr indent="0" lvl="0" marL="0" marR="0" rtl="0" algn="l">
-                        <a:lnSpc>
-                          <a:spcPct val="100000"/>
-                        </a:lnSpc>
-                        <a:spcBef>
-                          <a:spcPts val="0"/>
-                        </a:spcBef>
-                        <a:spcAft>
-                          <a:spcPts val="0"/>
-                        </a:spcAft>
-                        <a:buClr>
-                          <a:srgbClr val="000000"/>
-                        </a:buClr>
-                        <a:buSzPts val="1400"/>
-                        <a:buFont typeface="Arial"/>
-                        <a:buNone/>
-                      </a:pPr>
-                      <a:r>
-                        <a:rPr lang="en-IN" sz="1400" u="none" cap="none" strike="noStrike"/>
-                        <a:t>SALES AND INVENTORY MANAGEMENT SYSTEM</a:t>
-                      </a:r>
-                      <a:endParaRPr/>
-                    </a:p>
-                  </a:txBody>
-                  <a:tcPr marT="45725" marB="45725" marR="91450" marL="91450"/>
-                </a:tc>
-                <a:tc>
-                  <a:txBody>
-                    <a:bodyPr/>
-                    <a:lstStyle/>
-                    <a:p>
-                      <a:pPr indent="0" lvl="0" marL="0" marR="0" rtl="0" algn="l">
-                        <a:lnSpc>
-                          <a:spcPct val="100000"/>
-                        </a:lnSpc>
-                        <a:spcBef>
-                          <a:spcPts val="0"/>
-                        </a:spcBef>
-                        <a:spcAft>
-                          <a:spcPts val="0"/>
-                        </a:spcAft>
-                        <a:buClr>
-                          <a:srgbClr val="000000"/>
-                        </a:buClr>
-                        <a:buSzPts val="1100"/>
-                        <a:buFont typeface="Arial"/>
-                        <a:buNone/>
-                      </a:pPr>
-                      <a:r>
-                        <a:rPr lang="en-IN" sz="1600" u="none" cap="none" strike="noStrike"/>
-                        <a:t>This methodology wii perform the development stage in according to modules underlines in the scope of the project. Thus, version by version of the system will be developed before the whole complete system is ready to use</a:t>
-                      </a:r>
-                      <a:endParaRPr sz="1600" u="none" cap="none" strike="noStrike">
-                        <a:latin typeface="Times New Roman"/>
-                        <a:ea typeface="Times New Roman"/>
-                        <a:cs typeface="Times New Roman"/>
-                        <a:sym typeface="Times New Roman"/>
-                      </a:endParaRPr>
-                    </a:p>
-                  </a:txBody>
-                  <a:tcPr marT="45725" marB="45725" marR="91450" marL="91450"/>
-                </a:tc>
-              </a:tr>
-              <a:tr h="2134800">
-                <a:tc>
-                  <a:txBody>
-                    <a:bodyPr/>
-                    <a:lstStyle/>
-                    <a:p>
-                      <a:pPr indent="0" lvl="0" marL="0" marR="0" rtl="0" algn="ctr">
-                        <a:lnSpc>
-                          <a:spcPct val="250000"/>
-                        </a:lnSpc>
-                        <a:spcBef>
-                          <a:spcPts val="0"/>
-                        </a:spcBef>
-                        <a:spcAft>
-                          <a:spcPts val="0"/>
-                        </a:spcAft>
-                        <a:buClr>
-                          <a:srgbClr val="000000"/>
-                        </a:buClr>
-                        <a:buSzPts val="1800"/>
-                        <a:buFont typeface="Arial"/>
-                        <a:buNone/>
-                      </a:pPr>
-                      <a:r>
-                        <a:rPr lang="en-IN" sz="1800" u="none" cap="none" strike="noStrike"/>
-                        <a:t>14</a:t>
-                      </a:r>
-                      <a:endParaRPr sz="1800" u="none" cap="none" strike="noStrike"/>
-                    </a:p>
-                  </a:txBody>
-                  <a:tcPr marT="45725" marB="45725" marR="91450" marL="91450"/>
-                </a:tc>
-                <a:tc>
-                  <a:txBody>
-                    <a:bodyPr/>
-                    <a:lstStyle/>
-                    <a:p>
-                      <a:pPr indent="0" lvl="0" marL="0" marR="0" rtl="0" algn="l">
-                        <a:lnSpc>
-                          <a:spcPct val="100000"/>
-                        </a:lnSpc>
-                        <a:spcBef>
-                          <a:spcPts val="0"/>
-                        </a:spcBef>
-                        <a:spcAft>
-                          <a:spcPts val="0"/>
-                        </a:spcAft>
-                        <a:buNone/>
-                      </a:pPr>
-                      <a:r>
-                        <a:rPr b="0" i="0" lang="en-IN" sz="1400" u="sng" cap="none" strike="noStrike">
+                        <a:rPr b="0" i="0" lang="en-IN" sz="1600" cap="none" strike="noStrike">
                           <a:solidFill>
                             <a:schemeClr val="dk1"/>
                           </a:solidFill>
+                          <a:uFill>
+                            <a:noFill/>
+                          </a:uFill>
                           <a:latin typeface="Calibri"/>
                           <a:ea typeface="Calibri"/>
                           <a:cs typeface="Calibri"/>
@@ -21199,7 +22295,7 @@
                         </a:rPr>
                         <a:t>Stephen Aro-Gordon</a:t>
                       </a:r>
-                      <a:endParaRPr b="0" i="0" sz="1400" u="none" cap="none" strike="noStrike">
+                      <a:endParaRPr b="0" i="0" sz="1600" cap="none" strike="noStrike">
                         <a:solidFill>
                           <a:schemeClr val="dk1"/>
                         </a:solidFill>
@@ -21223,10 +22319,13 @@
                         <a:buNone/>
                       </a:pPr>
                       <a:r>
-                        <a:rPr b="0" i="0" lang="en-IN" sz="1400" u="sng" cap="none" strike="noStrike">
+                        <a:rPr b="0" i="0" lang="en-IN" sz="1600" cap="none" strike="noStrike">
                           <a:solidFill>
                             <a:schemeClr val="dk1"/>
                           </a:solidFill>
+                          <a:uFill>
+                            <a:noFill/>
+                          </a:uFill>
                           <a:latin typeface="Calibri"/>
                           <a:ea typeface="Calibri"/>
                           <a:cs typeface="Calibri"/>
@@ -21242,7 +22341,7 @@
                         <a:t>Muscat College</a:t>
                       </a:r>
                       <a:r>
-                        <a:rPr b="0" i="0" lang="en-IN" sz="1400" u="none" cap="none" strike="noStrike">
+                        <a:rPr b="0" i="0" lang="en-IN" sz="1600" cap="none" strike="noStrike">
                           <a:solidFill>
                             <a:schemeClr val="dk1"/>
                           </a:solidFill>
@@ -21254,10 +22353,13 @@
                         <a:t>, </a:t>
                       </a:r>
                       <a:r>
-                        <a:rPr b="0" i="0" lang="en-IN" sz="1400" u="sng" cap="none" strike="noStrike">
+                        <a:rPr b="0" i="0" lang="en-IN" sz="1600" cap="none" strike="noStrike">
                           <a:solidFill>
                             <a:schemeClr val="dk1"/>
                           </a:solidFill>
+                          <a:uFill>
+                            <a:noFill/>
+                          </a:uFill>
                           <a:latin typeface="Calibri"/>
                           <a:ea typeface="Calibri"/>
                           <a:cs typeface="Calibri"/>
@@ -21272,7 +22374,7 @@
                         </a:rPr>
                         <a:t>Jaydeep Anil Gupte</a:t>
                       </a:r>
-                      <a:endParaRPr b="0" i="0" sz="1400" u="none" cap="none" strike="noStrike">
+                      <a:endParaRPr b="0" i="0" sz="1600" cap="none" strike="noStrike">
                         <a:solidFill>
                           <a:schemeClr val="dk1"/>
                         </a:solidFill>
@@ -21296,10 +22398,13 @@
                         <a:buNone/>
                       </a:pPr>
                       <a:r>
-                        <a:rPr b="0" i="0" lang="en-IN" sz="1400" u="sng" cap="none" strike="noStrike">
+                        <a:rPr b="0" i="0" lang="en-IN" sz="1600" cap="none" strike="noStrike">
                           <a:solidFill>
                             <a:schemeClr val="dk1"/>
                           </a:solidFill>
+                          <a:uFill>
+                            <a:noFill/>
+                          </a:uFill>
                           <a:latin typeface="Calibri"/>
                           <a:ea typeface="Calibri"/>
                           <a:cs typeface="Calibri"/>
@@ -21315,10 +22420,44 @@
                         <a:t>Atul Ltd</a:t>
                       </a:r>
                       <a:r>
-                        <a:rPr lang="en-IN"/>
-                        <a:t> / 2016</a:t>
+                        <a:rPr lang="en-IN" sz="1600"/>
+                        <a:t> / </a:t>
                       </a:r>
-                      <a:endParaRPr b="0" i="0" sz="1400" u="none" cap="none" strike="noStrike">
+                      <a:r>
+                        <a:rPr b="1" lang="en-IN" sz="1600"/>
+                        <a:t>2016</a:t>
+                      </a:r>
+                      <a:endParaRPr b="1" i="0" sz="1600" u="none" cap="none" strike="noStrike">
+                        <a:solidFill>
+                          <a:schemeClr val="dk1"/>
+                        </a:solidFill>
+                      </a:endParaRPr>
+                    </a:p>
+                    <a:p>
+                      <a:pPr indent="0" lvl="0" marL="0" marR="0" rtl="0" algn="l">
+                        <a:lnSpc>
+                          <a:spcPct val="100000"/>
+                        </a:lnSpc>
+                        <a:spcBef>
+                          <a:spcPts val="0"/>
+                        </a:spcBef>
+                        <a:spcAft>
+                          <a:spcPts val="0"/>
+                        </a:spcAft>
+                        <a:buNone/>
+                      </a:pPr>
+                      <a:br>
+                        <a:rPr b="0" i="0" lang="en-IN" sz="1600" u="none" cap="none" strike="noStrike">
+                          <a:solidFill>
+                            <a:schemeClr val="dk1"/>
+                          </a:solidFill>
+                          <a:latin typeface="Calibri"/>
+                          <a:ea typeface="Calibri"/>
+                          <a:cs typeface="Calibri"/>
+                          <a:sym typeface="Calibri"/>
+                        </a:rPr>
+                      </a:br>
+                      <a:endParaRPr b="0" i="0" sz="1600" u="none" cap="none" strike="noStrike">
                         <a:solidFill>
                           <a:schemeClr val="dk1"/>
                         </a:solidFill>
@@ -21342,7 +22481,7 @@
                         <a:buNone/>
                       </a:pPr>
                       <a:br>
-                        <a:rPr b="0" i="0" lang="en-IN" sz="1400" u="none" cap="none" strike="noStrike">
+                        <a:rPr b="0" i="0" lang="en-IN" sz="1600" u="none" cap="none" strike="noStrike">
                           <a:solidFill>
                             <a:schemeClr val="dk1"/>
                           </a:solidFill>
@@ -21352,44 +22491,47 @@
                           <a:sym typeface="Calibri"/>
                         </a:rPr>
                       </a:br>
-                      <a:endParaRPr b="0" i="0" sz="1400" u="none" cap="none" strike="noStrike">
-                        <a:solidFill>
-                          <a:schemeClr val="dk1"/>
-                        </a:solidFill>
-                        <a:latin typeface="Calibri"/>
-                        <a:ea typeface="Calibri"/>
-                        <a:cs typeface="Calibri"/>
-                        <a:sym typeface="Calibri"/>
-                      </a:endParaRPr>
-                    </a:p>
-                    <a:p>
-                      <a:pPr indent="0" lvl="0" marL="0" marR="0" rtl="0" algn="l">
-                        <a:lnSpc>
-                          <a:spcPct val="100000"/>
-                        </a:lnSpc>
-                        <a:spcBef>
-                          <a:spcPts val="0"/>
-                        </a:spcBef>
-                        <a:spcAft>
-                          <a:spcPts val="0"/>
-                        </a:spcAft>
-                        <a:buNone/>
-                      </a:pPr>
-                      <a:br>
-                        <a:rPr b="0" i="0" lang="en-IN" sz="1400" u="none" cap="none" strike="noStrike">
-                          <a:solidFill>
-                            <a:schemeClr val="dk1"/>
-                          </a:solidFill>
-                          <a:latin typeface="Calibri"/>
-                          <a:ea typeface="Calibri"/>
-                          <a:cs typeface="Calibri"/>
-                          <a:sym typeface="Calibri"/>
-                        </a:rPr>
-                      </a:br>
-                      <a:endParaRPr b="0" sz="1800" u="none" cap="none" strike="noStrike"/>
+                      <a:endParaRPr b="0" sz="1600" u="none" cap="none" strike="noStrike"/>
                     </a:p>
                   </a:txBody>
-                  <a:tcPr marT="45725" marB="45725" marR="91450" marL="91450"/>
+                  <a:tcPr marT="45725" marB="45725" marR="91450" marL="91450">
+                    <a:lnL cap="flat" cmpd="sng" w="12700">
+                      <a:solidFill>
+                        <a:schemeClr val="lt1"/>
+                      </a:solidFill>
+                      <a:prstDash val="solid"/>
+                      <a:round/>
+                      <a:headEnd len="sm" w="sm" type="none"/>
+                      <a:tailEnd len="sm" w="sm" type="none"/>
+                    </a:lnL>
+                    <a:lnR cap="flat" cmpd="sng" w="12700">
+                      <a:solidFill>
+                        <a:schemeClr val="lt1"/>
+                      </a:solidFill>
+                      <a:prstDash val="solid"/>
+                      <a:round/>
+                      <a:headEnd len="sm" w="sm" type="none"/>
+                      <a:tailEnd len="sm" w="sm" type="none"/>
+                    </a:lnR>
+                    <a:lnT cap="flat" cmpd="sng" w="12700">
+                      <a:solidFill>
+                        <a:schemeClr val="lt1"/>
+                      </a:solidFill>
+                      <a:prstDash val="solid"/>
+                      <a:round/>
+                      <a:headEnd len="sm" w="sm" type="none"/>
+                      <a:tailEnd len="sm" w="sm" type="none"/>
+                    </a:lnT>
+                    <a:lnB cap="flat" cmpd="sng" w="12700">
+                      <a:solidFill>
+                        <a:schemeClr val="lt1"/>
+                      </a:solidFill>
+                      <a:prstDash val="solid"/>
+                      <a:round/>
+                      <a:headEnd len="sm" w="sm" type="none"/>
+                      <a:tailEnd len="sm" w="sm" type="none"/>
+                    </a:lnB>
+                  </a:tcPr>
                 </a:tc>
                 <a:tc>
                   <a:txBody>
@@ -21409,7 +22551,11 @@
                         <a:buNone/>
                       </a:pPr>
                       <a:r>
-                        <a:rPr b="0" i="0" lang="en-IN" sz="1400" u="none" cap="none" strike="noStrike">
+                        <a:rPr lang="en-IN" sz="1600"/>
+                        <a:t>M</a:t>
+                      </a:r>
+                      <a:r>
+                        <a:rPr b="0" i="0" lang="en-IN" sz="1600" u="none" cap="none" strike="noStrike">
                           <a:solidFill>
                             <a:schemeClr val="dk1"/>
                           </a:solidFill>
@@ -21418,12 +22564,49 @@
                           <a:cs typeface="Calibri"/>
                           <a:sym typeface="Calibri"/>
                         </a:rPr>
-                        <a:t>modern inventory management</a:t>
+                        <a:t>odern inventory management</a:t>
                       </a:r>
-                      <a:endParaRPr/>
+                      <a:endParaRPr sz="1600"/>
                     </a:p>
                   </a:txBody>
-                  <a:tcPr marT="45725" marB="45725" marR="91450" marL="91450"/>
+                  <a:tcPr marT="45725" marB="45725" marR="91450" marL="91450">
+                    <a:lnL cap="flat" cmpd="sng" w="12700">
+                      <a:solidFill>
+                        <a:schemeClr val="lt1"/>
+                      </a:solidFill>
+                      <a:prstDash val="solid"/>
+                      <a:round/>
+                      <a:headEnd len="sm" w="sm" type="none"/>
+                      <a:tailEnd len="sm" w="sm" type="none"/>
+                    </a:lnL>
+                    <a:lnR cap="flat" cmpd="sng" w="12700">
+                      <a:solidFill>
+                        <a:schemeClr val="lt1"/>
+                      </a:solidFill>
+                      <a:prstDash val="solid"/>
+                      <a:round/>
+                      <a:headEnd len="sm" w="sm" type="none"/>
+                      <a:tailEnd len="sm" w="sm" type="none"/>
+                    </a:lnR>
+                    <a:lnT cap="flat" cmpd="sng" w="12700">
+                      <a:solidFill>
+                        <a:schemeClr val="lt1"/>
+                      </a:solidFill>
+                      <a:prstDash val="solid"/>
+                      <a:round/>
+                      <a:headEnd len="sm" w="sm" type="none"/>
+                      <a:tailEnd len="sm" w="sm" type="none"/>
+                    </a:lnT>
+                    <a:lnB cap="flat" cmpd="sng" w="12700">
+                      <a:solidFill>
+                        <a:schemeClr val="lt1"/>
+                      </a:solidFill>
+                      <a:prstDash val="solid"/>
+                      <a:round/>
+                      <a:headEnd len="sm" w="sm" type="none"/>
+                      <a:tailEnd len="sm" w="sm" type="none"/>
+                    </a:lnB>
+                  </a:tcPr>
                 </a:tc>
                 <a:tc>
                   <a:txBody>
@@ -21448,7 +22631,7 @@
                         <a:buNone/>
                       </a:pPr>
                       <a:r>
-                        <a:rPr b="0" i="0" lang="en-IN" sz="1400" u="none" cap="none" strike="noStrike">
+                        <a:rPr b="0" i="0" lang="en-IN" sz="1600" u="none" cap="none" strike="noStrike">
                           <a:solidFill>
                             <a:schemeClr val="dk1"/>
                           </a:solidFill>
@@ -21467,7 +22650,360 @@
                       </a:endParaRPr>
                     </a:p>
                   </a:txBody>
-                  <a:tcPr marT="45725" marB="45725" marR="91450" marL="91450"/>
+                  <a:tcPr marT="45725" marB="45725" marR="91450" marL="91450">
+                    <a:lnL cap="flat" cmpd="sng" w="12700">
+                      <a:solidFill>
+                        <a:schemeClr val="lt1"/>
+                      </a:solidFill>
+                      <a:prstDash val="solid"/>
+                      <a:round/>
+                      <a:headEnd len="sm" w="sm" type="none"/>
+                      <a:tailEnd len="sm" w="sm" type="none"/>
+                    </a:lnL>
+                    <a:lnR cap="flat" cmpd="sng" w="12700">
+                      <a:solidFill>
+                        <a:schemeClr val="lt1"/>
+                      </a:solidFill>
+                      <a:prstDash val="solid"/>
+                      <a:round/>
+                      <a:headEnd len="sm" w="sm" type="none"/>
+                      <a:tailEnd len="sm" w="sm" type="none"/>
+                    </a:lnR>
+                    <a:lnT cap="flat" cmpd="sng" w="12700">
+                      <a:solidFill>
+                        <a:schemeClr val="lt1"/>
+                      </a:solidFill>
+                      <a:prstDash val="solid"/>
+                      <a:round/>
+                      <a:headEnd len="sm" w="sm" type="none"/>
+                      <a:tailEnd len="sm" w="sm" type="none"/>
+                    </a:lnT>
+                    <a:lnB cap="flat" cmpd="sng" w="12700">
+                      <a:solidFill>
+                        <a:schemeClr val="lt1"/>
+                      </a:solidFill>
+                      <a:prstDash val="solid"/>
+                      <a:round/>
+                      <a:headEnd len="sm" w="sm" type="none"/>
+                      <a:tailEnd len="sm" w="sm" type="none"/>
+                    </a:lnB>
+                  </a:tcPr>
+                </a:tc>
+              </a:tr>
+              <a:tr h="2134800">
+                <a:tc>
+                  <a:txBody>
+                    <a:bodyPr/>
+                    <a:lstStyle/>
+                    <a:p>
+                      <a:pPr indent="0" lvl="0" marL="0" marR="0" rtl="0" algn="ctr">
+                        <a:lnSpc>
+                          <a:spcPct val="250000"/>
+                        </a:lnSpc>
+                        <a:spcBef>
+                          <a:spcPts val="0"/>
+                        </a:spcBef>
+                        <a:spcAft>
+                          <a:spcPts val="0"/>
+                        </a:spcAft>
+                        <a:buClr>
+                          <a:srgbClr val="000000"/>
+                        </a:buClr>
+                        <a:buSzPts val="1800"/>
+                        <a:buFont typeface="Arial"/>
+                        <a:buNone/>
+                      </a:pPr>
+                      <a:r>
+                        <a:rPr lang="en-IN" sz="1800" u="none" cap="none" strike="noStrike"/>
+                        <a:t>14</a:t>
+                      </a:r>
+                      <a:endParaRPr sz="1800" u="none" cap="none" strike="noStrike"/>
+                    </a:p>
+                  </a:txBody>
+                  <a:tcPr marT="45725" marB="45725" marR="91450" marL="91450">
+                    <a:lnR cap="flat" cmpd="sng" w="12700">
+                      <a:solidFill>
+                        <a:schemeClr val="lt1"/>
+                      </a:solidFill>
+                      <a:prstDash val="solid"/>
+                      <a:round/>
+                      <a:headEnd len="sm" w="sm" type="none"/>
+                      <a:tailEnd len="sm" w="sm" type="none"/>
+                    </a:lnR>
+                  </a:tcPr>
+                </a:tc>
+                <a:tc>
+                  <a:txBody>
+                    <a:bodyPr/>
+                    <a:lstStyle/>
+                    <a:p>
+                      <a:pPr indent="0" lvl="0" marL="0" marR="0" rtl="0" algn="l">
+                        <a:lnSpc>
+                          <a:spcPct val="100000"/>
+                        </a:lnSpc>
+                        <a:spcBef>
+                          <a:spcPts val="0"/>
+                        </a:spcBef>
+                        <a:spcAft>
+                          <a:spcPts val="0"/>
+                        </a:spcAft>
+                        <a:buClr>
+                          <a:srgbClr val="000000"/>
+                        </a:buClr>
+                        <a:buSzPts val="1400"/>
+                        <a:buFont typeface="Arial"/>
+                        <a:buNone/>
+                      </a:pPr>
+                      <a:r>
+                        <a:rPr b="0" i="0" lang="en-IN" sz="1600" u="none" cap="none" strike="noStrike">
+                          <a:solidFill>
+                            <a:schemeClr val="dk1"/>
+                          </a:solidFill>
+                          <a:latin typeface="Calibri"/>
+                          <a:ea typeface="Calibri"/>
+                          <a:cs typeface="Calibri"/>
+                          <a:sym typeface="Calibri"/>
+                        </a:rPr>
+                        <a:t>Serhii ZIUKOV Yurii Fedkovych Chernivtsi National University 2 Kotsjubynskyi str., Chernivtsi 58012 / </a:t>
+                      </a:r>
+                      <a:r>
+                        <a:rPr b="1" i="0" lang="en-IN" sz="1600" u="none" cap="none" strike="noStrike">
+                          <a:solidFill>
+                            <a:schemeClr val="dk1"/>
+                          </a:solidFill>
+                        </a:rPr>
+                        <a:t>201</a:t>
+                      </a:r>
+                      <a:r>
+                        <a:rPr b="1" lang="en-IN" sz="1600"/>
+                        <a:t>5</a:t>
+                      </a:r>
+                      <a:endParaRPr b="1" sz="1600" u="none" cap="none" strike="noStrike"/>
+                    </a:p>
+                  </a:txBody>
+                  <a:tcPr marT="45725" marB="45725" marR="91450" marL="91450">
+                    <a:lnL cap="flat" cmpd="sng" w="12700">
+                      <a:solidFill>
+                        <a:schemeClr val="lt1"/>
+                      </a:solidFill>
+                      <a:prstDash val="solid"/>
+                      <a:round/>
+                      <a:headEnd len="sm" w="sm" type="none"/>
+                      <a:tailEnd len="sm" w="sm" type="none"/>
+                    </a:lnL>
+                    <a:lnR cap="flat" cmpd="sng" w="12700">
+                      <a:solidFill>
+                        <a:schemeClr val="lt1"/>
+                      </a:solidFill>
+                      <a:prstDash val="solid"/>
+                      <a:round/>
+                      <a:headEnd len="sm" w="sm" type="none"/>
+                      <a:tailEnd len="sm" w="sm" type="none"/>
+                    </a:lnR>
+                    <a:lnT cap="flat" cmpd="sng" w="12700">
+                      <a:solidFill>
+                        <a:schemeClr val="lt1"/>
+                      </a:solidFill>
+                      <a:prstDash val="solid"/>
+                      <a:round/>
+                      <a:headEnd len="sm" w="sm" type="none"/>
+                      <a:tailEnd len="sm" w="sm" type="none"/>
+                    </a:lnT>
+                    <a:lnB cap="flat" cmpd="sng" w="38100">
+                      <a:solidFill>
+                        <a:schemeClr val="lt1"/>
+                      </a:solidFill>
+                      <a:prstDash val="solid"/>
+                      <a:round/>
+                      <a:headEnd len="sm" w="sm" type="none"/>
+                      <a:tailEnd len="sm" w="sm" type="none"/>
+                    </a:lnB>
+                  </a:tcPr>
+                </a:tc>
+                <a:tc>
+                  <a:txBody>
+                    <a:bodyPr/>
+                    <a:lstStyle/>
+                    <a:p>
+                      <a:pPr indent="0" lvl="0" marL="0" marR="0" rtl="0" algn="l">
+                        <a:lnSpc>
+                          <a:spcPct val="100000"/>
+                        </a:lnSpc>
+                        <a:spcBef>
+                          <a:spcPts val="0"/>
+                        </a:spcBef>
+                        <a:spcAft>
+                          <a:spcPts val="0"/>
+                        </a:spcAft>
+                        <a:buClr>
+                          <a:srgbClr val="000000"/>
+                        </a:buClr>
+                        <a:buSzPts val="1400"/>
+                        <a:buFont typeface="Arial"/>
+                        <a:buNone/>
+                      </a:pPr>
+                      <a:r>
+                        <a:rPr b="0" i="0" lang="en-IN" sz="1600" u="none" cap="none" strike="noStrike">
+                          <a:solidFill>
+                            <a:schemeClr val="dk1"/>
+                          </a:solidFill>
+                          <a:latin typeface="Calibri"/>
+                          <a:ea typeface="Calibri"/>
+                          <a:cs typeface="Calibri"/>
+                          <a:sym typeface="Calibri"/>
+                        </a:rPr>
+                        <a:t>INVENTORY MANAGEMENT UNDER UNCERTAINTY</a:t>
+                      </a:r>
+                      <a:endParaRPr sz="1600" u="none" cap="none" strike="noStrike"/>
+                    </a:p>
+                  </a:txBody>
+                  <a:tcPr marT="45725" marB="45725" marR="91450" marL="91450">
+                    <a:lnL cap="flat" cmpd="sng" w="12700">
+                      <a:solidFill>
+                        <a:schemeClr val="lt1"/>
+                      </a:solidFill>
+                      <a:prstDash val="solid"/>
+                      <a:round/>
+                      <a:headEnd len="sm" w="sm" type="none"/>
+                      <a:tailEnd len="sm" w="sm" type="none"/>
+                    </a:lnL>
+                    <a:lnR cap="flat" cmpd="sng" w="12700">
+                      <a:solidFill>
+                        <a:schemeClr val="lt1"/>
+                      </a:solidFill>
+                      <a:prstDash val="solid"/>
+                      <a:round/>
+                      <a:headEnd len="sm" w="sm" type="none"/>
+                      <a:tailEnd len="sm" w="sm" type="none"/>
+                    </a:lnR>
+                    <a:lnT cap="flat" cmpd="sng" w="12700">
+                      <a:solidFill>
+                        <a:schemeClr val="lt1"/>
+                      </a:solidFill>
+                      <a:prstDash val="solid"/>
+                      <a:round/>
+                      <a:headEnd len="sm" w="sm" type="none"/>
+                      <a:tailEnd len="sm" w="sm" type="none"/>
+                    </a:lnT>
+                    <a:lnB cap="flat" cmpd="sng" w="38100">
+                      <a:solidFill>
+                        <a:schemeClr val="lt1"/>
+                      </a:solidFill>
+                      <a:prstDash val="solid"/>
+                      <a:round/>
+                      <a:headEnd len="sm" w="sm" type="none"/>
+                      <a:tailEnd len="sm" w="sm" type="none"/>
+                    </a:lnB>
+                  </a:tcPr>
+                </a:tc>
+                <a:tc>
+                  <a:txBody>
+                    <a:bodyPr/>
+                    <a:lstStyle/>
+                    <a:p>
+                      <a:pPr indent="0" lvl="0" marL="0" marR="0" rtl="0" algn="l">
+                        <a:lnSpc>
+                          <a:spcPct val="100000"/>
+                        </a:lnSpc>
+                        <a:spcBef>
+                          <a:spcPts val="0"/>
+                        </a:spcBef>
+                        <a:spcAft>
+                          <a:spcPts val="0"/>
+                        </a:spcAft>
+                        <a:buClr>
+                          <a:srgbClr val="000000"/>
+                        </a:buClr>
+                        <a:buSzPts val="1100"/>
+                        <a:buFont typeface="Arial"/>
+                        <a:buNone/>
+                      </a:pPr>
+                      <a:r>
+                        <a:rPr b="0" i="0" lang="en-IN" sz="1600" u="none" cap="none" strike="noStrike">
+                          <a:solidFill>
+                            <a:schemeClr val="dk1"/>
+                          </a:solidFill>
+                          <a:latin typeface="Calibri"/>
+                          <a:ea typeface="Calibri"/>
+                          <a:cs typeface="Calibri"/>
+                          <a:sym typeface="Calibri"/>
+                        </a:rPr>
+                        <a:t>This paper analyzes possible parameters of existing models of inventory control. An attempt is made to provide an up-to-date review of existing literature, concentrating on descriptions of the characteristics and types of inventory control models that have been developed.</a:t>
+                      </a:r>
+                      <a:endParaRPr sz="1600" u="none" cap="none" strike="noStrike">
+                        <a:latin typeface="Times New Roman"/>
+                        <a:ea typeface="Times New Roman"/>
+                        <a:cs typeface="Times New Roman"/>
+                        <a:sym typeface="Times New Roman"/>
+                      </a:endParaRPr>
+                    </a:p>
+                    <a:p>
+                      <a:pPr indent="0" lvl="0" marL="0" marR="0" rtl="0" algn="l">
+                        <a:lnSpc>
+                          <a:spcPct val="100000"/>
+                        </a:lnSpc>
+                        <a:spcBef>
+                          <a:spcPts val="0"/>
+                        </a:spcBef>
+                        <a:spcAft>
+                          <a:spcPts val="0"/>
+                        </a:spcAft>
+                        <a:buClr>
+                          <a:srgbClr val="000000"/>
+                        </a:buClr>
+                        <a:buSzPts val="1100"/>
+                        <a:buFont typeface="Arial"/>
+                        <a:buNone/>
+                      </a:pPr>
+                      <a:r>
+                        <a:t/>
+                      </a:r>
+                      <a:endParaRPr sz="1600" u="none" cap="none" strike="noStrike">
+                        <a:latin typeface="Times New Roman"/>
+                        <a:ea typeface="Times New Roman"/>
+                        <a:cs typeface="Times New Roman"/>
+                        <a:sym typeface="Times New Roman"/>
+                      </a:endParaRPr>
+                    </a:p>
+                  </a:txBody>
+                  <a:tcPr marT="45725" marB="45725" marR="91450" marL="91450">
+                    <a:lnL cap="flat" cmpd="sng" w="12700">
+                      <a:solidFill>
+                        <a:schemeClr val="lt1"/>
+                      </a:solidFill>
+                      <a:prstDash val="solid"/>
+                      <a:round/>
+                      <a:headEnd len="sm" w="sm" type="none"/>
+                      <a:tailEnd len="sm" w="sm" type="none"/>
+                    </a:lnL>
+                    <a:lnR cap="flat" cmpd="sng" w="12700">
+                      <a:solidFill>
+                        <a:schemeClr val="lt1"/>
+                      </a:solidFill>
+                      <a:prstDash val="solid"/>
+                      <a:round/>
+                      <a:headEnd len="sm" w="sm" type="none"/>
+                      <a:tailEnd len="sm" w="sm" type="none"/>
+                    </a:lnR>
+                    <a:lnT cap="flat" cmpd="sng" w="12700">
+                      <a:solidFill>
+                        <a:schemeClr val="lt1"/>
+                      </a:solidFill>
+                      <a:prstDash val="solid"/>
+                      <a:round/>
+                      <a:headEnd len="sm" w="sm" type="none"/>
+                      <a:tailEnd len="sm" w="sm" type="none"/>
+                    </a:lnT>
+                    <a:lnB cap="flat" cmpd="sng" w="38100">
+                      <a:solidFill>
+                        <a:schemeClr val="lt1"/>
+                      </a:solidFill>
+                      <a:prstDash val="solid"/>
+                      <a:round/>
+                      <a:headEnd len="sm" w="sm" type="none"/>
+                      <a:tailEnd len="sm" w="sm" type="none"/>
+                    </a:lnB>
+                  </a:tcPr>
                 </a:tc>
               </a:tr>
             </a:tbl>
@@ -21501,7 +23037,7 @@
       </p:grpSpPr>
       <p:sp>
         <p:nvSpPr>
-          <p:cNvPr id="133" name="Google Shape;133;p10"/>
+          <p:cNvPr id="133" name="Google Shape;133;g15cb980098e_1_0"/>
           <p:cNvSpPr txBox="1"/>
           <p:nvPr>
             <p:ph type="title"/>
@@ -21509,7 +23045,7 @@
         </p:nvSpPr>
         <p:spPr>
           <a:xfrm>
-            <a:off x="838200" y="-254700"/>
+            <a:off x="838200" y="0"/>
             <a:ext cx="10515600" cy="1049700"/>
           </a:xfrm>
           <a:prstGeom prst="rect">
@@ -21558,12 +23094,12 @@
       </p:sp>
       <p:graphicFrame>
         <p:nvGraphicFramePr>
-          <p:cNvPr id="134" name="Google Shape;134;p10"/>
+          <p:cNvPr id="134" name="Google Shape;134;g15cb980098e_1_0"/>
           <p:cNvGraphicFramePr/>
           <p:nvPr/>
         </p:nvGraphicFramePr>
         <p:xfrm>
-          <a:off x="838200" y="467225"/>
+          <a:off x="838200" y="1195175"/>
           <a:ext cx="3000000" cy="3000000"/>
         </p:xfrm>
         <a:graphic>
@@ -21571,7 +23107,7 @@
             <a:tbl>
               <a:tblPr bandRow="1" firstRow="1">
                 <a:noFill/>
-                <a:tableStyleId>{62BF7A08-94A4-4D0D-B81D-A38B6230D4CA}</a:tableStyleId>
+                <a:tableStyleId>{7BFAED78-9358-43A6-B5EC-C48E128BDD87}</a:tableStyleId>
               </a:tblPr>
               <a:tblGrid>
                 <a:gridCol w="1043875"/>
@@ -21710,7 +23246,17 @@
                       <a:endParaRPr sz="1800" u="none" cap="none" strike="noStrike"/>
                     </a:p>
                   </a:txBody>
-                  <a:tcPr marT="45725" marB="45725" marR="91450" marL="91450"/>
+                  <a:tcPr marT="45725" marB="45725" marR="91450" marL="91450">
+                    <a:lnB cap="flat" cmpd="sng" w="12700">
+                      <a:solidFill>
+                        <a:schemeClr val="lt1"/>
+                      </a:solidFill>
+                      <a:prstDash val="solid"/>
+                      <a:round/>
+                      <a:headEnd len="sm" w="sm" type="none"/>
+                      <a:tailEnd len="sm" w="sm" type="none"/>
+                    </a:lnB>
+                  </a:tcPr>
                 </a:tc>
                 <a:tc>
                   <a:txBody>
@@ -21764,7 +23310,17 @@
                       <a:endParaRPr sz="1800" u="none" cap="none" strike="noStrike"/>
                     </a:p>
                   </a:txBody>
-                  <a:tcPr marT="45725" marB="45725" marR="91450" marL="91450"/>
+                  <a:tcPr marT="45725" marB="45725" marR="91450" marL="91450">
+                    <a:lnB cap="flat" cmpd="sng" w="12700">
+                      <a:solidFill>
+                        <a:schemeClr val="lt1"/>
+                      </a:solidFill>
+                      <a:prstDash val="solid"/>
+                      <a:round/>
+                      <a:headEnd len="sm" w="sm" type="none"/>
+                      <a:tailEnd len="sm" w="sm" type="none"/>
+                    </a:lnB>
+                  </a:tcPr>
                 </a:tc>
                 <a:tc>
                   <a:txBody>
@@ -21818,7 +23374,17 @@
                       <a:endParaRPr sz="1800" u="none" cap="none" strike="noStrike"/>
                     </a:p>
                   </a:txBody>
-                  <a:tcPr marT="45725" marB="45725" marR="91450" marL="91450"/>
+                  <a:tcPr marT="45725" marB="45725" marR="91450" marL="91450">
+                    <a:lnB cap="flat" cmpd="sng" w="12700">
+                      <a:solidFill>
+                        <a:schemeClr val="lt1"/>
+                      </a:solidFill>
+                      <a:prstDash val="solid"/>
+                      <a:round/>
+                      <a:headEnd len="sm" w="sm" type="none"/>
+                      <a:tailEnd len="sm" w="sm" type="none"/>
+                    </a:lnB>
+                  </a:tcPr>
                 </a:tc>
               </a:tr>
               <a:tr h="2838775">
@@ -21846,12 +23412,26 @@
                       </a:pPr>
                       <a:r>
                         <a:rPr lang="en-IN" sz="1800" u="none" cap="none" strike="noStrike"/>
-                        <a:t>15</a:t>
+                        <a:t>1</a:t>
+                      </a:r>
+                      <a:r>
+                        <a:rPr lang="en-IN" sz="1800"/>
+                        <a:t>5</a:t>
                       </a:r>
                       <a:endParaRPr sz="1800" u="none" cap="none" strike="noStrike"/>
                     </a:p>
                   </a:txBody>
-                  <a:tcPr marT="45725" marB="45725" marR="91450" marL="91450"/>
+                  <a:tcPr marT="45725" marB="45725" marR="91450" marL="91450">
+                    <a:lnR cap="flat" cmpd="sng" w="12700">
+                      <a:solidFill>
+                        <a:schemeClr val="lt1"/>
+                      </a:solidFill>
+                      <a:prstDash val="solid"/>
+                      <a:round/>
+                      <a:headEnd len="sm" w="sm" type="none"/>
+                      <a:tailEnd len="sm" w="sm" type="none"/>
+                    </a:lnR>
+                  </a:tcPr>
                 </a:tc>
                 <a:tc>
                   <a:txBody>
@@ -21876,25 +23456,58 @@
                         <a:buNone/>
                       </a:pPr>
                       <a:r>
-                        <a:rPr b="0" i="0" lang="en-IN" sz="1400" u="none" cap="none" strike="noStrike">
-                          <a:solidFill>
-                            <a:schemeClr val="dk1"/>
-                          </a:solidFill>
-                          <a:latin typeface="Calibri"/>
-                          <a:ea typeface="Calibri"/>
-                          <a:cs typeface="Calibri"/>
-                          <a:sym typeface="Calibri"/>
-                        </a:rPr>
-                        <a:t>Serhii ZIUKOV Yurii Fedkovych Chernivtsi National University 2 Kotsjubynskyi str., Chernivtsi 58012 / 201</a:t>
+                        <a:rPr lang="en-IN" sz="1600" u="none" cap="none" strike="noStrike"/>
+                        <a:t>RAHMAT BEE ABDUL ALEEM / </a:t>
                       </a:r>
                       <a:r>
-                        <a:rPr lang="en-IN"/>
-                        <a:t>5</a:t>
+                        <a:rPr b="1" lang="en-IN" sz="1600" u="none" cap="none" strike="noStrike"/>
+                        <a:t>2013</a:t>
                       </a:r>
-                      <a:endParaRPr sz="1400" u="none" cap="none" strike="noStrike"/>
+                      <a:r>
+                        <a:rPr lang="en-IN" sz="1600" u="none" cap="none" strike="noStrike"/>
+                        <a:t> </a:t>
+                      </a:r>
+                      <a:endParaRPr sz="1600" u="none" cap="none" strike="noStrike"/>
                     </a:p>
                   </a:txBody>
-                  <a:tcPr marT="45725" marB="45725" marR="91450" marL="91450"/>
+                  <a:tcPr marT="45725" marB="45725" marR="91450" marL="91450">
+                    <a:lnL cap="flat" cmpd="sng" w="12700">
+                      <a:solidFill>
+                        <a:schemeClr val="lt1"/>
+                      </a:solidFill>
+                      <a:prstDash val="solid"/>
+                      <a:round/>
+                      <a:headEnd len="sm" w="sm" type="none"/>
+                      <a:tailEnd len="sm" w="sm" type="none"/>
+                    </a:lnL>
+                    <a:lnR cap="flat" cmpd="sng" w="12700">
+                      <a:solidFill>
+                        <a:schemeClr val="lt1"/>
+                      </a:solidFill>
+                      <a:prstDash val="solid"/>
+                      <a:round/>
+                      <a:headEnd len="sm" w="sm" type="none"/>
+                      <a:tailEnd len="sm" w="sm" type="none"/>
+                    </a:lnR>
+                    <a:lnT cap="flat" cmpd="sng" w="12700">
+                      <a:solidFill>
+                        <a:schemeClr val="lt1"/>
+                      </a:solidFill>
+                      <a:prstDash val="solid"/>
+                      <a:round/>
+                      <a:headEnd len="sm" w="sm" type="none"/>
+                      <a:tailEnd len="sm" w="sm" type="none"/>
+                    </a:lnT>
+                    <a:lnB cap="flat" cmpd="sng" w="38100">
+                      <a:solidFill>
+                        <a:schemeClr val="lt1"/>
+                      </a:solidFill>
+                      <a:prstDash val="solid"/>
+                      <a:round/>
+                      <a:headEnd len="sm" w="sm" type="none"/>
+                      <a:tailEnd len="sm" w="sm" type="none"/>
+                    </a:lnB>
+                  </a:tcPr>
                 </a:tc>
                 <a:tc>
                   <a:txBody>
@@ -21919,21 +23532,50 @@
                         <a:buNone/>
                       </a:pPr>
                       <a:r>
-                        <a:rPr b="0" i="0" lang="en-IN" sz="1400" u="none" cap="none" strike="noStrike">
-                          <a:solidFill>
-                            <a:schemeClr val="dk1"/>
-                          </a:solidFill>
-                          <a:latin typeface="Calibri"/>
-                          <a:ea typeface="Calibri"/>
-                          <a:cs typeface="Calibri"/>
-                          <a:sym typeface="Calibri"/>
-                        </a:rPr>
-                        <a:t>INVENTORY MANAGEMENT UNDER UNCERTAINTY</a:t>
+                        <a:rPr lang="en-IN" sz="1600" u="none" cap="none" strike="noStrike"/>
+                        <a:t>SALES AND INVENTORY MANAGEMENT SYSTEM</a:t>
                       </a:r>
-                      <a:endParaRPr sz="1400" u="none" cap="none" strike="noStrike"/>
+                      <a:endParaRPr sz="1600"/>
                     </a:p>
                   </a:txBody>
-                  <a:tcPr marT="45725" marB="45725" marR="91450" marL="91450"/>
+                  <a:tcPr marT="45725" marB="45725" marR="91450" marL="91450">
+                    <a:lnL cap="flat" cmpd="sng" w="12700">
+                      <a:solidFill>
+                        <a:schemeClr val="lt1"/>
+                      </a:solidFill>
+                      <a:prstDash val="solid"/>
+                      <a:round/>
+                      <a:headEnd len="sm" w="sm" type="none"/>
+                      <a:tailEnd len="sm" w="sm" type="none"/>
+                    </a:lnL>
+                    <a:lnR cap="flat" cmpd="sng" w="12700">
+                      <a:solidFill>
+                        <a:schemeClr val="lt1"/>
+                      </a:solidFill>
+                      <a:prstDash val="solid"/>
+                      <a:round/>
+                      <a:headEnd len="sm" w="sm" type="none"/>
+                      <a:tailEnd len="sm" w="sm" type="none"/>
+                    </a:lnR>
+                    <a:lnT cap="flat" cmpd="sng" w="12700">
+                      <a:solidFill>
+                        <a:schemeClr val="lt1"/>
+                      </a:solidFill>
+                      <a:prstDash val="solid"/>
+                      <a:round/>
+                      <a:headEnd len="sm" w="sm" type="none"/>
+                      <a:tailEnd len="sm" w="sm" type="none"/>
+                    </a:lnT>
+                    <a:lnB cap="flat" cmpd="sng" w="38100">
+                      <a:solidFill>
+                        <a:schemeClr val="lt1"/>
+                      </a:solidFill>
+                      <a:prstDash val="solid"/>
+                      <a:round/>
+                      <a:headEnd len="sm" w="sm" type="none"/>
+                      <a:tailEnd len="sm" w="sm" type="none"/>
+                    </a:lnB>
+                  </a:tcPr>
                 </a:tc>
                 <a:tc>
                   <a:txBody>
@@ -21958,44 +23600,8 @@
                         <a:buNone/>
                       </a:pPr>
                       <a:r>
-                        <a:rPr b="0" i="0" lang="en-IN" sz="1600" u="none" cap="none" strike="noStrike">
-                          <a:solidFill>
-                            <a:schemeClr val="dk1"/>
-                          </a:solidFill>
-                          <a:latin typeface="Calibri"/>
-                          <a:ea typeface="Calibri"/>
-                          <a:cs typeface="Calibri"/>
-                          <a:sym typeface="Calibri"/>
-                        </a:rPr>
-                        <a:t>This paper analyzes possible parameters of existing models of inventory control. An attempt is made to provide an up-to-date review of existing literature, concentrating on descriptions of the characteristics and types of inventory control models that have been developed.</a:t>
-                      </a:r>
-                      <a:endParaRPr sz="1800" u="none" cap="none" strike="noStrike">
-                        <a:latin typeface="Times New Roman"/>
-                        <a:ea typeface="Times New Roman"/>
-                        <a:cs typeface="Times New Roman"/>
-                        <a:sym typeface="Times New Roman"/>
-                      </a:endParaRPr>
-                    </a:p>
-                    <a:p>
-                      <a:pPr indent="0" lvl="0" marL="0" marR="0" rtl="0" algn="l">
-                        <a:lnSpc>
-                          <a:spcPct val="100000"/>
-                        </a:lnSpc>
-                        <a:spcBef>
-                          <a:spcPts val="0"/>
-                        </a:spcBef>
-                        <a:spcAft>
-                          <a:spcPts val="0"/>
-                        </a:spcAft>
-                        <a:buClr>
-                          <a:srgbClr val="000000"/>
-                        </a:buClr>
-                        <a:buSzPts val="1100"/>
-                        <a:buFont typeface="Arial"/>
-                        <a:buNone/>
-                      </a:pPr>
-                      <a:r>
-                        <a:t/>
+                        <a:rPr lang="en-IN" sz="1600" u="none" cap="none" strike="noStrike"/>
+                        <a:t>This methodology wii perform the development stage in according to modules underlines in the scope of the project. Thus, version by version of the system will be developed before the whole complete system is ready to use</a:t>
                       </a:r>
                       <a:endParaRPr sz="1600" u="none" cap="none" strike="noStrike">
                         <a:latin typeface="Times New Roman"/>
@@ -22005,7 +23611,44 @@
                       </a:endParaRPr>
                     </a:p>
                   </a:txBody>
-                  <a:tcPr marT="45725" marB="45725" marR="91450" marL="91450"/>
+                  <a:tcPr marT="45725" marB="45725" marR="91450" marL="91450">
+                    <a:lnL cap="flat" cmpd="sng" w="12700">
+                      <a:solidFill>
+                        <a:schemeClr val="lt1"/>
+                      </a:solidFill>
+                      <a:prstDash val="solid"/>
+                      <a:round/>
+                      <a:headEnd len="sm" w="sm" type="none"/>
+                      <a:tailEnd len="sm" w="sm" type="none"/>
+                    </a:lnL>
+                    <a:lnR cap="flat" cmpd="sng" w="12700">
+                      <a:solidFill>
+                        <a:schemeClr val="lt1"/>
+                      </a:solidFill>
+                      <a:prstDash val="solid"/>
+                      <a:round/>
+                      <a:headEnd len="sm" w="sm" type="none"/>
+                      <a:tailEnd len="sm" w="sm" type="none"/>
+                    </a:lnR>
+                    <a:lnT cap="flat" cmpd="sng" w="12700">
+                      <a:solidFill>
+                        <a:schemeClr val="lt1"/>
+                      </a:solidFill>
+                      <a:prstDash val="solid"/>
+                      <a:round/>
+                      <a:headEnd len="sm" w="sm" type="none"/>
+                      <a:tailEnd len="sm" w="sm" type="none"/>
+                    </a:lnT>
+                    <a:lnB cap="flat" cmpd="sng" w="38100">
+                      <a:solidFill>
+                        <a:schemeClr val="lt1"/>
+                      </a:solidFill>
+                      <a:prstDash val="solid"/>
+                      <a:round/>
+                      <a:headEnd len="sm" w="sm" type="none"/>
+                      <a:tailEnd len="sm" w="sm" type="none"/>
+                    </a:lnB>
+                  </a:tcPr>
                 </a:tc>
               </a:tr>
             </a:tbl>
@@ -22021,6 +23664,285 @@
 </file>
 
 <file path=ppt/theme/theme1.xml><?xml version="1.0" encoding="utf-8"?>
+<a:theme xmlns:a="http://schemas.openxmlformats.org/drawingml/2006/main" xmlns:r="http://schemas.openxmlformats.org/officeDocument/2006/relationships" name="Office Theme">
+  <a:themeElements>
+    <a:clrScheme name="Office">
+      <a:dk1>
+        <a:srgbClr val="000000"/>
+      </a:dk1>
+      <a:lt1>
+        <a:srgbClr val="FFFFFF"/>
+      </a:lt1>
+      <a:dk2>
+        <a:srgbClr val="44546A"/>
+      </a:dk2>
+      <a:lt2>
+        <a:srgbClr val="E7E6E6"/>
+      </a:lt2>
+      <a:accent1>
+        <a:srgbClr val="4472C4"/>
+      </a:accent1>
+      <a:accent2>
+        <a:srgbClr val="ED7D31"/>
+      </a:accent2>
+      <a:accent3>
+        <a:srgbClr val="A5A5A5"/>
+      </a:accent3>
+      <a:accent4>
+        <a:srgbClr val="FFC000"/>
+      </a:accent4>
+      <a:accent5>
+        <a:srgbClr val="5B9BD5"/>
+      </a:accent5>
+      <a:accent6>
+        <a:srgbClr val="70AD47"/>
+      </a:accent6>
+      <a:hlink>
+        <a:srgbClr val="0563C1"/>
+      </a:hlink>
+      <a:folHlink>
+        <a:srgbClr val="954F72"/>
+      </a:folHlink>
+    </a:clrScheme>
+    <a:fontScheme name="Office">
+      <a:majorFont>
+        <a:latin typeface="Arial"/>
+        <a:ea typeface=""/>
+        <a:cs typeface=""/>
+        <a:font script="Jpan" typeface="ＭＳ Ｐゴシック"/>
+        <a:font script="Hang" typeface="맑은 고딕"/>
+        <a:font script="Hans" typeface="宋体"/>
+        <a:font script="Hant" typeface="新細明體"/>
+        <a:font script="Arab" typeface="Times New Roman"/>
+        <a:font script="Hebr" typeface="Times New Roman"/>
+        <a:font script="Thai" typeface="Angsana New"/>
+        <a:font script="Ethi" typeface="Nyala"/>
+        <a:font script="Beng" typeface="Vrinda"/>
+        <a:font script="Gujr" typeface="Shruti"/>
+        <a:font script="Khmr" typeface="MoolBoran"/>
+        <a:font script="Knda" typeface="Tunga"/>
+        <a:font script="Guru" typeface="Raavi"/>
+        <a:font script="Cans" typeface="Euphemia"/>
+        <a:font script="Cher" typeface="Plantagenet Cherokee"/>
+        <a:font script="Yiii" typeface="Microsoft Yi Baiti"/>
+        <a:font script="Tibt" typeface="Microsoft Himalaya"/>
+        <a:font script="Thaa" typeface="MV Boli"/>
+        <a:font script="Deva" typeface="Mangal"/>
+        <a:font script="Telu" typeface="Gautami"/>
+        <a:font script="Taml" typeface="Latha"/>
+        <a:font script="Syrc" typeface="Estrangelo Edessa"/>
+        <a:font script="Orya" typeface="Kalinga"/>
+        <a:font script="Mlym" typeface="Kartika"/>
+        <a:font script="Laoo" typeface="DokChampa"/>
+        <a:font script="Sinh" typeface="Iskoola Pota"/>
+        <a:font script="Mong" typeface="Mongolian Baiti"/>
+        <a:font script="Viet" typeface="Times New Roman"/>
+        <a:font script="Uigh" typeface="Microsoft Uighur"/>
+        <a:font script="Geor" typeface="Sylfaen"/>
+      </a:majorFont>
+      <a:minorFont>
+        <a:latin typeface="Arial"/>
+        <a:ea typeface=""/>
+        <a:cs typeface=""/>
+        <a:font script="Jpan" typeface="ＭＳ Ｐゴシック"/>
+        <a:font script="Hang" typeface="맑은 고딕"/>
+        <a:font script="Hans" typeface="宋体"/>
+        <a:font script="Hant" typeface="新細明體"/>
+        <a:font script="Arab" typeface="Arial"/>
+        <a:font script="Hebr" typeface="Arial"/>
+        <a:font script="Thai" typeface="Cordia New"/>
+        <a:font script="Ethi" typeface="Nyala"/>
+        <a:font script="Beng" typeface="Vrinda"/>
+        <a:font script="Gujr" typeface="Shruti"/>
+        <a:font script="Khmr" typeface="DaunPenh"/>
+        <a:font script="Knda" typeface="Tunga"/>
+        <a:font script="Guru" typeface="Raavi"/>
+        <a:font script="Cans" typeface="Euphemia"/>
+        <a:font script="Cher" typeface="Plantagenet Cherokee"/>
+        <a:font script="Yiii" typeface="Microsoft Yi Baiti"/>
+        <a:font script="Tibt" typeface="Microsoft Himalaya"/>
+        <a:font script="Thaa" typeface="MV Boli"/>
+        <a:font script="Deva" typeface="Mangal"/>
+        <a:font script="Telu" typeface="Gautami"/>
+        <a:font script="Taml" typeface="Latha"/>
+        <a:font script="Syrc" typeface="Estrangelo Edessa"/>
+        <a:font script="Orya" typeface="Kalinga"/>
+        <a:font script="Mlym" typeface="Kartika"/>
+        <a:font script="Laoo" typeface="DokChampa"/>
+        <a:font script="Sinh" typeface="Iskoola Pota"/>
+        <a:font script="Mong" typeface="Mongolian Baiti"/>
+        <a:font script="Viet" typeface="Arial"/>
+        <a:font script="Uigh" typeface="Microsoft Uighur"/>
+        <a:font script="Geor" typeface="Sylfaen"/>
+      </a:minorFont>
+    </a:fontScheme>
+    <a:fmtScheme name="Office">
+      <a:fillStyleLst>
+        <a:solidFill>
+          <a:schemeClr val="phClr"/>
+        </a:solidFill>
+        <a:gradFill rotWithShape="1">
+          <a:gsLst>
+            <a:gs pos="0">
+              <a:schemeClr val="phClr">
+                <a:tint val="50000"/>
+                <a:satMod val="300000"/>
+              </a:schemeClr>
+            </a:gs>
+            <a:gs pos="35000">
+              <a:schemeClr val="phClr">
+                <a:tint val="37000"/>
+                <a:satMod val="300000"/>
+              </a:schemeClr>
+            </a:gs>
+            <a:gs pos="100000">
+              <a:schemeClr val="phClr">
+                <a:tint val="15000"/>
+                <a:satMod val="350000"/>
+              </a:schemeClr>
+            </a:gs>
+          </a:gsLst>
+          <a:lin ang="16200000" scaled="1"/>
+        </a:gradFill>
+        <a:gradFill rotWithShape="1">
+          <a:gsLst>
+            <a:gs pos="0">
+              <a:schemeClr val="phClr">
+                <a:tint val="100000"/>
+                <a:shade val="100000"/>
+                <a:satMod val="130000"/>
+              </a:schemeClr>
+            </a:gs>
+            <a:gs pos="100000">
+              <a:schemeClr val="phClr">
+                <a:tint val="50000"/>
+                <a:shade val="100000"/>
+                <a:satMod val="350000"/>
+              </a:schemeClr>
+            </a:gs>
+          </a:gsLst>
+          <a:lin ang="16200000" scaled="0"/>
+        </a:gradFill>
+      </a:fillStyleLst>
+      <a:lnStyleLst>
+        <a:ln w="9525" cap="flat" cmpd="sng" algn="ctr">
+          <a:solidFill>
+            <a:schemeClr val="phClr">
+              <a:shade val="95000"/>
+              <a:satMod val="105000"/>
+            </a:schemeClr>
+          </a:solidFill>
+          <a:prstDash val="solid"/>
+        </a:ln>
+        <a:ln w="25400" cap="flat" cmpd="sng" algn="ctr">
+          <a:solidFill>
+            <a:schemeClr val="phClr"/>
+          </a:solidFill>
+          <a:prstDash val="solid"/>
+        </a:ln>
+        <a:ln w="38100" cap="flat" cmpd="sng" algn="ctr">
+          <a:solidFill>
+            <a:schemeClr val="phClr"/>
+          </a:solidFill>
+          <a:prstDash val="solid"/>
+        </a:ln>
+      </a:lnStyleLst>
+      <a:effectStyleLst>
+        <a:effectStyle>
+          <a:effectLst>
+            <a:outerShdw blurRad="40000" dist="20000" dir="5400000" rotWithShape="0">
+              <a:srgbClr val="000000">
+                <a:alpha val="38000"/>
+              </a:srgbClr>
+            </a:outerShdw>
+          </a:effectLst>
+        </a:effectStyle>
+        <a:effectStyle>
+          <a:effectLst>
+            <a:outerShdw blurRad="40000" dist="23000" dir="5400000" rotWithShape="0">
+              <a:srgbClr val="000000">
+                <a:alpha val="35000"/>
+              </a:srgbClr>
+            </a:outerShdw>
+          </a:effectLst>
+        </a:effectStyle>
+        <a:effectStyle>
+          <a:effectLst>
+            <a:outerShdw blurRad="40000" dist="23000" dir="5400000" rotWithShape="0">
+              <a:srgbClr val="000000">
+                <a:alpha val="35000"/>
+              </a:srgbClr>
+            </a:outerShdw>
+          </a:effectLst>
+          <a:scene3d>
+            <a:camera prst="orthographicFront">
+              <a:rot lat="0" lon="0" rev="0"/>
+            </a:camera>
+            <a:lightRig rig="threePt" dir="t">
+              <a:rot lat="0" lon="0" rev="1200000"/>
+            </a:lightRig>
+          </a:scene3d>
+          <a:sp3d>
+            <a:bevelT w="63500" h="25400"/>
+          </a:sp3d>
+        </a:effectStyle>
+      </a:effectStyleLst>
+      <a:bgFillStyleLst>
+        <a:solidFill>
+          <a:schemeClr val="phClr"/>
+        </a:solidFill>
+        <a:gradFill rotWithShape="1">
+          <a:gsLst>
+            <a:gs pos="0">
+              <a:schemeClr val="phClr">
+                <a:tint val="40000"/>
+                <a:satMod val="350000"/>
+              </a:schemeClr>
+            </a:gs>
+            <a:gs pos="40000">
+              <a:schemeClr val="phClr">
+                <a:tint val="45000"/>
+                <a:shade val="99000"/>
+                <a:satMod val="350000"/>
+              </a:schemeClr>
+            </a:gs>
+            <a:gs pos="100000">
+              <a:schemeClr val="phClr">
+                <a:shade val="20000"/>
+                <a:satMod val="255000"/>
+              </a:schemeClr>
+            </a:gs>
+          </a:gsLst>
+          <a:path path="circle">
+            <a:fillToRect l="50000" t="-80000" r="50000" b="180000"/>
+          </a:path>
+        </a:gradFill>
+        <a:gradFill rotWithShape="1">
+          <a:gsLst>
+            <a:gs pos="0">
+              <a:schemeClr val="phClr">
+                <a:tint val="80000"/>
+                <a:satMod val="300000"/>
+              </a:schemeClr>
+            </a:gs>
+            <a:gs pos="100000">
+              <a:schemeClr val="phClr">
+                <a:shade val="30000"/>
+                <a:satMod val="200000"/>
+              </a:schemeClr>
+            </a:gs>
+          </a:gsLst>
+          <a:path path="circle">
+            <a:fillToRect l="50000" t="50000" r="50000" b="50000"/>
+          </a:path>
+        </a:gradFill>
+      </a:bgFillStyleLst>
+    </a:fmtScheme>
+  </a:themeElements>
+</a:theme>
+</file>
+
+<file path=ppt/theme/theme2.xml><?xml version="1.0" encoding="utf-8"?>
 <a:theme xmlns:a="http://schemas.openxmlformats.org/drawingml/2006/main" xmlns:r="http://schemas.openxmlformats.org/officeDocument/2006/relationships">
   <a:themeElements>
     <a:clrScheme name="Default">
@@ -22297,283 +24219,4 @@
     </a:fmtScheme>
   </a:themeElements>
 </a:theme>
-</file>
-
-<file path=ppt/theme/theme2.xml><?xml version="1.0" encoding="utf-8"?>
-<a:theme xmlns:a="http://schemas.openxmlformats.org/drawingml/2006/main" xmlns:r="http://schemas.openxmlformats.org/officeDocument/2006/relationships" name="Office Theme">
-  <a:themeElements>
-    <a:clrScheme name="Office">
-      <a:dk1>
-        <a:srgbClr val="000000"/>
-      </a:dk1>
-      <a:lt1>
-        <a:srgbClr val="FFFFFF"/>
-      </a:lt1>
-      <a:dk2>
-        <a:srgbClr val="44546A"/>
-      </a:dk2>
-      <a:lt2>
-        <a:srgbClr val="E7E6E6"/>
-      </a:lt2>
-      <a:accent1>
-        <a:srgbClr val="4472C4"/>
-      </a:accent1>
-      <a:accent2>
-        <a:srgbClr val="ED7D31"/>
-      </a:accent2>
-      <a:accent3>
-        <a:srgbClr val="A5A5A5"/>
-      </a:accent3>
-      <a:accent4>
-        <a:srgbClr val="FFC000"/>
-      </a:accent4>
-      <a:accent5>
-        <a:srgbClr val="5B9BD5"/>
-      </a:accent5>
-      <a:accent6>
-        <a:srgbClr val="70AD47"/>
-      </a:accent6>
-      <a:hlink>
-        <a:srgbClr val="0563C1"/>
-      </a:hlink>
-      <a:folHlink>
-        <a:srgbClr val="954F72"/>
-      </a:folHlink>
-    </a:clrScheme>
-    <a:fontScheme name="Office">
-      <a:majorFont>
-        <a:latin typeface="Arial"/>
-        <a:ea typeface=""/>
-        <a:cs typeface=""/>
-        <a:font script="Jpan" typeface="ＭＳ Ｐゴシック"/>
-        <a:font script="Hang" typeface="맑은 고딕"/>
-        <a:font script="Hans" typeface="宋体"/>
-        <a:font script="Hant" typeface="新細明體"/>
-        <a:font script="Arab" typeface="Times New Roman"/>
-        <a:font script="Hebr" typeface="Times New Roman"/>
-        <a:font script="Thai" typeface="Angsana New"/>
-        <a:font script="Ethi" typeface="Nyala"/>
-        <a:font script="Beng" typeface="Vrinda"/>
-        <a:font script="Gujr" typeface="Shruti"/>
-        <a:font script="Khmr" typeface="MoolBoran"/>
-        <a:font script="Knda" typeface="Tunga"/>
-        <a:font script="Guru" typeface="Raavi"/>
-        <a:font script="Cans" typeface="Euphemia"/>
-        <a:font script="Cher" typeface="Plantagenet Cherokee"/>
-        <a:font script="Yiii" typeface="Microsoft Yi Baiti"/>
-        <a:font script="Tibt" typeface="Microsoft Himalaya"/>
-        <a:font script="Thaa" typeface="MV Boli"/>
-        <a:font script="Deva" typeface="Mangal"/>
-        <a:font script="Telu" typeface="Gautami"/>
-        <a:font script="Taml" typeface="Latha"/>
-        <a:font script="Syrc" typeface="Estrangelo Edessa"/>
-        <a:font script="Orya" typeface="Kalinga"/>
-        <a:font script="Mlym" typeface="Kartika"/>
-        <a:font script="Laoo" typeface="DokChampa"/>
-        <a:font script="Sinh" typeface="Iskoola Pota"/>
-        <a:font script="Mong" typeface="Mongolian Baiti"/>
-        <a:font script="Viet" typeface="Times New Roman"/>
-        <a:font script="Uigh" typeface="Microsoft Uighur"/>
-        <a:font script="Geor" typeface="Sylfaen"/>
-      </a:majorFont>
-      <a:minorFont>
-        <a:latin typeface="Arial"/>
-        <a:ea typeface=""/>
-        <a:cs typeface=""/>
-        <a:font script="Jpan" typeface="ＭＳ Ｐゴシック"/>
-        <a:font script="Hang" typeface="맑은 고딕"/>
-        <a:font script="Hans" typeface="宋体"/>
-        <a:font script="Hant" typeface="新細明體"/>
-        <a:font script="Arab" typeface="Arial"/>
-        <a:font script="Hebr" typeface="Arial"/>
-        <a:font script="Thai" typeface="Cordia New"/>
-        <a:font script="Ethi" typeface="Nyala"/>
-        <a:font script="Beng" typeface="Vrinda"/>
-        <a:font script="Gujr" typeface="Shruti"/>
-        <a:font script="Khmr" typeface="DaunPenh"/>
-        <a:font script="Knda" typeface="Tunga"/>
-        <a:font script="Guru" typeface="Raavi"/>
-        <a:font script="Cans" typeface="Euphemia"/>
-        <a:font script="Cher" typeface="Plantagenet Cherokee"/>
-        <a:font script="Yiii" typeface="Microsoft Yi Baiti"/>
-        <a:font script="Tibt" typeface="Microsoft Himalaya"/>
-        <a:font script="Thaa" typeface="MV Boli"/>
-        <a:font script="Deva" typeface="Mangal"/>
-        <a:font script="Telu" typeface="Gautami"/>
-        <a:font script="Taml" typeface="Latha"/>
-        <a:font script="Syrc" typeface="Estrangelo Edessa"/>
-        <a:font script="Orya" typeface="Kalinga"/>
-        <a:font script="Mlym" typeface="Kartika"/>
-        <a:font script="Laoo" typeface="DokChampa"/>
-        <a:font script="Sinh" typeface="Iskoola Pota"/>
-        <a:font script="Mong" typeface="Mongolian Baiti"/>
-        <a:font script="Viet" typeface="Arial"/>
-        <a:font script="Uigh" typeface="Microsoft Uighur"/>
-        <a:font script="Geor" typeface="Sylfaen"/>
-      </a:minorFont>
-    </a:fontScheme>
-    <a:fmtScheme name="Office">
-      <a:fillStyleLst>
-        <a:solidFill>
-          <a:schemeClr val="phClr"/>
-        </a:solidFill>
-        <a:gradFill rotWithShape="1">
-          <a:gsLst>
-            <a:gs pos="0">
-              <a:schemeClr val="phClr">
-                <a:tint val="50000"/>
-                <a:satMod val="300000"/>
-              </a:schemeClr>
-            </a:gs>
-            <a:gs pos="35000">
-              <a:schemeClr val="phClr">
-                <a:tint val="37000"/>
-                <a:satMod val="300000"/>
-              </a:schemeClr>
-            </a:gs>
-            <a:gs pos="100000">
-              <a:schemeClr val="phClr">
-                <a:tint val="15000"/>
-                <a:satMod val="350000"/>
-              </a:schemeClr>
-            </a:gs>
-          </a:gsLst>
-          <a:lin ang="16200000" scaled="1"/>
-        </a:gradFill>
-        <a:gradFill rotWithShape="1">
-          <a:gsLst>
-            <a:gs pos="0">
-              <a:schemeClr val="phClr">
-                <a:tint val="100000"/>
-                <a:shade val="100000"/>
-                <a:satMod val="130000"/>
-              </a:schemeClr>
-            </a:gs>
-            <a:gs pos="100000">
-              <a:schemeClr val="phClr">
-                <a:tint val="50000"/>
-                <a:shade val="100000"/>
-                <a:satMod val="350000"/>
-              </a:schemeClr>
-            </a:gs>
-          </a:gsLst>
-          <a:lin ang="16200000" scaled="0"/>
-        </a:gradFill>
-      </a:fillStyleLst>
-      <a:lnStyleLst>
-        <a:ln w="9525" cap="flat" cmpd="sng" algn="ctr">
-          <a:solidFill>
-            <a:schemeClr val="phClr">
-              <a:shade val="95000"/>
-              <a:satMod val="105000"/>
-            </a:schemeClr>
-          </a:solidFill>
-          <a:prstDash val="solid"/>
-        </a:ln>
-        <a:ln w="25400" cap="flat" cmpd="sng" algn="ctr">
-          <a:solidFill>
-            <a:schemeClr val="phClr"/>
-          </a:solidFill>
-          <a:prstDash val="solid"/>
-        </a:ln>
-        <a:ln w="38100" cap="flat" cmpd="sng" algn="ctr">
-          <a:solidFill>
-            <a:schemeClr val="phClr"/>
-          </a:solidFill>
-          <a:prstDash val="solid"/>
-        </a:ln>
-      </a:lnStyleLst>
-      <a:effectStyleLst>
-        <a:effectStyle>
-          <a:effectLst>
-            <a:outerShdw blurRad="40000" dist="20000" dir="5400000" rotWithShape="0">
-              <a:srgbClr val="000000">
-                <a:alpha val="38000"/>
-              </a:srgbClr>
-            </a:outerShdw>
-          </a:effectLst>
-        </a:effectStyle>
-        <a:effectStyle>
-          <a:effectLst>
-            <a:outerShdw blurRad="40000" dist="23000" dir="5400000" rotWithShape="0">
-              <a:srgbClr val="000000">
-                <a:alpha val="35000"/>
-              </a:srgbClr>
-            </a:outerShdw>
-          </a:effectLst>
-        </a:effectStyle>
-        <a:effectStyle>
-          <a:effectLst>
-            <a:outerShdw blurRad="40000" dist="23000" dir="5400000" rotWithShape="0">
-              <a:srgbClr val="000000">
-                <a:alpha val="35000"/>
-              </a:srgbClr>
-            </a:outerShdw>
-          </a:effectLst>
-          <a:scene3d>
-            <a:camera prst="orthographicFront">
-              <a:rot lat="0" lon="0" rev="0"/>
-            </a:camera>
-            <a:lightRig rig="threePt" dir="t">
-              <a:rot lat="0" lon="0" rev="1200000"/>
-            </a:lightRig>
-          </a:scene3d>
-          <a:sp3d>
-            <a:bevelT w="63500" h="25400"/>
-          </a:sp3d>
-        </a:effectStyle>
-      </a:effectStyleLst>
-      <a:bgFillStyleLst>
-        <a:solidFill>
-          <a:schemeClr val="phClr"/>
-        </a:solidFill>
-        <a:gradFill rotWithShape="1">
-          <a:gsLst>
-            <a:gs pos="0">
-              <a:schemeClr val="phClr">
-                <a:tint val="40000"/>
-                <a:satMod val="350000"/>
-              </a:schemeClr>
-            </a:gs>
-            <a:gs pos="40000">
-              <a:schemeClr val="phClr">
-                <a:tint val="45000"/>
-                <a:shade val="99000"/>
-                <a:satMod val="350000"/>
-              </a:schemeClr>
-            </a:gs>
-            <a:gs pos="100000">
-              <a:schemeClr val="phClr">
-                <a:shade val="20000"/>
-                <a:satMod val="255000"/>
-              </a:schemeClr>
-            </a:gs>
-          </a:gsLst>
-          <a:path path="circle">
-            <a:fillToRect l="50000" t="-80000" r="50000" b="180000"/>
-          </a:path>
-        </a:gradFill>
-        <a:gradFill rotWithShape="1">
-          <a:gsLst>
-            <a:gs pos="0">
-              <a:schemeClr val="phClr">
-                <a:tint val="80000"/>
-                <a:satMod val="300000"/>
-              </a:schemeClr>
-            </a:gs>
-            <a:gs pos="100000">
-              <a:schemeClr val="phClr">
-                <a:shade val="30000"/>
-                <a:satMod val="200000"/>
-              </a:schemeClr>
-            </a:gs>
-          </a:gsLst>
-          <a:path path="circle">
-            <a:fillToRect l="50000" t="50000" r="50000" b="50000"/>
-          </a:path>
-        </a:gradFill>
-      </a:bgFillStyleLst>
-    </a:fmtScheme>
-  </a:themeElements>
-</a:theme>
 </file>